--- a/Predicting Diabetes.pptx
+++ b/Predicting Diabetes.pptx
@@ -5,18 +5,23 @@
     <p:sldMasterId id="2147483678" r:id="rId1"/>
   </p:sldMasterIdLst>
   <p:notesMasterIdLst>
-    <p:notesMasterId r:id="rId11"/>
+    <p:notesMasterId r:id="rId16"/>
   </p:notesMasterIdLst>
   <p:sldIdLst>
     <p:sldId id="256" r:id="rId2"/>
     <p:sldId id="257" r:id="rId3"/>
-    <p:sldId id="258" r:id="rId4"/>
-    <p:sldId id="259" r:id="rId5"/>
-    <p:sldId id="263" r:id="rId6"/>
-    <p:sldId id="260" r:id="rId7"/>
-    <p:sldId id="262" r:id="rId8"/>
-    <p:sldId id="261" r:id="rId9"/>
-    <p:sldId id="264" r:id="rId10"/>
+    <p:sldId id="266" r:id="rId4"/>
+    <p:sldId id="265" r:id="rId5"/>
+    <p:sldId id="267" r:id="rId6"/>
+    <p:sldId id="268" r:id="rId7"/>
+    <p:sldId id="269" r:id="rId8"/>
+    <p:sldId id="258" r:id="rId9"/>
+    <p:sldId id="259" r:id="rId10"/>
+    <p:sldId id="263" r:id="rId11"/>
+    <p:sldId id="260" r:id="rId12"/>
+    <p:sldId id="262" r:id="rId13"/>
+    <p:sldId id="261" r:id="rId14"/>
+    <p:sldId id="264" r:id="rId15"/>
   </p:sldIdLst>
   <p:sldSz cx="12192000" cy="6858000"/>
   <p:notesSz cx="6858000" cy="9144000"/>
@@ -115,6 +120,11 @@
       </a:defRPr>
     </a:lvl9pPr>
   </p:defaultTextStyle>
+  <p:extLst>
+    <p:ext uri="{EFAFB233-063F-42B5-8137-9DF3F51BA10A}">
+      <p15:sldGuideLst xmlns:p15="http://schemas.microsoft.com/office/powerpoint/2012/main"/>
+    </p:ext>
+  </p:extLst>
 </p:presentation>
 </file>
 
@@ -200,7 +210,7 @@
           <a:p>
             <a:fld id="{ECE06F24-416E-4FE9-BE7A-346C8E2A8456}" type="datetimeFigureOut">
               <a:rPr lang="en-US" smtClean="0"/>
-              <a:t>11/21/2023</a:t>
+              <a:t>11/28/23</a:t>
             </a:fld>
             <a:endParaRPr lang="en-US"/>
           </a:p>
@@ -535,7 +545,7 @@
           <a:p>
             <a:fld id="{36F9756E-D1BE-492A-B4AD-5962611D9A78}" type="slidenum">
               <a:rPr lang="en-US" smtClean="0"/>
-              <a:t>8</a:t>
+              <a:t>13</a:t>
             </a:fld>
             <a:endParaRPr lang="en-US"/>
           </a:p>
@@ -622,7 +632,7 @@
           <a:p>
             <a:fld id="{36F9756E-D1BE-492A-B4AD-5962611D9A78}" type="slidenum">
               <a:rPr lang="en-US" smtClean="0"/>
-              <a:t>9</a:t>
+              <a:t>14</a:t>
             </a:fld>
             <a:endParaRPr lang="en-US"/>
           </a:p>
@@ -774,7 +784,7 @@
           <a:p>
             <a:fld id="{E0D4D648-79E3-406C-889D-B77647E82D44}" type="datetimeFigureOut">
               <a:rPr lang="en-US" smtClean="0"/>
-              <a:t>11/21/2023</a:t>
+              <a:t>11/28/23</a:t>
             </a:fld>
             <a:endParaRPr lang="en-US"/>
           </a:p>
@@ -1061,7 +1071,7 @@
           <a:p>
             <a:fld id="{E0D4D648-79E3-406C-889D-B77647E82D44}" type="datetimeFigureOut">
               <a:rPr lang="en-US" smtClean="0"/>
-              <a:t>11/21/2023</a:t>
+              <a:t>11/28/23</a:t>
             </a:fld>
             <a:endParaRPr lang="en-US"/>
           </a:p>
@@ -1253,7 +1263,7 @@
           <a:p>
             <a:fld id="{E0D4D648-79E3-406C-889D-B77647E82D44}" type="datetimeFigureOut">
               <a:rPr lang="en-US" smtClean="0"/>
-              <a:t>11/21/2023</a:t>
+              <a:t>11/28/23</a:t>
             </a:fld>
             <a:endParaRPr lang="en-US"/>
           </a:p>
@@ -1514,7 +1524,7 @@
           <a:p>
             <a:fld id="{E0D4D648-79E3-406C-889D-B77647E82D44}" type="datetimeFigureOut">
               <a:rPr lang="en-US" smtClean="0"/>
-              <a:t>11/21/2023</a:t>
+              <a:t>11/28/23</a:t>
             </a:fld>
             <a:endParaRPr lang="en-US"/>
           </a:p>
@@ -1938,7 +1948,7 @@
           <a:p>
             <a:fld id="{E0D4D648-79E3-406C-889D-B77647E82D44}" type="datetimeFigureOut">
               <a:rPr lang="en-US" smtClean="0"/>
-              <a:t>11/21/2023</a:t>
+              <a:t>11/28/23</a:t>
             </a:fld>
             <a:endParaRPr lang="en-US"/>
           </a:p>
@@ -2484,7 +2494,7 @@
           <a:p>
             <a:fld id="{E0D4D648-79E3-406C-889D-B77647E82D44}" type="datetimeFigureOut">
               <a:rPr lang="en-US" smtClean="0"/>
-              <a:t>11/21/2023</a:t>
+              <a:t>11/28/23</a:t>
             </a:fld>
             <a:endParaRPr lang="en-US"/>
           </a:p>
@@ -3324,7 +3334,7 @@
           <a:p>
             <a:fld id="{E0D4D648-79E3-406C-889D-B77647E82D44}" type="datetimeFigureOut">
               <a:rPr lang="en-US" smtClean="0"/>
-              <a:t>11/21/2023</a:t>
+              <a:t>11/28/23</a:t>
             </a:fld>
             <a:endParaRPr lang="en-US"/>
           </a:p>
@@ -3494,7 +3504,7 @@
           <a:p>
             <a:fld id="{E0D4D648-79E3-406C-889D-B77647E82D44}" type="datetimeFigureOut">
               <a:rPr lang="en-US" smtClean="0"/>
-              <a:t>11/21/2023</a:t>
+              <a:t>11/28/23</a:t>
             </a:fld>
             <a:endParaRPr lang="en-US"/>
           </a:p>
@@ -3678,7 +3688,7 @@
           <a:p>
             <a:fld id="{E0D4D648-79E3-406C-889D-B77647E82D44}" type="datetimeFigureOut">
               <a:rPr lang="en-US" smtClean="0"/>
-              <a:t>11/21/2023</a:t>
+              <a:t>11/28/23</a:t>
             </a:fld>
             <a:endParaRPr lang="en-US"/>
           </a:p>
@@ -3848,7 +3858,7 @@
           <a:p>
             <a:fld id="{E0D4D648-79E3-406C-889D-B77647E82D44}" type="datetimeFigureOut">
               <a:rPr lang="en-US" smtClean="0"/>
-              <a:t>11/21/2023</a:t>
+              <a:t>11/28/23</a:t>
             </a:fld>
             <a:endParaRPr lang="en-US"/>
           </a:p>
@@ -4096,7 +4106,7 @@
           <a:p>
             <a:fld id="{E0D4D648-79E3-406C-889D-B77647E82D44}" type="datetimeFigureOut">
               <a:rPr lang="en-US" smtClean="0"/>
-              <a:t>11/21/2023</a:t>
+              <a:t>11/28/23</a:t>
             </a:fld>
             <a:endParaRPr lang="en-US"/>
           </a:p>
@@ -4333,7 +4343,7 @@
           <a:p>
             <a:fld id="{E0D4D648-79E3-406C-889D-B77647E82D44}" type="datetimeFigureOut">
               <a:rPr lang="en-US" smtClean="0"/>
-              <a:t>11/21/2023</a:t>
+              <a:t>11/28/23</a:t>
             </a:fld>
             <a:endParaRPr lang="en-US"/>
           </a:p>
@@ -4706,7 +4716,7 @@
           <a:p>
             <a:fld id="{E0D4D648-79E3-406C-889D-B77647E82D44}" type="datetimeFigureOut">
               <a:rPr lang="en-US" smtClean="0"/>
-              <a:t>11/21/2023</a:t>
+              <a:t>11/28/23</a:t>
             </a:fld>
             <a:endParaRPr lang="en-US"/>
           </a:p>
@@ -4824,7 +4834,7 @@
           <a:p>
             <a:fld id="{E0D4D648-79E3-406C-889D-B77647E82D44}" type="datetimeFigureOut">
               <a:rPr lang="en-US" smtClean="0"/>
-              <a:t>11/21/2023</a:t>
+              <a:t>11/28/23</a:t>
             </a:fld>
             <a:endParaRPr lang="en-US"/>
           </a:p>
@@ -4919,7 +4929,7 @@
           <a:p>
             <a:fld id="{E0D4D648-79E3-406C-889D-B77647E82D44}" type="datetimeFigureOut">
               <a:rPr lang="en-US" smtClean="0"/>
-              <a:t>11/21/2023</a:t>
+              <a:t>11/28/23</a:t>
             </a:fld>
             <a:endParaRPr lang="en-US"/>
           </a:p>
@@ -5170,7 +5180,7 @@
           <a:p>
             <a:fld id="{E0D4D648-79E3-406C-889D-B77647E82D44}" type="datetimeFigureOut">
               <a:rPr lang="en-US" smtClean="0"/>
-              <a:t>11/21/2023</a:t>
+              <a:t>11/28/23</a:t>
             </a:fld>
             <a:endParaRPr lang="en-US"/>
           </a:p>
@@ -5457,7 +5467,7 @@
           <a:p>
             <a:fld id="{E0D4D648-79E3-406C-889D-B77647E82D44}" type="datetimeFigureOut">
               <a:rPr lang="en-US" smtClean="0"/>
-              <a:t>11/21/2023</a:t>
+              <a:t>11/28/23</a:t>
             </a:fld>
             <a:endParaRPr lang="en-US"/>
           </a:p>
@@ -5670,7 +5680,7 @@
           <a:p>
             <a:fld id="{E0D4D648-79E3-406C-889D-B77647E82D44}" type="datetimeFigureOut">
               <a:rPr lang="en-US" smtClean="0"/>
-              <a:t>11/21/2023</a:t>
+              <a:t>11/28/23</a:t>
             </a:fld>
             <a:endParaRPr lang="en-US"/>
           </a:p>
@@ -6253,6 +6263,922 @@
 </p:sld>
 </file>
 
+<file path=ppt/slides/slide10.xml><?xml version="1.0" encoding="utf-8"?>
+<p:sld xmlns:a="http://schemas.openxmlformats.org/drawingml/2006/main" xmlns:r="http://schemas.openxmlformats.org/officeDocument/2006/relationships" xmlns:p="http://schemas.openxmlformats.org/presentationml/2006/main">
+  <p:cSld>
+    <p:spTree>
+      <p:nvGrpSpPr>
+        <p:cNvPr id="1" name=""/>
+        <p:cNvGrpSpPr/>
+        <p:nvPr/>
+      </p:nvGrpSpPr>
+      <p:grpSpPr>
+        <a:xfrm>
+          <a:off x="0" y="0"/>
+          <a:ext cx="0" cy="0"/>
+          <a:chOff x="0" y="0"/>
+          <a:chExt cx="0" cy="0"/>
+        </a:xfrm>
+      </p:grpSpPr>
+      <p:sp>
+        <p:nvSpPr>
+          <p:cNvPr id="2" name="Title 1">
+            <a:extLst>
+              <a:ext uri="{FF2B5EF4-FFF2-40B4-BE49-F238E27FC236}">
+                <a16:creationId xmlns:a16="http://schemas.microsoft.com/office/drawing/2014/main" id="{BC24D253-3129-105E-95F1-42860F4AD68E}"/>
+              </a:ext>
+            </a:extLst>
+          </p:cNvPr>
+          <p:cNvSpPr>
+            <a:spLocks noGrp="1"/>
+          </p:cNvSpPr>
+          <p:nvPr>
+            <p:ph type="title"/>
+          </p:nvPr>
+        </p:nvSpPr>
+        <p:spPr/>
+        <p:txBody>
+          <a:bodyPr/>
+          <a:lstStyle/>
+          <a:p>
+            <a:r>
+              <a:rPr lang="en-US" dirty="0"/>
+              <a:t>Age by BMI</a:t>
+            </a:r>
+          </a:p>
+        </p:txBody>
+      </p:sp>
+      <p:pic>
+        <p:nvPicPr>
+          <p:cNvPr id="5" name="Content Placeholder 4">
+            <a:extLst>
+              <a:ext uri="{FF2B5EF4-FFF2-40B4-BE49-F238E27FC236}">
+                <a16:creationId xmlns:a16="http://schemas.microsoft.com/office/drawing/2014/main" id="{AC09B623-63E1-0722-ACC0-1E8F9F01C9C3}"/>
+              </a:ext>
+            </a:extLst>
+          </p:cNvPr>
+          <p:cNvPicPr>
+            <a:picLocks noGrp="1" noChangeAspect="1"/>
+          </p:cNvPicPr>
+          <p:nvPr>
+            <p:ph idx="1"/>
+          </p:nvPr>
+        </p:nvPicPr>
+        <p:blipFill>
+          <a:blip r:embed="rId2"/>
+          <a:stretch>
+            <a:fillRect/>
+          </a:stretch>
+        </p:blipFill>
+        <p:spPr>
+          <a:xfrm>
+            <a:off x="309990" y="1935921"/>
+            <a:ext cx="8492424" cy="4683673"/>
+          </a:xfrm>
+        </p:spPr>
+      </p:pic>
+      <p:sp>
+        <p:nvSpPr>
+          <p:cNvPr id="6" name="TextBox 5">
+            <a:extLst>
+              <a:ext uri="{FF2B5EF4-FFF2-40B4-BE49-F238E27FC236}">
+                <a16:creationId xmlns:a16="http://schemas.microsoft.com/office/drawing/2014/main" id="{948662B6-9051-0D01-2545-0F3DCA3C731F}"/>
+              </a:ext>
+            </a:extLst>
+          </p:cNvPr>
+          <p:cNvSpPr txBox="1"/>
+          <p:nvPr/>
+        </p:nvSpPr>
+        <p:spPr>
+          <a:xfrm>
+            <a:off x="9217572" y="1935921"/>
+            <a:ext cx="2643352" cy="1754326"/>
+          </a:xfrm>
+          <a:prstGeom prst="rect">
+            <a:avLst/>
+          </a:prstGeom>
+          <a:noFill/>
+        </p:spPr>
+        <p:txBody>
+          <a:bodyPr wrap="square" rtlCol="0">
+            <a:spAutoFit/>
+          </a:bodyPr>
+          <a:lstStyle/>
+          <a:p>
+            <a:r>
+              <a:rPr lang="en-US" dirty="0"/>
+              <a:t>The majority of our sample were considered Obese. The majority of individuals were between 20 and 30 years old.</a:t>
+            </a:r>
+          </a:p>
+        </p:txBody>
+      </p:sp>
+    </p:spTree>
+    <p:extLst>
+      <p:ext uri="{BB962C8B-B14F-4D97-AF65-F5344CB8AC3E}">
+        <p14:creationId xmlns:p14="http://schemas.microsoft.com/office/powerpoint/2010/main" val="77643468"/>
+      </p:ext>
+    </p:extLst>
+  </p:cSld>
+  <p:clrMapOvr>
+    <a:masterClrMapping/>
+  </p:clrMapOvr>
+</p:sld>
+</file>
+
+<file path=ppt/slides/slide11.xml><?xml version="1.0" encoding="utf-8"?>
+<p:sld xmlns:a="http://schemas.openxmlformats.org/drawingml/2006/main" xmlns:r="http://schemas.openxmlformats.org/officeDocument/2006/relationships" xmlns:p="http://schemas.openxmlformats.org/presentationml/2006/main">
+  <p:cSld>
+    <p:spTree>
+      <p:nvGrpSpPr>
+        <p:cNvPr id="1" name=""/>
+        <p:cNvGrpSpPr/>
+        <p:nvPr/>
+      </p:nvGrpSpPr>
+      <p:grpSpPr>
+        <a:xfrm>
+          <a:off x="0" y="0"/>
+          <a:ext cx="0" cy="0"/>
+          <a:chOff x="0" y="0"/>
+          <a:chExt cx="0" cy="0"/>
+        </a:xfrm>
+      </p:grpSpPr>
+      <p:sp>
+        <p:nvSpPr>
+          <p:cNvPr id="2" name="Title 1">
+            <a:extLst>
+              <a:ext uri="{FF2B5EF4-FFF2-40B4-BE49-F238E27FC236}">
+                <a16:creationId xmlns:a16="http://schemas.microsoft.com/office/drawing/2014/main" id="{3EAE3C81-2B2E-9849-5185-C8B15BE7CF3A}"/>
+              </a:ext>
+            </a:extLst>
+          </p:cNvPr>
+          <p:cNvSpPr>
+            <a:spLocks noGrp="1"/>
+          </p:cNvSpPr>
+          <p:nvPr>
+            <p:ph type="title"/>
+          </p:nvPr>
+        </p:nvSpPr>
+        <p:spPr/>
+        <p:txBody>
+          <a:bodyPr/>
+          <a:lstStyle/>
+          <a:p>
+            <a:r>
+              <a:rPr lang="en-US" dirty="0"/>
+              <a:t>Blood Sugar Pressure</a:t>
+            </a:r>
+          </a:p>
+        </p:txBody>
+      </p:sp>
+      <p:pic>
+        <p:nvPicPr>
+          <p:cNvPr id="6" name="Content Placeholder 5">
+            <a:extLst>
+              <a:ext uri="{FF2B5EF4-FFF2-40B4-BE49-F238E27FC236}">
+                <a16:creationId xmlns:a16="http://schemas.microsoft.com/office/drawing/2014/main" id="{A0D4BF55-C707-0573-93A2-B81412017725}"/>
+              </a:ext>
+            </a:extLst>
+          </p:cNvPr>
+          <p:cNvPicPr>
+            <a:picLocks noGrp="1" noChangeAspect="1"/>
+          </p:cNvPicPr>
+          <p:nvPr>
+            <p:ph sz="half" idx="1"/>
+          </p:nvPr>
+        </p:nvPicPr>
+        <p:blipFill>
+          <a:blip r:embed="rId2"/>
+          <a:stretch>
+            <a:fillRect/>
+          </a:stretch>
+        </p:blipFill>
+        <p:spPr>
+          <a:xfrm>
+            <a:off x="677917" y="1991711"/>
+            <a:ext cx="5202621" cy="4755930"/>
+          </a:xfrm>
+        </p:spPr>
+      </p:pic>
+      <p:sp>
+        <p:nvSpPr>
+          <p:cNvPr id="4" name="Content Placeholder 3">
+            <a:extLst>
+              <a:ext uri="{FF2B5EF4-FFF2-40B4-BE49-F238E27FC236}">
+                <a16:creationId xmlns:a16="http://schemas.microsoft.com/office/drawing/2014/main" id="{37BE28A1-BAB9-E6B0-7EBD-E365B87ACED1}"/>
+              </a:ext>
+            </a:extLst>
+          </p:cNvPr>
+          <p:cNvSpPr>
+            <a:spLocks noGrp="1"/>
+          </p:cNvSpPr>
+          <p:nvPr>
+            <p:ph sz="half" idx="2"/>
+          </p:nvPr>
+        </p:nvSpPr>
+        <p:spPr>
+          <a:xfrm>
+            <a:off x="5980386" y="2249486"/>
+            <a:ext cx="6164317" cy="3541714"/>
+          </a:xfrm>
+        </p:spPr>
+        <p:txBody>
+          <a:bodyPr/>
+          <a:lstStyle/>
+          <a:p>
+            <a:r>
+              <a:rPr lang="en-US" dirty="0"/>
+              <a:t>Next, we looked at what our sample’s blood sugar pressure fell. This was broken into 3 categories; Normal Blood Sugar (&lt;= 100), Above Average Blood Sugar (100 - &gt;=125), and High Blood Sugar (&gt;=126).</a:t>
+            </a:r>
+          </a:p>
+        </p:txBody>
+      </p:sp>
+    </p:spTree>
+    <p:extLst>
+      <p:ext uri="{BB962C8B-B14F-4D97-AF65-F5344CB8AC3E}">
+        <p14:creationId xmlns:p14="http://schemas.microsoft.com/office/powerpoint/2010/main" val="1850105996"/>
+      </p:ext>
+    </p:extLst>
+  </p:cSld>
+  <p:clrMapOvr>
+    <a:masterClrMapping/>
+  </p:clrMapOvr>
+</p:sld>
+</file>
+
+<file path=ppt/slides/slide12.xml><?xml version="1.0" encoding="utf-8"?>
+<p:sld xmlns:a="http://schemas.openxmlformats.org/drawingml/2006/main" xmlns:r="http://schemas.openxmlformats.org/officeDocument/2006/relationships" xmlns:p="http://schemas.openxmlformats.org/presentationml/2006/main">
+  <p:cSld>
+    <p:spTree>
+      <p:nvGrpSpPr>
+        <p:cNvPr id="1" name=""/>
+        <p:cNvGrpSpPr/>
+        <p:nvPr/>
+      </p:nvGrpSpPr>
+      <p:grpSpPr>
+        <a:xfrm>
+          <a:off x="0" y="0"/>
+          <a:ext cx="0" cy="0"/>
+          <a:chOff x="0" y="0"/>
+          <a:chExt cx="0" cy="0"/>
+        </a:xfrm>
+      </p:grpSpPr>
+      <p:sp>
+        <p:nvSpPr>
+          <p:cNvPr id="2" name="Title 1">
+            <a:extLst>
+              <a:ext uri="{FF2B5EF4-FFF2-40B4-BE49-F238E27FC236}">
+                <a16:creationId xmlns:a16="http://schemas.microsoft.com/office/drawing/2014/main" id="{E2271203-82B3-EE89-79CB-9BBF953B51C4}"/>
+              </a:ext>
+            </a:extLst>
+          </p:cNvPr>
+          <p:cNvSpPr>
+            <a:spLocks noGrp="1"/>
+          </p:cNvSpPr>
+          <p:nvPr>
+            <p:ph type="title"/>
+          </p:nvPr>
+        </p:nvSpPr>
+        <p:spPr/>
+        <p:txBody>
+          <a:bodyPr/>
+          <a:lstStyle/>
+          <a:p>
+            <a:r>
+              <a:rPr lang="en-US" dirty="0"/>
+              <a:t>Outcome – Oversample Model</a:t>
+            </a:r>
+          </a:p>
+        </p:txBody>
+      </p:sp>
+      <p:sp>
+        <p:nvSpPr>
+          <p:cNvPr id="3" name="Text Placeholder 2">
+            <a:extLst>
+              <a:ext uri="{FF2B5EF4-FFF2-40B4-BE49-F238E27FC236}">
+                <a16:creationId xmlns:a16="http://schemas.microsoft.com/office/drawing/2014/main" id="{31378D3E-37FC-115C-CFE8-A3F37AE939BA}"/>
+              </a:ext>
+            </a:extLst>
+          </p:cNvPr>
+          <p:cNvSpPr>
+            <a:spLocks noGrp="1"/>
+          </p:cNvSpPr>
+          <p:nvPr>
+            <p:ph type="body" idx="1"/>
+          </p:nvPr>
+        </p:nvSpPr>
+        <p:spPr>
+          <a:xfrm>
+            <a:off x="1110273" y="1935163"/>
+            <a:ext cx="4879199" cy="823912"/>
+          </a:xfrm>
+        </p:spPr>
+        <p:txBody>
+          <a:bodyPr/>
+          <a:lstStyle/>
+          <a:p>
+            <a:r>
+              <a:rPr lang="en-US" dirty="0"/>
+              <a:t>Actual</a:t>
+            </a:r>
+          </a:p>
+        </p:txBody>
+      </p:sp>
+      <p:pic>
+        <p:nvPicPr>
+          <p:cNvPr id="14" name="Content Placeholder 13">
+            <a:extLst>
+              <a:ext uri="{FF2B5EF4-FFF2-40B4-BE49-F238E27FC236}">
+                <a16:creationId xmlns:a16="http://schemas.microsoft.com/office/drawing/2014/main" id="{1F60D23D-CD2E-D1A1-66CA-6FE7866977C7}"/>
+              </a:ext>
+            </a:extLst>
+          </p:cNvPr>
+          <p:cNvPicPr>
+            <a:picLocks noGrp="1" noChangeAspect="1"/>
+          </p:cNvPicPr>
+          <p:nvPr>
+            <p:ph sz="half" idx="2"/>
+          </p:nvPr>
+        </p:nvPicPr>
+        <p:blipFill>
+          <a:blip r:embed="rId2"/>
+          <a:stretch>
+            <a:fillRect/>
+          </a:stretch>
+        </p:blipFill>
+        <p:spPr>
+          <a:xfrm>
+            <a:off x="1481958" y="3349615"/>
+            <a:ext cx="2693282" cy="2520859"/>
+          </a:xfrm>
+        </p:spPr>
+      </p:pic>
+      <p:sp>
+        <p:nvSpPr>
+          <p:cNvPr id="5" name="Text Placeholder 4">
+            <a:extLst>
+              <a:ext uri="{FF2B5EF4-FFF2-40B4-BE49-F238E27FC236}">
+                <a16:creationId xmlns:a16="http://schemas.microsoft.com/office/drawing/2014/main" id="{7907AF24-D0E3-F06A-43D7-C41232EBD7E7}"/>
+              </a:ext>
+            </a:extLst>
+          </p:cNvPr>
+          <p:cNvSpPr>
+            <a:spLocks noGrp="1"/>
+          </p:cNvSpPr>
+          <p:nvPr>
+            <p:ph type="body" sz="quarter" idx="3"/>
+          </p:nvPr>
+        </p:nvSpPr>
+        <p:spPr>
+          <a:xfrm>
+            <a:off x="6402002" y="1935163"/>
+            <a:ext cx="4865554" cy="823912"/>
+          </a:xfrm>
+        </p:spPr>
+        <p:txBody>
+          <a:bodyPr/>
+          <a:lstStyle/>
+          <a:p>
+            <a:r>
+              <a:rPr lang="en-US" dirty="0"/>
+              <a:t>Prediction</a:t>
+            </a:r>
+          </a:p>
+        </p:txBody>
+      </p:sp>
+      <p:pic>
+        <p:nvPicPr>
+          <p:cNvPr id="12" name="Picture 11">
+            <a:extLst>
+              <a:ext uri="{FF2B5EF4-FFF2-40B4-BE49-F238E27FC236}">
+                <a16:creationId xmlns:a16="http://schemas.microsoft.com/office/drawing/2014/main" id="{04534638-EFF1-BA4D-2E6F-CE016F8B3A04}"/>
+              </a:ext>
+            </a:extLst>
+          </p:cNvPr>
+          <p:cNvPicPr>
+            <a:picLocks noChangeAspect="1"/>
+          </p:cNvPicPr>
+          <p:nvPr/>
+        </p:nvPicPr>
+        <p:blipFill>
+          <a:blip r:embed="rId3"/>
+          <a:stretch>
+            <a:fillRect/>
+          </a:stretch>
+        </p:blipFill>
+        <p:spPr>
+          <a:xfrm>
+            <a:off x="7367751" y="3349615"/>
+            <a:ext cx="2693282" cy="2520859"/>
+          </a:xfrm>
+          <a:prstGeom prst="rect">
+            <a:avLst/>
+          </a:prstGeom>
+        </p:spPr>
+      </p:pic>
+      <p:sp>
+        <p:nvSpPr>
+          <p:cNvPr id="15" name="TextBox 14">
+            <a:extLst>
+              <a:ext uri="{FF2B5EF4-FFF2-40B4-BE49-F238E27FC236}">
+                <a16:creationId xmlns:a16="http://schemas.microsoft.com/office/drawing/2014/main" id="{BA1EC21E-1401-26F9-EAD4-8D5736E321D9}"/>
+              </a:ext>
+            </a:extLst>
+          </p:cNvPr>
+          <p:cNvSpPr txBox="1"/>
+          <p:nvPr/>
+        </p:nvSpPr>
+        <p:spPr>
+          <a:xfrm>
+            <a:off x="4561490" y="3349615"/>
+            <a:ext cx="2322786" cy="1477328"/>
+          </a:xfrm>
+          <a:prstGeom prst="rect">
+            <a:avLst/>
+          </a:prstGeom>
+          <a:noFill/>
+        </p:spPr>
+        <p:txBody>
+          <a:bodyPr wrap="square" rtlCol="0">
+            <a:spAutoFit/>
+          </a:bodyPr>
+          <a:lstStyle/>
+          <a:p>
+            <a:r>
+              <a:rPr lang="en-US" dirty="0"/>
+              <a:t>Our actual results is a 50-50 split. Our oversample model had a 74% accuracy.</a:t>
+            </a:r>
+          </a:p>
+        </p:txBody>
+      </p:sp>
+      <p:pic>
+        <p:nvPicPr>
+          <p:cNvPr id="17" name="Picture 16">
+            <a:extLst>
+              <a:ext uri="{FF2B5EF4-FFF2-40B4-BE49-F238E27FC236}">
+                <a16:creationId xmlns:a16="http://schemas.microsoft.com/office/drawing/2014/main" id="{024B5BEC-9702-0CCF-2C37-567027690258}"/>
+              </a:ext>
+            </a:extLst>
+          </p:cNvPr>
+          <p:cNvPicPr>
+            <a:picLocks noChangeAspect="1"/>
+          </p:cNvPicPr>
+          <p:nvPr/>
+        </p:nvPicPr>
+        <p:blipFill>
+          <a:blip r:embed="rId4"/>
+          <a:stretch>
+            <a:fillRect/>
+          </a:stretch>
+        </p:blipFill>
+        <p:spPr>
+          <a:xfrm>
+            <a:off x="10969066" y="6248400"/>
+            <a:ext cx="1171584" cy="466728"/>
+          </a:xfrm>
+          <a:prstGeom prst="rect">
+            <a:avLst/>
+          </a:prstGeom>
+        </p:spPr>
+      </p:pic>
+    </p:spTree>
+    <p:extLst>
+      <p:ext uri="{BB962C8B-B14F-4D97-AF65-F5344CB8AC3E}">
+        <p14:creationId xmlns:p14="http://schemas.microsoft.com/office/powerpoint/2010/main" val="4017703385"/>
+      </p:ext>
+    </p:extLst>
+  </p:cSld>
+  <p:clrMapOvr>
+    <a:masterClrMapping/>
+  </p:clrMapOvr>
+</p:sld>
+</file>
+
+<file path=ppt/slides/slide13.xml><?xml version="1.0" encoding="utf-8"?>
+<p:sld xmlns:a="http://schemas.openxmlformats.org/drawingml/2006/main" xmlns:r="http://schemas.openxmlformats.org/officeDocument/2006/relationships" xmlns:p="http://schemas.openxmlformats.org/presentationml/2006/main">
+  <p:cSld>
+    <p:spTree>
+      <p:nvGrpSpPr>
+        <p:cNvPr id="1" name=""/>
+        <p:cNvGrpSpPr/>
+        <p:nvPr/>
+      </p:nvGrpSpPr>
+      <p:grpSpPr>
+        <a:xfrm>
+          <a:off x="0" y="0"/>
+          <a:ext cx="0" cy="0"/>
+          <a:chOff x="0" y="0"/>
+          <a:chExt cx="0" cy="0"/>
+        </a:xfrm>
+      </p:grpSpPr>
+      <p:sp>
+        <p:nvSpPr>
+          <p:cNvPr id="2" name="Title 1">
+            <a:extLst>
+              <a:ext uri="{FF2B5EF4-FFF2-40B4-BE49-F238E27FC236}">
+                <a16:creationId xmlns:a16="http://schemas.microsoft.com/office/drawing/2014/main" id="{623A833E-C914-EABC-5202-6471398C6A77}"/>
+              </a:ext>
+            </a:extLst>
+          </p:cNvPr>
+          <p:cNvSpPr>
+            <a:spLocks noGrp="1"/>
+          </p:cNvSpPr>
+          <p:nvPr>
+            <p:ph type="title"/>
+          </p:nvPr>
+        </p:nvSpPr>
+        <p:spPr/>
+        <p:txBody>
+          <a:bodyPr/>
+          <a:lstStyle/>
+          <a:p>
+            <a:r>
+              <a:rPr lang="en-US" dirty="0"/>
+              <a:t>Age Outcome – Oversample Model</a:t>
+            </a:r>
+          </a:p>
+        </p:txBody>
+      </p:sp>
+      <p:sp>
+        <p:nvSpPr>
+          <p:cNvPr id="3" name="Text Placeholder 2">
+            <a:extLst>
+              <a:ext uri="{FF2B5EF4-FFF2-40B4-BE49-F238E27FC236}">
+                <a16:creationId xmlns:a16="http://schemas.microsoft.com/office/drawing/2014/main" id="{E4801F87-D5D8-E5F0-4595-FF43AFEDF839}"/>
+              </a:ext>
+            </a:extLst>
+          </p:cNvPr>
+          <p:cNvSpPr>
+            <a:spLocks noGrp="1"/>
+          </p:cNvSpPr>
+          <p:nvPr>
+            <p:ph type="body" idx="1"/>
+          </p:nvPr>
+        </p:nvSpPr>
+        <p:spPr>
+          <a:xfrm>
+            <a:off x="1036701" y="1709912"/>
+            <a:ext cx="4879199" cy="823912"/>
+          </a:xfrm>
+        </p:spPr>
+        <p:txBody>
+          <a:bodyPr/>
+          <a:lstStyle/>
+          <a:p>
+            <a:r>
+              <a:rPr lang="en-US" dirty="0"/>
+              <a:t>Actual</a:t>
+            </a:r>
+          </a:p>
+        </p:txBody>
+      </p:sp>
+      <p:pic>
+        <p:nvPicPr>
+          <p:cNvPr id="8" name="Content Placeholder 7">
+            <a:extLst>
+              <a:ext uri="{FF2B5EF4-FFF2-40B4-BE49-F238E27FC236}">
+                <a16:creationId xmlns:a16="http://schemas.microsoft.com/office/drawing/2014/main" id="{B6A90A1F-8841-71D2-94A1-E55CE1DFCC09}"/>
+              </a:ext>
+            </a:extLst>
+          </p:cNvPr>
+          <p:cNvPicPr>
+            <a:picLocks noGrp="1" noChangeAspect="1"/>
+          </p:cNvPicPr>
+          <p:nvPr>
+            <p:ph sz="half" idx="2"/>
+          </p:nvPr>
+        </p:nvPicPr>
+        <p:blipFill>
+          <a:blip r:embed="rId3"/>
+          <a:stretch>
+            <a:fillRect/>
+          </a:stretch>
+        </p:blipFill>
+        <p:spPr>
+          <a:xfrm>
+            <a:off x="342805" y="2701268"/>
+            <a:ext cx="5068258" cy="3547132"/>
+          </a:xfrm>
+        </p:spPr>
+      </p:pic>
+      <p:sp>
+        <p:nvSpPr>
+          <p:cNvPr id="5" name="Text Placeholder 4">
+            <a:extLst>
+              <a:ext uri="{FF2B5EF4-FFF2-40B4-BE49-F238E27FC236}">
+                <a16:creationId xmlns:a16="http://schemas.microsoft.com/office/drawing/2014/main" id="{63ACBD71-51E1-E6A1-C1DF-117427E932D6}"/>
+              </a:ext>
+            </a:extLst>
+          </p:cNvPr>
+          <p:cNvSpPr>
+            <a:spLocks noGrp="1"/>
+          </p:cNvSpPr>
+          <p:nvPr>
+            <p:ph type="body" sz="quarter" idx="3"/>
+          </p:nvPr>
+        </p:nvSpPr>
+        <p:spPr>
+          <a:xfrm>
+            <a:off x="6307972" y="1709912"/>
+            <a:ext cx="4865554" cy="823912"/>
+          </a:xfrm>
+        </p:spPr>
+        <p:txBody>
+          <a:bodyPr/>
+          <a:lstStyle/>
+          <a:p>
+            <a:r>
+              <a:rPr lang="en-US" dirty="0"/>
+              <a:t>Prediction</a:t>
+            </a:r>
+          </a:p>
+        </p:txBody>
+      </p:sp>
+      <p:pic>
+        <p:nvPicPr>
+          <p:cNvPr id="10" name="Content Placeholder 9">
+            <a:extLst>
+              <a:ext uri="{FF2B5EF4-FFF2-40B4-BE49-F238E27FC236}">
+                <a16:creationId xmlns:a16="http://schemas.microsoft.com/office/drawing/2014/main" id="{86388622-B3F5-5764-EC1B-929FFA257FB5}"/>
+              </a:ext>
+            </a:extLst>
+          </p:cNvPr>
+          <p:cNvPicPr>
+            <a:picLocks noGrp="1" noChangeAspect="1"/>
+          </p:cNvPicPr>
+          <p:nvPr>
+            <p:ph sz="quarter" idx="4"/>
+          </p:nvPr>
+        </p:nvPicPr>
+        <p:blipFill>
+          <a:blip r:embed="rId4"/>
+          <a:stretch>
+            <a:fillRect/>
+          </a:stretch>
+        </p:blipFill>
+        <p:spPr>
+          <a:xfrm>
+            <a:off x="6259458" y="2701268"/>
+            <a:ext cx="5589737" cy="3547132"/>
+          </a:xfrm>
+        </p:spPr>
+      </p:pic>
+      <p:pic>
+        <p:nvPicPr>
+          <p:cNvPr id="11" name="Picture 10">
+            <a:extLst>
+              <a:ext uri="{FF2B5EF4-FFF2-40B4-BE49-F238E27FC236}">
+                <a16:creationId xmlns:a16="http://schemas.microsoft.com/office/drawing/2014/main" id="{9BEAFDBF-8485-9596-E853-19E3F5591A8E}"/>
+              </a:ext>
+            </a:extLst>
+          </p:cNvPr>
+          <p:cNvPicPr>
+            <a:picLocks noChangeAspect="1"/>
+          </p:cNvPicPr>
+          <p:nvPr/>
+        </p:nvPicPr>
+        <p:blipFill>
+          <a:blip r:embed="rId5"/>
+          <a:stretch>
+            <a:fillRect/>
+          </a:stretch>
+        </p:blipFill>
+        <p:spPr>
+          <a:xfrm>
+            <a:off x="10963813" y="6294245"/>
+            <a:ext cx="1171584" cy="466728"/>
+          </a:xfrm>
+          <a:prstGeom prst="rect">
+            <a:avLst/>
+          </a:prstGeom>
+        </p:spPr>
+      </p:pic>
+    </p:spTree>
+    <p:extLst>
+      <p:ext uri="{BB962C8B-B14F-4D97-AF65-F5344CB8AC3E}">
+        <p14:creationId xmlns:p14="http://schemas.microsoft.com/office/powerpoint/2010/main" val="1221119453"/>
+      </p:ext>
+    </p:extLst>
+  </p:cSld>
+  <p:clrMapOvr>
+    <a:masterClrMapping/>
+  </p:clrMapOvr>
+</p:sld>
+</file>
+
+<file path=ppt/slides/slide14.xml><?xml version="1.0" encoding="utf-8"?>
+<p:sld xmlns:a="http://schemas.openxmlformats.org/drawingml/2006/main" xmlns:r="http://schemas.openxmlformats.org/officeDocument/2006/relationships" xmlns:p="http://schemas.openxmlformats.org/presentationml/2006/main">
+  <p:cSld>
+    <p:spTree>
+      <p:nvGrpSpPr>
+        <p:cNvPr id="1" name=""/>
+        <p:cNvGrpSpPr/>
+        <p:nvPr/>
+      </p:nvGrpSpPr>
+      <p:grpSpPr>
+        <a:xfrm>
+          <a:off x="0" y="0"/>
+          <a:ext cx="0" cy="0"/>
+          <a:chOff x="0" y="0"/>
+          <a:chExt cx="0" cy="0"/>
+        </a:xfrm>
+      </p:grpSpPr>
+      <p:sp>
+        <p:nvSpPr>
+          <p:cNvPr id="2" name="Title 1">
+            <a:extLst>
+              <a:ext uri="{FF2B5EF4-FFF2-40B4-BE49-F238E27FC236}">
+                <a16:creationId xmlns:a16="http://schemas.microsoft.com/office/drawing/2014/main" id="{BE17659A-AAC2-2140-B852-4A192277E975}"/>
+              </a:ext>
+            </a:extLst>
+          </p:cNvPr>
+          <p:cNvSpPr>
+            <a:spLocks noGrp="1"/>
+          </p:cNvSpPr>
+          <p:nvPr>
+            <p:ph type="title"/>
+          </p:nvPr>
+        </p:nvSpPr>
+        <p:spPr/>
+        <p:txBody>
+          <a:bodyPr>
+            <a:normAutofit/>
+          </a:bodyPr>
+          <a:lstStyle/>
+          <a:p>
+            <a:r>
+              <a:rPr lang="en-US" sz="3200" dirty="0"/>
+              <a:t>Glucose Outcome – Oversample Model</a:t>
+            </a:r>
+          </a:p>
+        </p:txBody>
+      </p:sp>
+      <p:sp>
+        <p:nvSpPr>
+          <p:cNvPr id="3" name="Text Placeholder 2">
+            <a:extLst>
+              <a:ext uri="{FF2B5EF4-FFF2-40B4-BE49-F238E27FC236}">
+                <a16:creationId xmlns:a16="http://schemas.microsoft.com/office/drawing/2014/main" id="{4781174E-1BEC-8B5E-9B4D-CAC03222C53B}"/>
+              </a:ext>
+            </a:extLst>
+          </p:cNvPr>
+          <p:cNvSpPr>
+            <a:spLocks noGrp="1"/>
+          </p:cNvSpPr>
+          <p:nvPr>
+            <p:ph type="body" idx="1"/>
+          </p:nvPr>
+        </p:nvSpPr>
+        <p:spPr>
+          <a:xfrm>
+            <a:off x="1094508" y="1767754"/>
+            <a:ext cx="4879199" cy="823912"/>
+          </a:xfrm>
+        </p:spPr>
+        <p:txBody>
+          <a:bodyPr/>
+          <a:lstStyle/>
+          <a:p>
+            <a:r>
+              <a:rPr lang="en-US" dirty="0"/>
+              <a:t>Actual</a:t>
+            </a:r>
+          </a:p>
+        </p:txBody>
+      </p:sp>
+      <p:pic>
+        <p:nvPicPr>
+          <p:cNvPr id="8" name="Content Placeholder 7">
+            <a:extLst>
+              <a:ext uri="{FF2B5EF4-FFF2-40B4-BE49-F238E27FC236}">
+                <a16:creationId xmlns:a16="http://schemas.microsoft.com/office/drawing/2014/main" id="{0B4621CB-A098-9D1D-10CF-3944EE9576EB}"/>
+              </a:ext>
+            </a:extLst>
+          </p:cNvPr>
+          <p:cNvPicPr>
+            <a:picLocks noGrp="1" noChangeAspect="1"/>
+          </p:cNvPicPr>
+          <p:nvPr>
+            <p:ph sz="half" idx="2"/>
+          </p:nvPr>
+        </p:nvPicPr>
+        <p:blipFill>
+          <a:blip r:embed="rId3"/>
+          <a:stretch>
+            <a:fillRect/>
+          </a:stretch>
+        </p:blipFill>
+        <p:spPr>
+          <a:xfrm>
+            <a:off x="913795" y="2659117"/>
+            <a:ext cx="4273060" cy="4030717"/>
+          </a:xfrm>
+        </p:spPr>
+      </p:pic>
+      <p:sp>
+        <p:nvSpPr>
+          <p:cNvPr id="5" name="Text Placeholder 4">
+            <a:extLst>
+              <a:ext uri="{FF2B5EF4-FFF2-40B4-BE49-F238E27FC236}">
+                <a16:creationId xmlns:a16="http://schemas.microsoft.com/office/drawing/2014/main" id="{3AC9AD18-7F7A-B01B-A981-25D8B48D339E}"/>
+              </a:ext>
+            </a:extLst>
+          </p:cNvPr>
+          <p:cNvSpPr>
+            <a:spLocks noGrp="1"/>
+          </p:cNvSpPr>
+          <p:nvPr>
+            <p:ph type="body" sz="quarter" idx="3"/>
+          </p:nvPr>
+        </p:nvSpPr>
+        <p:spPr>
+          <a:xfrm>
+            <a:off x="6402002" y="1767754"/>
+            <a:ext cx="4865554" cy="823912"/>
+          </a:xfrm>
+        </p:spPr>
+        <p:txBody>
+          <a:bodyPr/>
+          <a:lstStyle/>
+          <a:p>
+            <a:r>
+              <a:rPr lang="en-US" dirty="0"/>
+              <a:t>Prediction</a:t>
+            </a:r>
+          </a:p>
+        </p:txBody>
+      </p:sp>
+      <p:pic>
+        <p:nvPicPr>
+          <p:cNvPr id="10" name="Content Placeholder 9">
+            <a:extLst>
+              <a:ext uri="{FF2B5EF4-FFF2-40B4-BE49-F238E27FC236}">
+                <a16:creationId xmlns:a16="http://schemas.microsoft.com/office/drawing/2014/main" id="{EE740A9D-4F30-A1FF-1C72-EAABA9F58123}"/>
+              </a:ext>
+            </a:extLst>
+          </p:cNvPr>
+          <p:cNvPicPr>
+            <a:picLocks noGrp="1" noChangeAspect="1"/>
+          </p:cNvPicPr>
+          <p:nvPr>
+            <p:ph sz="quarter" idx="4"/>
+          </p:nvPr>
+        </p:nvPicPr>
+        <p:blipFill>
+          <a:blip r:embed="rId4"/>
+          <a:stretch>
+            <a:fillRect/>
+          </a:stretch>
+        </p:blipFill>
+        <p:spPr>
+          <a:xfrm>
+            <a:off x="6310996" y="2591666"/>
+            <a:ext cx="4262411" cy="4030717"/>
+          </a:xfrm>
+        </p:spPr>
+      </p:pic>
+      <p:pic>
+        <p:nvPicPr>
+          <p:cNvPr id="11" name="Picture 10">
+            <a:extLst>
+              <a:ext uri="{FF2B5EF4-FFF2-40B4-BE49-F238E27FC236}">
+                <a16:creationId xmlns:a16="http://schemas.microsoft.com/office/drawing/2014/main" id="{B873F4B9-86B4-D54B-BC9F-AD85CD870450}"/>
+              </a:ext>
+            </a:extLst>
+          </p:cNvPr>
+          <p:cNvPicPr>
+            <a:picLocks noChangeAspect="1"/>
+          </p:cNvPicPr>
+          <p:nvPr/>
+        </p:nvPicPr>
+        <p:blipFill>
+          <a:blip r:embed="rId5"/>
+          <a:stretch>
+            <a:fillRect/>
+          </a:stretch>
+        </p:blipFill>
+        <p:spPr>
+          <a:xfrm>
+            <a:off x="10963813" y="6294245"/>
+            <a:ext cx="1171584" cy="466728"/>
+          </a:xfrm>
+          <a:prstGeom prst="rect">
+            <a:avLst/>
+          </a:prstGeom>
+        </p:spPr>
+      </p:pic>
+    </p:spTree>
+    <p:extLst>
+      <p:ext uri="{BB962C8B-B14F-4D97-AF65-F5344CB8AC3E}">
+        <p14:creationId xmlns:p14="http://schemas.microsoft.com/office/powerpoint/2010/main" val="2863476587"/>
+      </p:ext>
+    </p:extLst>
+  </p:cSld>
+  <p:clrMapOvr>
+    <a:masterClrMapping/>
+  </p:clrMapOvr>
+</p:sld>
+</file>
+
 <file path=ppt/slides/slide2.xml><?xml version="1.0" encoding="utf-8"?>
 <p:sld xmlns:a="http://schemas.openxmlformats.org/drawingml/2006/main" xmlns:r="http://schemas.openxmlformats.org/officeDocument/2006/relationships" xmlns:p="http://schemas.openxmlformats.org/presentationml/2006/main">
   <p:cSld>
@@ -6397,15 +7323,7 @@
             </a:pPr>
             <a:r>
               <a:rPr lang="en-US" sz="2900" dirty="0"/>
-              <a:t>We used an oversampled model to help predict the accuracy of what are the odds of a individual having diabetes based on the outcome of each of the </a:t>
-            </a:r>
-            <a:r>
-              <a:rPr lang="en-US" sz="2900" dirty="0" err="1"/>
-              <a:t>fiels</a:t>
-            </a:r>
-            <a:r>
-              <a:rPr lang="en-US" sz="2900" dirty="0"/>
-              <a:t> above.</a:t>
+              <a:t>We used an oversampled model to help predict the accuracy of what are the odds of a individual having diabetes based on the outcome of each of the fields above.</a:t>
             </a:r>
           </a:p>
         </p:txBody>
@@ -6426,6 +7344,28 @@
 <file path=ppt/slides/slide3.xml><?xml version="1.0" encoding="utf-8"?>
 <p:sld xmlns:a="http://schemas.openxmlformats.org/drawingml/2006/main" xmlns:r="http://schemas.openxmlformats.org/officeDocument/2006/relationships" xmlns:p="http://schemas.openxmlformats.org/presentationml/2006/main">
   <p:cSld>
+    <p:bg>
+      <p:bgPr>
+        <a:blipFill rotWithShape="1">
+          <a:blip r:embed="rId2">
+            <a:duotone>
+              <a:schemeClr val="bg2">
+                <a:shade val="18000"/>
+                <a:satMod val="160000"/>
+                <a:lumMod val="28000"/>
+              </a:schemeClr>
+              <a:schemeClr val="bg2">
+                <a:tint val="95000"/>
+                <a:satMod val="160000"/>
+                <a:lumMod val="116000"/>
+              </a:schemeClr>
+            </a:duotone>
+          </a:blip>
+          <a:stretch/>
+        </a:blipFill>
+        <a:effectLst/>
+      </p:bgPr>
+    </p:bg>
     <p:spTree>
       <p:nvGrpSpPr>
         <p:cNvPr id="1" name=""/>
@@ -6440,12 +7380,72 @@
           <a:chExt cx="0" cy="0"/>
         </a:xfrm>
       </p:grpSpPr>
+      <p:sp useBgFill="1">
+        <p:nvSpPr>
+          <p:cNvPr id="19" name="Rectangle 18">
+            <a:extLst>
+              <a:ext uri="{FF2B5EF4-FFF2-40B4-BE49-F238E27FC236}">
+                <a16:creationId xmlns:a16="http://schemas.microsoft.com/office/drawing/2014/main" id="{137AAE58-B7D3-483F-829E-637C98F7FD97}"/>
+              </a:ext>
+              <a:ext uri="{C183D7F6-B498-43B3-948B-1728B52AA6E4}">
+                <adec:decorative xmlns:adec="http://schemas.microsoft.com/office/drawing/2017/decorative" val="1"/>
+              </a:ext>
+            </a:extLst>
+          </p:cNvPr>
+          <p:cNvSpPr>
+            <a:spLocks noGrp="1" noRot="1" noChangeAspect="1" noMove="1" noResize="1" noEditPoints="1" noAdjustHandles="1" noChangeArrowheads="1" noChangeShapeType="1" noTextEdit="1"/>
+          </p:cNvSpPr>
+          <p:nvPr>
+            <p:extLst>
+              <p:ext uri="{386F3935-93C4-4BCD-93E2-E3B085C9AB24}">
+                <p16:designElem xmlns:p16="http://schemas.microsoft.com/office/powerpoint/2015/main" val="1"/>
+              </p:ext>
+            </p:extLst>
+          </p:nvPr>
+        </p:nvSpPr>
+        <p:spPr>
+          <a:xfrm>
+            <a:off x="0" y="0"/>
+            <a:ext cx="12192000" cy="6858000"/>
+          </a:xfrm>
+          <a:prstGeom prst="rect">
+            <a:avLst/>
+          </a:prstGeom>
+          <a:ln>
+            <a:noFill/>
+          </a:ln>
+        </p:spPr>
+        <p:style>
+          <a:lnRef idx="2">
+            <a:schemeClr val="accent1">
+              <a:shade val="50000"/>
+            </a:schemeClr>
+          </a:lnRef>
+          <a:fillRef idx="1">
+            <a:schemeClr val="accent1"/>
+          </a:fillRef>
+          <a:effectRef idx="0">
+            <a:schemeClr val="accent1"/>
+          </a:effectRef>
+          <a:fontRef idx="minor">
+            <a:schemeClr val="lt1"/>
+          </a:fontRef>
+        </p:style>
+        <p:txBody>
+          <a:bodyPr rtlCol="0" anchor="ctr"/>
+          <a:lstStyle/>
+          <a:p>
+            <a:pPr algn="ctr"/>
+            <a:endParaRPr lang="en-US"/>
+          </a:p>
+        </p:txBody>
+      </p:sp>
       <p:sp>
         <p:nvSpPr>
           <p:cNvPr id="2" name="Title 1">
             <a:extLst>
               <a:ext uri="{FF2B5EF4-FFF2-40B4-BE49-F238E27FC236}">
-                <a16:creationId xmlns:a16="http://schemas.microsoft.com/office/drawing/2014/main" id="{1CA5E029-A6F6-B650-D7F4-F7BD456D0BBD}"/>
+                <a16:creationId xmlns:a16="http://schemas.microsoft.com/office/drawing/2014/main" id="{49E038AD-7C84-6ACC-03C0-6AF5B1B590CC}"/>
               </a:ext>
             </a:extLst>
           </p:cNvPr>
@@ -6456,86 +7456,108 @@
             <p:ph type="title"/>
           </p:nvPr>
         </p:nvSpPr>
-        <p:spPr/>
-        <p:txBody>
-          <a:bodyPr/>
-          <a:lstStyle/>
-          <a:p>
-            <a:r>
-              <a:rPr lang="en-US" dirty="0"/>
-              <a:t>Age of Sample Size</a:t>
+        <p:spPr>
+          <a:xfrm>
+            <a:off x="913794" y="694478"/>
+            <a:ext cx="10364412" cy="1264906"/>
+          </a:xfrm>
+        </p:spPr>
+        <p:txBody>
+          <a:bodyPr vert="horz" lIns="91440" tIns="45720" rIns="91440" bIns="45720" rtlCol="0" anchor="b">
+            <a:normAutofit/>
+          </a:bodyPr>
+          <a:lstStyle/>
+          <a:p>
+            <a:r>
+              <a:rPr lang="en-US" sz="3700" dirty="0"/>
+              <a:t>preparing the data</a:t>
+            </a:r>
+            <a:br>
+              <a:rPr lang="en-US" sz="3700" dirty="0"/>
+            </a:br>
+            <a:r>
+              <a:rPr lang="en-US" sz="2000" dirty="0"/>
+              <a:t>pandas</a:t>
             </a:r>
           </a:p>
         </p:txBody>
       </p:sp>
       <p:pic>
         <p:nvPicPr>
-          <p:cNvPr id="11" name="Content Placeholder 10">
+          <p:cNvPr id="7" name="Picture 6" descr="A white card with black text and numbers&#10;&#10;Description automatically generated">
             <a:extLst>
               <a:ext uri="{FF2B5EF4-FFF2-40B4-BE49-F238E27FC236}">
-                <a16:creationId xmlns:a16="http://schemas.microsoft.com/office/drawing/2014/main" id="{DA6AB873-D149-2D9D-07F8-82187D6E147D}"/>
+                <a16:creationId xmlns:a16="http://schemas.microsoft.com/office/drawing/2014/main" id="{33DB5425-C7FA-C07D-9BDC-629E1F5781BC}"/>
               </a:ext>
             </a:extLst>
           </p:cNvPr>
           <p:cNvPicPr>
-            <a:picLocks noGrp="1" noChangeAspect="1"/>
+            <a:picLocks noChangeAspect="1"/>
           </p:cNvPicPr>
-          <p:nvPr>
-            <p:ph sz="half" idx="1"/>
-          </p:nvPr>
+          <p:nvPr/>
         </p:nvPicPr>
         <p:blipFill>
-          <a:blip r:embed="rId2"/>
+          <a:blip r:embed="rId3">
+            <a:extLst>
+              <a:ext uri="{28A0092B-C50C-407E-A947-70E740481C1C}">
+                <a14:useLocalDpi xmlns:a14="http://schemas.microsoft.com/office/drawing/2010/main" val="0"/>
+              </a:ext>
+            </a:extLst>
+          </a:blip>
           <a:stretch>
             <a:fillRect/>
           </a:stretch>
         </p:blipFill>
         <p:spPr>
           <a:xfrm>
-            <a:off x="914400" y="2364213"/>
-            <a:ext cx="5105400" cy="3150337"/>
-          </a:xfrm>
+            <a:off x="6134860" y="2902176"/>
+            <a:ext cx="5847754" cy="1228027"/>
+          </a:xfrm>
+          <a:prstGeom prst="rect">
+            <a:avLst/>
+          </a:prstGeom>
         </p:spPr>
       </p:pic>
-      <p:sp>
-        <p:nvSpPr>
-          <p:cNvPr id="9" name="Content Placeholder 8">
+      <p:pic>
+        <p:nvPicPr>
+          <p:cNvPr id="5" name="Picture 4" descr="A screenshot of a computer&#10;&#10;Description automatically generated">
             <a:extLst>
               <a:ext uri="{FF2B5EF4-FFF2-40B4-BE49-F238E27FC236}">
-                <a16:creationId xmlns:a16="http://schemas.microsoft.com/office/drawing/2014/main" id="{1EA84118-A2E5-8E87-16F4-E1B7160CB28D}"/>
+                <a16:creationId xmlns:a16="http://schemas.microsoft.com/office/drawing/2014/main" id="{7F43ECB8-1EC0-0582-4D65-F912D0736EC3}"/>
               </a:ext>
             </a:extLst>
           </p:cNvPr>
-          <p:cNvSpPr>
-            <a:spLocks noGrp="1"/>
-          </p:cNvSpPr>
-          <p:nvPr>
-            <p:ph sz="half" idx="2"/>
-          </p:nvPr>
-        </p:nvSpPr>
-        <p:spPr>
-          <a:xfrm>
-            <a:off x="7940566" y="1918138"/>
-            <a:ext cx="3106845" cy="4745420"/>
-          </a:xfrm>
-        </p:spPr>
-        <p:txBody>
-          <a:bodyPr>
-            <a:normAutofit/>
-          </a:bodyPr>
-          <a:lstStyle/>
-          <a:p>
-            <a:r>
-              <a:rPr lang="en-US" dirty="0"/>
-              <a:t>The age of our sample ranged from 21 to 72 years old. The majority of our sample fell between 21 and 36 years old, with the highest number of individuals being 22 and 29 years old.</a:t>
-            </a:r>
-          </a:p>
-        </p:txBody>
-      </p:sp>
+          <p:cNvPicPr>
+            <a:picLocks noChangeAspect="1"/>
+          </p:cNvPicPr>
+          <p:nvPr/>
+        </p:nvPicPr>
+        <p:blipFill>
+          <a:blip r:embed="rId4">
+            <a:extLst>
+              <a:ext uri="{28A0092B-C50C-407E-A947-70E740481C1C}">
+                <a14:useLocalDpi xmlns:a14="http://schemas.microsoft.com/office/drawing/2010/main" val="0"/>
+              </a:ext>
+            </a:extLst>
+          </a:blip>
+          <a:stretch>
+            <a:fillRect/>
+          </a:stretch>
+        </p:blipFill>
+        <p:spPr>
+          <a:xfrm>
+            <a:off x="213853" y="2865297"/>
+            <a:ext cx="5621810" cy="1264906"/>
+          </a:xfrm>
+          <a:prstGeom prst="rect">
+            <a:avLst/>
+          </a:prstGeom>
+        </p:spPr>
+      </p:pic>
     </p:spTree>
     <p:extLst>
       <p:ext uri="{BB962C8B-B14F-4D97-AF65-F5344CB8AC3E}">
-        <p14:creationId xmlns:p14="http://schemas.microsoft.com/office/powerpoint/2010/main" val="2314112315"/>
+        <p14:creationId xmlns:p14="http://schemas.microsoft.com/office/powerpoint/2010/main" val="2790231150"/>
       </p:ext>
     </p:extLst>
   </p:cSld>
@@ -6567,7 +7589,7 @@
           <p:cNvPr id="2" name="Title 1">
             <a:extLst>
               <a:ext uri="{FF2B5EF4-FFF2-40B4-BE49-F238E27FC236}">
-                <a16:creationId xmlns:a16="http://schemas.microsoft.com/office/drawing/2014/main" id="{610D36FC-BA6F-46CE-5009-8E4E16A0A34D}"/>
+                <a16:creationId xmlns:a16="http://schemas.microsoft.com/office/drawing/2014/main" id="{DD480BCE-B97A-CCEE-0B54-D3FA79263747}"/>
               </a:ext>
             </a:extLst>
           </p:cNvPr>
@@ -6578,86 +7600,220 @@
             <p:ph type="title"/>
           </p:nvPr>
         </p:nvSpPr>
-        <p:spPr/>
+        <p:spPr>
+          <a:xfrm>
+            <a:off x="189086" y="2782265"/>
+            <a:ext cx="4362743" cy="1326321"/>
+          </a:xfrm>
+        </p:spPr>
         <p:txBody>
           <a:bodyPr/>
           <a:lstStyle/>
           <a:p>
             <a:r>
               <a:rPr lang="en-US" dirty="0"/>
-              <a:t>Body Mass Index (BM)</a:t>
+              <a:t>Our Models</a:t>
+            </a:r>
+          </a:p>
+        </p:txBody>
+      </p:sp>
+      <p:sp>
+        <p:nvSpPr>
+          <p:cNvPr id="3" name="Content Placeholder 2">
+            <a:extLst>
+              <a:ext uri="{FF2B5EF4-FFF2-40B4-BE49-F238E27FC236}">
+                <a16:creationId xmlns:a16="http://schemas.microsoft.com/office/drawing/2014/main" id="{ABC5981C-B45C-D60C-D242-89AECAEE1F5D}"/>
+              </a:ext>
+            </a:extLst>
+          </p:cNvPr>
+          <p:cNvSpPr>
+            <a:spLocks noGrp="1"/>
+          </p:cNvSpPr>
+          <p:nvPr>
+            <p:ph idx="1"/>
+          </p:nvPr>
+        </p:nvSpPr>
+        <p:spPr>
+          <a:xfrm>
+            <a:off x="5906125" y="959370"/>
+            <a:ext cx="4362743" cy="4569802"/>
+          </a:xfrm>
+        </p:spPr>
+        <p:txBody>
+          <a:bodyPr/>
+          <a:lstStyle/>
+          <a:p>
+            <a:pPr marL="457200" indent="-457200">
+              <a:buFont typeface="+mj-lt"/>
+              <a:buAutoNum type="arabicPeriod"/>
+            </a:pPr>
+            <a:r>
+              <a:rPr lang="en-US" dirty="0"/>
+              <a:t>Logistic Regression Model</a:t>
+            </a:r>
+          </a:p>
+          <a:p>
+            <a:pPr marL="457200" indent="-457200">
+              <a:buFont typeface="+mj-lt"/>
+              <a:buAutoNum type="arabicPeriod"/>
+            </a:pPr>
+            <a:endParaRPr lang="en-US" dirty="0"/>
+          </a:p>
+          <a:p>
+            <a:pPr marL="457200" indent="-457200">
+              <a:buFont typeface="+mj-lt"/>
+              <a:buAutoNum type="arabicPeriod"/>
+            </a:pPr>
+            <a:endParaRPr lang="en-US" dirty="0"/>
+          </a:p>
+          <a:p>
+            <a:pPr marL="457200" indent="-457200">
+              <a:buFont typeface="+mj-lt"/>
+              <a:buAutoNum type="arabicPeriod"/>
+            </a:pPr>
+            <a:endParaRPr lang="en-US" dirty="0"/>
+          </a:p>
+          <a:p>
+            <a:pPr marL="457200" indent="-457200">
+              <a:buFont typeface="+mj-lt"/>
+              <a:buAutoNum type="arabicPeriod"/>
+            </a:pPr>
+            <a:endParaRPr lang="en-US" dirty="0"/>
+          </a:p>
+          <a:p>
+            <a:pPr marL="457200" indent="-457200">
+              <a:buFont typeface="+mj-lt"/>
+              <a:buAutoNum type="arabicPeriod"/>
+            </a:pPr>
+            <a:endParaRPr lang="en-US" dirty="0"/>
+          </a:p>
+          <a:p>
+            <a:pPr marL="457200" indent="-457200">
+              <a:buFont typeface="+mj-lt"/>
+              <a:buAutoNum type="arabicPeriod"/>
+            </a:pPr>
+            <a:r>
+              <a:rPr lang="en-US" dirty="0"/>
+              <a:t>Random Forest Model</a:t>
             </a:r>
           </a:p>
         </p:txBody>
       </p:sp>
       <p:pic>
         <p:nvPicPr>
-          <p:cNvPr id="6" name="Content Placeholder 5">
+          <p:cNvPr id="8" name="Picture 7" descr="A screenshot of a computer&#10;&#10;Description automatically generated">
             <a:extLst>
               <a:ext uri="{FF2B5EF4-FFF2-40B4-BE49-F238E27FC236}">
-                <a16:creationId xmlns:a16="http://schemas.microsoft.com/office/drawing/2014/main" id="{CC6B52CC-4610-C4BB-718D-903A53FE518F}"/>
+                <a16:creationId xmlns:a16="http://schemas.microsoft.com/office/drawing/2014/main" id="{A63F60CA-3759-8B96-82EF-48B3479ED9C5}"/>
               </a:ext>
             </a:extLst>
           </p:cNvPr>
           <p:cNvPicPr>
-            <a:picLocks noGrp="1" noChangeAspect="1"/>
+            <a:picLocks noChangeAspect="1"/>
           </p:cNvPicPr>
-          <p:nvPr>
-            <p:ph sz="half" idx="1"/>
-          </p:nvPr>
+          <p:nvPr/>
         </p:nvPicPr>
-        <p:blipFill>
-          <a:blip r:embed="rId2"/>
-          <a:stretch>
-            <a:fillRect/>
-          </a:stretch>
+        <p:blipFill rotWithShape="1">
+          <a:blip r:embed="rId2">
+            <a:extLst>
+              <a:ext uri="{28A0092B-C50C-407E-A947-70E740481C1C}">
+                <a14:useLocalDpi xmlns:a14="http://schemas.microsoft.com/office/drawing/2010/main" val="0"/>
+              </a:ext>
+            </a:extLst>
+          </a:blip>
+          <a:srcRect r="39249"/>
+          <a:stretch/>
         </p:blipFill>
         <p:spPr>
           <a:xfrm>
-            <a:off x="740978" y="1786759"/>
-            <a:ext cx="5355022" cy="4929351"/>
-          </a:xfrm>
+            <a:off x="5003261" y="1733779"/>
+            <a:ext cx="6454624" cy="1711647"/>
+          </a:xfrm>
+          <a:prstGeom prst="rect">
+            <a:avLst/>
+          </a:prstGeom>
         </p:spPr>
       </p:pic>
-      <p:sp>
-        <p:nvSpPr>
-          <p:cNvPr id="4" name="Content Placeholder 3">
+      <p:pic>
+        <p:nvPicPr>
+          <p:cNvPr id="10" name="Picture 9">
             <a:extLst>
               <a:ext uri="{FF2B5EF4-FFF2-40B4-BE49-F238E27FC236}">
-                <a16:creationId xmlns:a16="http://schemas.microsoft.com/office/drawing/2014/main" id="{5F37D5F8-F5E1-CF10-2780-1A6926F077EF}"/>
+                <a16:creationId xmlns:a16="http://schemas.microsoft.com/office/drawing/2014/main" id="{B1808649-AC5F-71F4-FDF1-C4375422BE4B}"/>
               </a:ext>
             </a:extLst>
           </p:cNvPr>
-          <p:cNvSpPr>
-            <a:spLocks noGrp="1"/>
-          </p:cNvSpPr>
-          <p:nvPr>
-            <p:ph sz="half" idx="2"/>
-          </p:nvPr>
-        </p:nvSpPr>
-        <p:spPr>
-          <a:xfrm>
-            <a:off x="6332482" y="1786759"/>
-            <a:ext cx="5675587" cy="4855779"/>
-          </a:xfrm>
-        </p:spPr>
-        <p:txBody>
-          <a:bodyPr>
-            <a:normAutofit/>
-          </a:bodyPr>
-          <a:lstStyle/>
-          <a:p>
-            <a:r>
-              <a:rPr lang="en-US" dirty="0"/>
-              <a:t>The Body Mass Index (BMI) was broken into 4 different categories; Underweight (&lt;18.5), Healthy (&gt;=18.5 – 25), Overweight (25 – 30), and Obese (&gt;30). </a:t>
-            </a:r>
-          </a:p>
-        </p:txBody>
-      </p:sp>
+          <p:cNvPicPr>
+            <a:picLocks noChangeAspect="1"/>
+          </p:cNvPicPr>
+          <p:nvPr/>
+        </p:nvPicPr>
+        <p:blipFill rotWithShape="1">
+          <a:blip r:embed="rId3">
+            <a:extLst>
+              <a:ext uri="{28A0092B-C50C-407E-A947-70E740481C1C}">
+                <a14:useLocalDpi xmlns:a14="http://schemas.microsoft.com/office/drawing/2010/main" val="0"/>
+              </a:ext>
+            </a:extLst>
+          </a:blip>
+          <a:srcRect r="39249"/>
+          <a:stretch/>
+        </p:blipFill>
+        <p:spPr>
+          <a:xfrm>
+            <a:off x="5003261" y="4629306"/>
+            <a:ext cx="6907280" cy="1252135"/>
+          </a:xfrm>
+          <a:prstGeom prst="rect">
+            <a:avLst/>
+          </a:prstGeom>
+        </p:spPr>
+      </p:pic>
+      <p:cxnSp>
+        <p:nvCxnSpPr>
+          <p:cNvPr id="12" name="Straight Connector 11">
+            <a:extLst>
+              <a:ext uri="{FF2B5EF4-FFF2-40B4-BE49-F238E27FC236}">
+                <a16:creationId xmlns:a16="http://schemas.microsoft.com/office/drawing/2014/main" id="{8650D291-0D3D-ED76-CB97-AADA8437AE80}"/>
+              </a:ext>
+            </a:extLst>
+          </p:cNvPr>
+          <p:cNvCxnSpPr/>
+          <p:nvPr/>
+        </p:nvCxnSpPr>
+        <p:spPr>
+          <a:xfrm>
+            <a:off x="4303776" y="1609344"/>
+            <a:ext cx="0" cy="3755136"/>
+          </a:xfrm>
+          <a:prstGeom prst="line">
+            <a:avLst/>
+          </a:prstGeom>
+          <a:ln w="28575">
+            <a:solidFill>
+              <a:schemeClr val="tx1"/>
+            </a:solidFill>
+          </a:ln>
+        </p:spPr>
+        <p:style>
+          <a:lnRef idx="1">
+            <a:schemeClr val="accent1"/>
+          </a:lnRef>
+          <a:fillRef idx="0">
+            <a:schemeClr val="accent1"/>
+          </a:fillRef>
+          <a:effectRef idx="0">
+            <a:schemeClr val="accent1"/>
+          </a:effectRef>
+          <a:fontRef idx="minor">
+            <a:schemeClr val="tx1"/>
+          </a:fontRef>
+        </p:style>
+      </p:cxnSp>
     </p:spTree>
     <p:extLst>
       <p:ext uri="{BB962C8B-B14F-4D97-AF65-F5344CB8AC3E}">
-        <p14:creationId xmlns:p14="http://schemas.microsoft.com/office/powerpoint/2010/main" val="3091606805"/>
+        <p14:creationId xmlns:p14="http://schemas.microsoft.com/office/powerpoint/2010/main" val="818319046"/>
       </p:ext>
     </p:extLst>
   </p:cSld>
@@ -6670,6 +7826,28 @@
 <file path=ppt/slides/slide5.xml><?xml version="1.0" encoding="utf-8"?>
 <p:sld xmlns:a="http://schemas.openxmlformats.org/drawingml/2006/main" xmlns:r="http://schemas.openxmlformats.org/officeDocument/2006/relationships" xmlns:p="http://schemas.openxmlformats.org/presentationml/2006/main">
   <p:cSld>
+    <p:bg>
+      <p:bgPr>
+        <a:blipFill rotWithShape="1">
+          <a:blip r:embed="rId2">
+            <a:duotone>
+              <a:schemeClr val="bg2">
+                <a:shade val="18000"/>
+                <a:satMod val="160000"/>
+                <a:lumMod val="28000"/>
+              </a:schemeClr>
+              <a:schemeClr val="bg2">
+                <a:tint val="95000"/>
+                <a:satMod val="160000"/>
+                <a:lumMod val="116000"/>
+              </a:schemeClr>
+            </a:duotone>
+          </a:blip>
+          <a:stretch/>
+        </a:blipFill>
+        <a:effectLst/>
+      </p:bgPr>
+    </p:bg>
     <p:spTree>
       <p:nvGrpSpPr>
         <p:cNvPr id="1" name=""/>
@@ -6684,102 +7862,674 @@
           <a:chExt cx="0" cy="0"/>
         </a:xfrm>
       </p:grpSpPr>
-      <p:sp>
-        <p:nvSpPr>
-          <p:cNvPr id="2" name="Title 1">
+      <p:sp useBgFill="1">
+        <p:nvSpPr>
+          <p:cNvPr id="47" name="Rectangle 46">
             <a:extLst>
               <a:ext uri="{FF2B5EF4-FFF2-40B4-BE49-F238E27FC236}">
-                <a16:creationId xmlns:a16="http://schemas.microsoft.com/office/drawing/2014/main" id="{BC24D253-3129-105E-95F1-42860F4AD68E}"/>
+                <a16:creationId xmlns:a16="http://schemas.microsoft.com/office/drawing/2014/main" id="{2824C404-FDA8-4DDB-9D85-52D60D77501A}"/>
+              </a:ext>
+              <a:ext uri="{C183D7F6-B498-43B3-948B-1728B52AA6E4}">
+                <adec:decorative xmlns:adec="http://schemas.microsoft.com/office/drawing/2017/decorative" val="1"/>
               </a:ext>
             </a:extLst>
           </p:cNvPr>
           <p:cNvSpPr>
-            <a:spLocks noGrp="1"/>
-          </p:cNvSpPr>
-          <p:nvPr>
-            <p:ph type="title"/>
-          </p:nvPr>
-        </p:nvSpPr>
-        <p:spPr/>
-        <p:txBody>
-          <a:bodyPr/>
-          <a:lstStyle/>
-          <a:p>
-            <a:r>
-              <a:rPr lang="en-US" dirty="0"/>
-              <a:t>Age by BMI</a:t>
-            </a:r>
+            <a:spLocks noGrp="1" noRot="1" noChangeAspect="1" noMove="1" noResize="1" noEditPoints="1" noAdjustHandles="1" noChangeArrowheads="1" noChangeShapeType="1" noTextEdit="1"/>
+          </p:cNvSpPr>
+          <p:nvPr>
+            <p:extLst>
+              <p:ext uri="{386F3935-93C4-4BCD-93E2-E3B085C9AB24}">
+                <p16:designElem xmlns:p16="http://schemas.microsoft.com/office/powerpoint/2015/main" val="1"/>
+              </p:ext>
+            </p:extLst>
+          </p:nvPr>
+        </p:nvSpPr>
+        <p:spPr>
+          <a:xfrm>
+            <a:off x="0" y="0"/>
+            <a:ext cx="12192000" cy="6858000"/>
+          </a:xfrm>
+          <a:prstGeom prst="rect">
+            <a:avLst/>
+          </a:prstGeom>
+          <a:ln>
+            <a:noFill/>
+          </a:ln>
+        </p:spPr>
+        <p:style>
+          <a:lnRef idx="2">
+            <a:schemeClr val="accent1">
+              <a:shade val="50000"/>
+            </a:schemeClr>
+          </a:lnRef>
+          <a:fillRef idx="1">
+            <a:schemeClr val="accent1"/>
+          </a:fillRef>
+          <a:effectRef idx="0">
+            <a:schemeClr val="accent1"/>
+          </a:effectRef>
+          <a:fontRef idx="minor">
+            <a:schemeClr val="lt1"/>
+          </a:fontRef>
+        </p:style>
+        <p:txBody>
+          <a:bodyPr rtlCol="0" anchor="ctr"/>
+          <a:lstStyle/>
+          <a:p>
+            <a:pPr algn="ctr"/>
+            <a:endParaRPr lang="en-US"/>
+          </a:p>
+        </p:txBody>
+      </p:sp>
+      <p:sp>
+        <p:nvSpPr>
+          <p:cNvPr id="46" name="Rectangle 45">
+            <a:extLst>
+              <a:ext uri="{FF2B5EF4-FFF2-40B4-BE49-F238E27FC236}">
+                <a16:creationId xmlns:a16="http://schemas.microsoft.com/office/drawing/2014/main" id="{10576BAB-9A66-46C6-8A15-DD1B73CDA155}"/>
+              </a:ext>
+              <a:ext uri="{C183D7F6-B498-43B3-948B-1728B52AA6E4}">
+                <adec:decorative xmlns:adec="http://schemas.microsoft.com/office/drawing/2017/decorative" val="1"/>
+              </a:ext>
+            </a:extLst>
+          </p:cNvPr>
+          <p:cNvSpPr>
+            <a:spLocks noGrp="1" noRot="1" noChangeAspect="1" noMove="1" noResize="1" noEditPoints="1" noAdjustHandles="1" noChangeArrowheads="1" noChangeShapeType="1" noTextEdit="1"/>
+          </p:cNvSpPr>
+          <p:nvPr>
+            <p:extLst>
+              <p:ext uri="{386F3935-93C4-4BCD-93E2-E3B085C9AB24}">
+                <p16:designElem xmlns:p16="http://schemas.microsoft.com/office/powerpoint/2015/main" val="1"/>
+              </p:ext>
+            </p:extLst>
+          </p:nvPr>
+        </p:nvSpPr>
+        <p:spPr>
+          <a:xfrm>
+            <a:off x="0" y="0"/>
+            <a:ext cx="12191997" cy="4212693"/>
+          </a:xfrm>
+          <a:prstGeom prst="rect">
+            <a:avLst/>
+          </a:prstGeom>
+          <a:solidFill>
+            <a:schemeClr val="tx1"/>
+          </a:solidFill>
+          <a:ln>
+            <a:noFill/>
+          </a:ln>
+        </p:spPr>
+        <p:style>
+          <a:lnRef idx="2">
+            <a:schemeClr val="accent1">
+              <a:shade val="50000"/>
+            </a:schemeClr>
+          </a:lnRef>
+          <a:fillRef idx="1">
+            <a:schemeClr val="accent1"/>
+          </a:fillRef>
+          <a:effectRef idx="0">
+            <a:schemeClr val="accent1"/>
+          </a:effectRef>
+          <a:fontRef idx="minor">
+            <a:schemeClr val="lt1"/>
+          </a:fontRef>
+        </p:style>
+        <p:txBody>
+          <a:bodyPr rtlCol="0" anchor="ctr"/>
+          <a:lstStyle/>
+          <a:p>
+            <a:pPr algn="ctr"/>
+            <a:endParaRPr lang="en-US"/>
           </a:p>
         </p:txBody>
       </p:sp>
       <p:pic>
         <p:nvPicPr>
-          <p:cNvPr id="5" name="Content Placeholder 4">
+          <p:cNvPr id="11" name="Content Placeholder 10" descr="A screenshot of a computer&#10;&#10;Description automatically generated">
             <a:extLst>
               <a:ext uri="{FF2B5EF4-FFF2-40B4-BE49-F238E27FC236}">
-                <a16:creationId xmlns:a16="http://schemas.microsoft.com/office/drawing/2014/main" id="{AC09B623-63E1-0722-ACC0-1E8F9F01C9C3}"/>
+                <a16:creationId xmlns:a16="http://schemas.microsoft.com/office/drawing/2014/main" id="{27D4864E-90CA-F33B-A5C0-9A5CA2B57D48}"/>
               </a:ext>
             </a:extLst>
           </p:cNvPr>
           <p:cNvPicPr>
-            <a:picLocks noGrp="1" noChangeAspect="1"/>
+            <a:picLocks noChangeAspect="1"/>
           </p:cNvPicPr>
-          <p:nvPr>
-            <p:ph idx="1"/>
-          </p:nvPr>
+          <p:nvPr/>
         </p:nvPicPr>
         <p:blipFill>
-          <a:blip r:embed="rId2"/>
+          <a:blip r:embed="rId3">
+            <a:extLst>
+              <a:ext uri="{28A0092B-C50C-407E-A947-70E740481C1C}">
+                <a14:useLocalDpi xmlns:a14="http://schemas.microsoft.com/office/drawing/2010/main" val="0"/>
+              </a:ext>
+            </a:extLst>
+          </a:blip>
           <a:stretch>
             <a:fillRect/>
           </a:stretch>
         </p:blipFill>
         <p:spPr>
           <a:xfrm>
-            <a:off x="309990" y="1935921"/>
-            <a:ext cx="8492424" cy="4683673"/>
-          </a:xfrm>
+            <a:off x="297267" y="284813"/>
+            <a:ext cx="5513307" cy="3611217"/>
+          </a:xfrm>
+          <a:prstGeom prst="rect">
+            <a:avLst/>
+          </a:prstGeom>
         </p:spPr>
       </p:pic>
-      <p:sp>
-        <p:nvSpPr>
-          <p:cNvPr id="6" name="TextBox 5">
+      <p:cxnSp>
+        <p:nvCxnSpPr>
+          <p:cNvPr id="48" name="Straight Connector 47">
             <a:extLst>
               <a:ext uri="{FF2B5EF4-FFF2-40B4-BE49-F238E27FC236}">
-                <a16:creationId xmlns:a16="http://schemas.microsoft.com/office/drawing/2014/main" id="{948662B6-9051-0D01-2545-0F3DCA3C731F}"/>
+                <a16:creationId xmlns:a16="http://schemas.microsoft.com/office/drawing/2014/main" id="{65CD85AE-D994-4B11-BE24-C38EB7B9E8CC}"/>
+              </a:ext>
+              <a:ext uri="{C183D7F6-B498-43B3-948B-1728B52AA6E4}">
+                <adec:decorative xmlns:adec="http://schemas.microsoft.com/office/drawing/2017/decorative" val="1"/>
               </a:ext>
             </a:extLst>
           </p:cNvPr>
-          <p:cNvSpPr txBox="1"/>
+          <p:cNvCxnSpPr>
+            <a:cxnSpLocks noGrp="1" noRot="1" noChangeAspect="1" noMove="1" noResize="1" noEditPoints="1" noAdjustHandles="1" noChangeArrowheads="1" noChangeShapeType="1"/>
+          </p:cNvCxnSpPr>
+          <p:nvPr>
+            <p:extLst>
+              <p:ext uri="{386F3935-93C4-4BCD-93E2-E3B085C9AB24}">
+                <p16:designElem xmlns:p16="http://schemas.microsoft.com/office/powerpoint/2015/main" val="1"/>
+              </p:ext>
+            </p:extLst>
+          </p:nvPr>
+        </p:nvCxnSpPr>
+        <p:spPr>
+          <a:xfrm>
+            <a:off x="6096000" y="1154913"/>
+            <a:ext cx="0" cy="2083837"/>
+          </a:xfrm>
+          <a:prstGeom prst="line">
+            <a:avLst/>
+          </a:prstGeom>
+          <a:ln w="19050">
+            <a:solidFill>
+              <a:schemeClr val="bg1">
+                <a:lumMod val="85000"/>
+                <a:lumOff val="15000"/>
+              </a:schemeClr>
+            </a:solidFill>
+          </a:ln>
+        </p:spPr>
+        <p:style>
+          <a:lnRef idx="1">
+            <a:schemeClr val="accent1"/>
+          </a:lnRef>
+          <a:fillRef idx="0">
+            <a:schemeClr val="accent1"/>
+          </a:fillRef>
+          <a:effectRef idx="0">
+            <a:schemeClr val="accent1"/>
+          </a:effectRef>
+          <a:fontRef idx="minor">
+            <a:schemeClr val="tx1"/>
+          </a:fontRef>
+        </p:style>
+      </p:cxnSp>
+      <p:pic>
+        <p:nvPicPr>
+          <p:cNvPr id="13" name="Picture 12" descr="A screenshot of a report&#10;&#10;Description automatically generated">
+            <a:extLst>
+              <a:ext uri="{FF2B5EF4-FFF2-40B4-BE49-F238E27FC236}">
+                <a16:creationId xmlns:a16="http://schemas.microsoft.com/office/drawing/2014/main" id="{7AC7CF51-0E0B-C0A9-3C47-254A76D34F64}"/>
+              </a:ext>
+            </a:extLst>
+          </p:cNvPr>
+          <p:cNvPicPr>
+            <a:picLocks noChangeAspect="1"/>
+          </p:cNvPicPr>
           <p:nvPr/>
-        </p:nvSpPr>
-        <p:spPr>
-          <a:xfrm>
-            <a:off x="9217572" y="1935921"/>
-            <a:ext cx="2643352" cy="1754326"/>
+        </p:nvPicPr>
+        <p:blipFill>
+          <a:blip r:embed="rId4">
+            <a:extLst>
+              <a:ext uri="{28A0092B-C50C-407E-A947-70E740481C1C}">
+                <a14:useLocalDpi xmlns:a14="http://schemas.microsoft.com/office/drawing/2010/main" val="0"/>
+              </a:ext>
+            </a:extLst>
+          </a:blip>
+          <a:stretch>
+            <a:fillRect/>
+          </a:stretch>
+        </p:blipFill>
+        <p:spPr>
+          <a:xfrm>
+            <a:off x="6496433" y="231998"/>
+            <a:ext cx="5792899" cy="3664009"/>
           </a:xfrm>
           <a:prstGeom prst="rect">
             <a:avLst/>
           </a:prstGeom>
-          <a:noFill/>
-        </p:spPr>
-        <p:txBody>
-          <a:bodyPr wrap="square" rtlCol="0">
-            <a:spAutoFit/>
+        </p:spPr>
+      </p:pic>
+      <p:sp>
+        <p:nvSpPr>
+          <p:cNvPr id="41" name="Content Placeholder 40">
+            <a:extLst>
+              <a:ext uri="{FF2B5EF4-FFF2-40B4-BE49-F238E27FC236}">
+                <a16:creationId xmlns:a16="http://schemas.microsoft.com/office/drawing/2014/main" id="{3427B1D7-DA0E-63A0-6178-FFE98C28AE0D}"/>
+              </a:ext>
+            </a:extLst>
+          </p:cNvPr>
+          <p:cNvSpPr>
+            <a:spLocks noGrp="1"/>
+          </p:cNvSpPr>
+          <p:nvPr>
+            <p:ph idx="1"/>
+          </p:nvPr>
+        </p:nvSpPr>
+        <p:spPr>
+          <a:xfrm>
+            <a:off x="7647970" y="4326819"/>
+            <a:ext cx="3489824" cy="952318"/>
+          </a:xfrm>
+        </p:spPr>
+        <p:txBody>
+          <a:bodyPr anchor="ctr">
+            <a:normAutofit/>
           </a:bodyPr>
           <a:lstStyle/>
           <a:p>
+            <a:pPr marL="0" indent="0">
+              <a:buNone/>
+            </a:pPr>
             <a:r>
               <a:rPr lang="en-US" dirty="0"/>
-              <a:t>The majority of our sample were considered Obese. The majority of individuals were between 20 and 30 years old.</a:t>
-            </a:r>
+              <a:t>First random forest model.</a:t>
+            </a:r>
+          </a:p>
+        </p:txBody>
+      </p:sp>
+      <p:sp>
+        <p:nvSpPr>
+          <p:cNvPr id="14" name="Content Placeholder 40">
+            <a:extLst>
+              <a:ext uri="{FF2B5EF4-FFF2-40B4-BE49-F238E27FC236}">
+                <a16:creationId xmlns:a16="http://schemas.microsoft.com/office/drawing/2014/main" id="{2E7C2750-D18A-AD6F-95DA-0D2B1F8F96BE}"/>
+              </a:ext>
+            </a:extLst>
+          </p:cNvPr>
+          <p:cNvSpPr txBox="1">
+            <a:spLocks/>
+          </p:cNvSpPr>
+          <p:nvPr/>
+        </p:nvSpPr>
+        <p:spPr>
+          <a:xfrm>
+            <a:off x="741678" y="4326819"/>
+            <a:ext cx="4624484" cy="952318"/>
+          </a:xfrm>
+          <a:prstGeom prst="rect">
+            <a:avLst/>
+          </a:prstGeom>
+        </p:spPr>
+        <p:txBody>
+          <a:bodyPr vert="horz" lIns="91440" tIns="45720" rIns="91440" bIns="45720" rtlCol="0" anchor="ctr">
+            <a:normAutofit/>
+          </a:bodyPr>
+          <a:lstStyle>
+            <a:lvl1pPr marL="228600" indent="-228600" algn="l" defTabSz="914400" rtl="0" eaLnBrk="1" latinLnBrk="0" hangingPunct="1">
+              <a:lnSpc>
+                <a:spcPct val="120000"/>
+              </a:lnSpc>
+              <a:spcBef>
+                <a:spcPts val="1000"/>
+              </a:spcBef>
+              <a:buFont typeface="Arial" panose="020B0604020202020204" pitchFamily="34" charset="0"/>
+              <a:buChar char="•"/>
+              <a:defRPr sz="2000" kern="1200">
+                <a:solidFill>
+                  <a:schemeClr val="tx1"/>
+                </a:solidFill>
+                <a:effectLst>
+                  <a:outerShdw blurRad="50800" dist="38100" dir="2700000" algn="tl" rotWithShape="0">
+                    <a:srgbClr val="000000">
+                      <a:alpha val="48000"/>
+                    </a:srgbClr>
+                  </a:outerShdw>
+                </a:effectLst>
+                <a:latin typeface="+mn-lt"/>
+                <a:ea typeface="+mn-ea"/>
+                <a:cs typeface="+mn-cs"/>
+              </a:defRPr>
+            </a:lvl1pPr>
+            <a:lvl2pPr marL="685800" indent="-228600" algn="l" defTabSz="914400" rtl="0" eaLnBrk="1" latinLnBrk="0" hangingPunct="1">
+              <a:lnSpc>
+                <a:spcPct val="120000"/>
+              </a:lnSpc>
+              <a:spcBef>
+                <a:spcPts val="500"/>
+              </a:spcBef>
+              <a:buFont typeface="Arial" panose="020B0604020202020204" pitchFamily="34" charset="0"/>
+              <a:buChar char="•"/>
+              <a:defRPr sz="1800" kern="1200">
+                <a:solidFill>
+                  <a:schemeClr val="tx1"/>
+                </a:solidFill>
+                <a:effectLst>
+                  <a:outerShdw blurRad="50800" dist="38100" dir="2700000" algn="tl" rotWithShape="0">
+                    <a:srgbClr val="000000">
+                      <a:alpha val="48000"/>
+                    </a:srgbClr>
+                  </a:outerShdw>
+                </a:effectLst>
+                <a:latin typeface="+mn-lt"/>
+                <a:ea typeface="+mn-ea"/>
+                <a:cs typeface="+mn-cs"/>
+              </a:defRPr>
+            </a:lvl2pPr>
+            <a:lvl3pPr marL="1143000" indent="-228600" algn="l" defTabSz="914400" rtl="0" eaLnBrk="1" latinLnBrk="0" hangingPunct="1">
+              <a:lnSpc>
+                <a:spcPct val="120000"/>
+              </a:lnSpc>
+              <a:spcBef>
+                <a:spcPts val="500"/>
+              </a:spcBef>
+              <a:buFont typeface="Arial" panose="020B0604020202020204" pitchFamily="34" charset="0"/>
+              <a:buChar char="•"/>
+              <a:defRPr sz="1600" kern="1200">
+                <a:solidFill>
+                  <a:schemeClr val="tx1"/>
+                </a:solidFill>
+                <a:effectLst>
+                  <a:outerShdw blurRad="50800" dist="38100" dir="2700000" algn="tl" rotWithShape="0">
+                    <a:srgbClr val="000000">
+                      <a:alpha val="48000"/>
+                    </a:srgbClr>
+                  </a:outerShdw>
+                </a:effectLst>
+                <a:latin typeface="+mn-lt"/>
+                <a:ea typeface="+mn-ea"/>
+                <a:cs typeface="+mn-cs"/>
+              </a:defRPr>
+            </a:lvl3pPr>
+            <a:lvl4pPr marL="1600200" indent="-228600" algn="l" defTabSz="914400" rtl="0" eaLnBrk="1" latinLnBrk="0" hangingPunct="1">
+              <a:lnSpc>
+                <a:spcPct val="120000"/>
+              </a:lnSpc>
+              <a:spcBef>
+                <a:spcPts val="500"/>
+              </a:spcBef>
+              <a:buFont typeface="Arial" panose="020B0604020202020204" pitchFamily="34" charset="0"/>
+              <a:buChar char="•"/>
+              <a:defRPr sz="1400" kern="1200">
+                <a:solidFill>
+                  <a:schemeClr val="tx1"/>
+                </a:solidFill>
+                <a:effectLst>
+                  <a:outerShdw blurRad="50800" dist="38100" dir="2700000" algn="tl" rotWithShape="0">
+                    <a:srgbClr val="000000">
+                      <a:alpha val="48000"/>
+                    </a:srgbClr>
+                  </a:outerShdw>
+                </a:effectLst>
+                <a:latin typeface="+mn-lt"/>
+                <a:ea typeface="+mn-ea"/>
+                <a:cs typeface="+mn-cs"/>
+              </a:defRPr>
+            </a:lvl4pPr>
+            <a:lvl5pPr marL="2057400" indent="-228600" algn="l" defTabSz="914400" rtl="0" eaLnBrk="1" latinLnBrk="0" hangingPunct="1">
+              <a:lnSpc>
+                <a:spcPct val="120000"/>
+              </a:lnSpc>
+              <a:spcBef>
+                <a:spcPts val="500"/>
+              </a:spcBef>
+              <a:buFont typeface="Arial" panose="020B0604020202020204" pitchFamily="34" charset="0"/>
+              <a:buChar char="•"/>
+              <a:defRPr sz="1200" kern="1200">
+                <a:solidFill>
+                  <a:schemeClr val="tx1"/>
+                </a:solidFill>
+                <a:effectLst>
+                  <a:outerShdw blurRad="50800" dist="38100" dir="2700000" algn="tl" rotWithShape="0">
+                    <a:srgbClr val="000000">
+                      <a:alpha val="48000"/>
+                    </a:srgbClr>
+                  </a:outerShdw>
+                </a:effectLst>
+                <a:latin typeface="+mn-lt"/>
+                <a:ea typeface="+mn-ea"/>
+                <a:cs typeface="+mn-cs"/>
+              </a:defRPr>
+            </a:lvl5pPr>
+            <a:lvl6pPr marL="2514600" indent="-228600" algn="l" defTabSz="914400" rtl="0" eaLnBrk="1" latinLnBrk="0" hangingPunct="1">
+              <a:lnSpc>
+                <a:spcPct val="120000"/>
+              </a:lnSpc>
+              <a:spcBef>
+                <a:spcPts val="500"/>
+              </a:spcBef>
+              <a:buFont typeface="Arial" panose="020B0604020202020204" pitchFamily="34" charset="0"/>
+              <a:buChar char="•"/>
+              <a:defRPr sz="1200" kern="1200">
+                <a:solidFill>
+                  <a:schemeClr val="tx1"/>
+                </a:solidFill>
+                <a:effectLst>
+                  <a:outerShdw blurRad="50800" dist="38100" dir="2700000" algn="tl" rotWithShape="0">
+                    <a:srgbClr val="000000">
+                      <a:alpha val="48000"/>
+                    </a:srgbClr>
+                  </a:outerShdw>
+                </a:effectLst>
+                <a:latin typeface="+mn-lt"/>
+                <a:ea typeface="+mn-ea"/>
+                <a:cs typeface="+mn-cs"/>
+              </a:defRPr>
+            </a:lvl6pPr>
+            <a:lvl7pPr marL="2971800" indent="-228600" algn="l" defTabSz="914400" rtl="0" eaLnBrk="1" latinLnBrk="0" hangingPunct="1">
+              <a:lnSpc>
+                <a:spcPct val="120000"/>
+              </a:lnSpc>
+              <a:spcBef>
+                <a:spcPts val="500"/>
+              </a:spcBef>
+              <a:buFont typeface="Arial" panose="020B0604020202020204" pitchFamily="34" charset="0"/>
+              <a:buChar char="•"/>
+              <a:defRPr sz="1200" kern="1200">
+                <a:solidFill>
+                  <a:schemeClr val="tx1"/>
+                </a:solidFill>
+                <a:effectLst>
+                  <a:outerShdw blurRad="50800" dist="38100" dir="2700000" algn="tl" rotWithShape="0">
+                    <a:srgbClr val="000000">
+                      <a:alpha val="48000"/>
+                    </a:srgbClr>
+                  </a:outerShdw>
+                </a:effectLst>
+                <a:latin typeface="+mn-lt"/>
+                <a:ea typeface="+mn-ea"/>
+                <a:cs typeface="+mn-cs"/>
+              </a:defRPr>
+            </a:lvl7pPr>
+            <a:lvl8pPr marL="3429000" indent="-228600" algn="l" defTabSz="914400" rtl="0" eaLnBrk="1" latinLnBrk="0" hangingPunct="1">
+              <a:lnSpc>
+                <a:spcPct val="120000"/>
+              </a:lnSpc>
+              <a:spcBef>
+                <a:spcPts val="500"/>
+              </a:spcBef>
+              <a:buFont typeface="Arial" panose="020B0604020202020204" pitchFamily="34" charset="0"/>
+              <a:buChar char="•"/>
+              <a:defRPr sz="1200" kern="1200">
+                <a:solidFill>
+                  <a:schemeClr val="tx1"/>
+                </a:solidFill>
+                <a:effectLst>
+                  <a:outerShdw blurRad="50800" dist="38100" dir="2700000" algn="tl" rotWithShape="0">
+                    <a:srgbClr val="000000">
+                      <a:alpha val="48000"/>
+                    </a:srgbClr>
+                  </a:outerShdw>
+                </a:effectLst>
+                <a:latin typeface="+mn-lt"/>
+                <a:ea typeface="+mn-ea"/>
+                <a:cs typeface="+mn-cs"/>
+              </a:defRPr>
+            </a:lvl8pPr>
+            <a:lvl9pPr marL="3886200" indent="-228600" algn="l" defTabSz="914400" rtl="0" eaLnBrk="1" latinLnBrk="0" hangingPunct="1">
+              <a:lnSpc>
+                <a:spcPct val="120000"/>
+              </a:lnSpc>
+              <a:spcBef>
+                <a:spcPts val="500"/>
+              </a:spcBef>
+              <a:buFont typeface="Arial" panose="020B0604020202020204" pitchFamily="34" charset="0"/>
+              <a:buChar char="•"/>
+              <a:defRPr sz="1200" kern="1200">
+                <a:solidFill>
+                  <a:schemeClr val="tx1"/>
+                </a:solidFill>
+                <a:effectLst>
+                  <a:outerShdw blurRad="50800" dist="38100" dir="2700000" algn="tl" rotWithShape="0">
+                    <a:srgbClr val="000000">
+                      <a:alpha val="48000"/>
+                    </a:srgbClr>
+                  </a:outerShdw>
+                </a:effectLst>
+                <a:latin typeface="+mn-lt"/>
+                <a:ea typeface="+mn-ea"/>
+                <a:cs typeface="+mn-cs"/>
+              </a:defRPr>
+            </a:lvl9pPr>
+          </a:lstStyle>
+          <a:p>
+            <a:pPr marL="0" indent="0">
+              <a:buFont typeface="Arial" panose="020B0604020202020204" pitchFamily="34" charset="0"/>
+              <a:buNone/>
+            </a:pPr>
+            <a:r>
+              <a:rPr lang="en-US" dirty="0"/>
+              <a:t>Optimized logistic regression model.</a:t>
+            </a:r>
+          </a:p>
+        </p:txBody>
+      </p:sp>
+      <p:sp>
+        <p:nvSpPr>
+          <p:cNvPr id="17" name="Frame 16">
+            <a:extLst>
+              <a:ext uri="{FF2B5EF4-FFF2-40B4-BE49-F238E27FC236}">
+                <a16:creationId xmlns:a16="http://schemas.microsoft.com/office/drawing/2014/main" id="{A0659C0F-791D-A9AF-AACC-320FA9EC4AEE}"/>
+              </a:ext>
+            </a:extLst>
+          </p:cNvPr>
+          <p:cNvSpPr/>
+          <p:nvPr/>
+        </p:nvSpPr>
+        <p:spPr>
+          <a:xfrm>
+            <a:off x="8154649" y="1693889"/>
+            <a:ext cx="884420" cy="314793"/>
+          </a:xfrm>
+          <a:prstGeom prst="frame">
+            <a:avLst/>
+          </a:prstGeom>
+          <a:ln w="28575">
+            <a:solidFill>
+              <a:srgbClr val="FFFF00"/>
+            </a:solidFill>
+          </a:ln>
+        </p:spPr>
+        <p:style>
+          <a:lnRef idx="2">
+            <a:schemeClr val="accent1">
+              <a:shade val="15000"/>
+            </a:schemeClr>
+          </a:lnRef>
+          <a:fillRef idx="1">
+            <a:schemeClr val="accent1"/>
+          </a:fillRef>
+          <a:effectRef idx="0">
+            <a:schemeClr val="accent1"/>
+          </a:effectRef>
+          <a:fontRef idx="minor">
+            <a:schemeClr val="lt1"/>
+          </a:fontRef>
+        </p:style>
+        <p:txBody>
+          <a:bodyPr rtlCol="0" anchor="ctr"/>
+          <a:lstStyle/>
+          <a:p>
+            <a:pPr algn="ctr"/>
+            <a:endParaRPr lang="en-US">
+              <a:solidFill>
+                <a:schemeClr val="tx1"/>
+              </a:solidFill>
+            </a:endParaRPr>
+          </a:p>
+        </p:txBody>
+      </p:sp>
+      <p:sp>
+        <p:nvSpPr>
+          <p:cNvPr id="19" name="Frame 18">
+            <a:extLst>
+              <a:ext uri="{FF2B5EF4-FFF2-40B4-BE49-F238E27FC236}">
+                <a16:creationId xmlns:a16="http://schemas.microsoft.com/office/drawing/2014/main" id="{F74D06D8-B0C3-BDEE-FCAE-A73C9246EE5D}"/>
+              </a:ext>
+            </a:extLst>
+          </p:cNvPr>
+          <p:cNvSpPr/>
+          <p:nvPr/>
+        </p:nvSpPr>
+        <p:spPr>
+          <a:xfrm>
+            <a:off x="1845390" y="1693889"/>
+            <a:ext cx="1916244" cy="312293"/>
+          </a:xfrm>
+          <a:prstGeom prst="frame">
+            <a:avLst/>
+          </a:prstGeom>
+          <a:ln w="28575">
+            <a:solidFill>
+              <a:srgbClr val="FFFF00"/>
+            </a:solidFill>
+          </a:ln>
+        </p:spPr>
+        <p:style>
+          <a:lnRef idx="2">
+            <a:schemeClr val="accent1">
+              <a:shade val="15000"/>
+            </a:schemeClr>
+          </a:lnRef>
+          <a:fillRef idx="1">
+            <a:schemeClr val="accent1"/>
+          </a:fillRef>
+          <a:effectRef idx="0">
+            <a:schemeClr val="accent1"/>
+          </a:effectRef>
+          <a:fontRef idx="minor">
+            <a:schemeClr val="lt1"/>
+          </a:fontRef>
+        </p:style>
+        <p:txBody>
+          <a:bodyPr rtlCol="0" anchor="ctr"/>
+          <a:lstStyle/>
+          <a:p>
+            <a:pPr algn="ctr"/>
+            <a:endParaRPr lang="en-US">
+              <a:solidFill>
+                <a:schemeClr val="tx1"/>
+              </a:solidFill>
+            </a:endParaRPr>
           </a:p>
         </p:txBody>
       </p:sp>
     </p:spTree>
     <p:extLst>
       <p:ext uri="{BB962C8B-B14F-4D97-AF65-F5344CB8AC3E}">
-        <p14:creationId xmlns:p14="http://schemas.microsoft.com/office/powerpoint/2010/main" val="77643468"/>
+        <p14:creationId xmlns:p14="http://schemas.microsoft.com/office/powerpoint/2010/main" val="3122957541"/>
       </p:ext>
     </p:extLst>
   </p:cSld>
@@ -6792,6 +8542,14 @@
 <file path=ppt/slides/slide6.xml><?xml version="1.0" encoding="utf-8"?>
 <p:sld xmlns:a="http://schemas.openxmlformats.org/drawingml/2006/main" xmlns:r="http://schemas.openxmlformats.org/officeDocument/2006/relationships" xmlns:p="http://schemas.openxmlformats.org/presentationml/2006/main">
   <p:cSld>
+    <p:bg>
+      <p:bgPr>
+        <a:solidFill>
+          <a:schemeClr val="bg1"/>
+        </a:solidFill>
+        <a:effectLst/>
+      </p:bgPr>
+    </p:bg>
     <p:spTree>
       <p:nvGrpSpPr>
         <p:cNvPr id="1" name=""/>
@@ -6808,10 +8566,70 @@
       </p:grpSpPr>
       <p:sp>
         <p:nvSpPr>
+          <p:cNvPr id="9" name="Rectangle 8">
+            <a:extLst>
+              <a:ext uri="{FF2B5EF4-FFF2-40B4-BE49-F238E27FC236}">
+                <a16:creationId xmlns:a16="http://schemas.microsoft.com/office/drawing/2014/main" id="{09A5E449-B95D-46A6-9234-5477BCBAD6CE}"/>
+              </a:ext>
+              <a:ext uri="{C183D7F6-B498-43B3-948B-1728B52AA6E4}">
+                <adec:decorative xmlns:adec="http://schemas.microsoft.com/office/drawing/2017/decorative" val="1"/>
+              </a:ext>
+            </a:extLst>
+          </p:cNvPr>
+          <p:cNvSpPr>
+            <a:spLocks noGrp="1" noRot="1" noChangeAspect="1" noMove="1" noResize="1" noEditPoints="1" noAdjustHandles="1" noChangeArrowheads="1" noChangeShapeType="1" noTextEdit="1"/>
+          </p:cNvSpPr>
+          <p:nvPr>
+            <p:extLst>
+              <p:ext uri="{386F3935-93C4-4BCD-93E2-E3B085C9AB24}">
+                <p16:designElem xmlns:p16="http://schemas.microsoft.com/office/powerpoint/2015/main" val="1"/>
+              </p:ext>
+            </p:extLst>
+          </p:nvPr>
+        </p:nvSpPr>
+        <p:spPr>
+          <a:xfrm>
+            <a:off x="0" y="0"/>
+            <a:ext cx="12192000" cy="6858000"/>
+          </a:xfrm>
+          <a:prstGeom prst="rect">
+            <a:avLst/>
+          </a:prstGeom>
+          <a:ln>
+            <a:noFill/>
+          </a:ln>
+        </p:spPr>
+        <p:style>
+          <a:lnRef idx="2">
+            <a:schemeClr val="accent1">
+              <a:shade val="50000"/>
+            </a:schemeClr>
+          </a:lnRef>
+          <a:fillRef idx="1003">
+            <a:schemeClr val="dk2"/>
+          </a:fillRef>
+          <a:effectRef idx="0">
+            <a:schemeClr val="accent1"/>
+          </a:effectRef>
+          <a:fontRef idx="minor">
+            <a:schemeClr val="lt1"/>
+          </a:fontRef>
+        </p:style>
+        <p:txBody>
+          <a:bodyPr rtlCol="0" anchor="ctr"/>
+          <a:lstStyle/>
+          <a:p>
+            <a:pPr algn="ctr"/>
+            <a:endParaRPr lang="en-US"/>
+          </a:p>
+        </p:txBody>
+      </p:sp>
+      <p:sp>
+        <p:nvSpPr>
           <p:cNvPr id="2" name="Title 1">
             <a:extLst>
               <a:ext uri="{FF2B5EF4-FFF2-40B4-BE49-F238E27FC236}">
-                <a16:creationId xmlns:a16="http://schemas.microsoft.com/office/drawing/2014/main" id="{3EAE3C81-2B2E-9849-5185-C8B15BE7CF3A}"/>
+                <a16:creationId xmlns:a16="http://schemas.microsoft.com/office/drawing/2014/main" id="{0B26EFEB-4CD0-B251-B601-C1C103438C1A}"/>
               </a:ext>
             </a:extLst>
           </p:cNvPr>
@@ -6822,76 +8640,261 @@
             <p:ph type="title"/>
           </p:nvPr>
         </p:nvSpPr>
-        <p:spPr/>
-        <p:txBody>
-          <a:bodyPr/>
-          <a:lstStyle/>
-          <a:p>
-            <a:r>
-              <a:rPr lang="en-US" dirty="0"/>
-              <a:t>Blood Sugar Pressure</a:t>
-            </a:r>
+        <p:spPr>
+          <a:xfrm>
+            <a:off x="7859488" y="609600"/>
+            <a:ext cx="3408068" cy="1326321"/>
+          </a:xfrm>
+        </p:spPr>
+        <p:txBody>
+          <a:bodyPr>
+            <a:normAutofit/>
+          </a:bodyPr>
+          <a:lstStyle/>
+          <a:p>
+            <a:r>
+              <a:rPr lang="en-US" sz="2800" dirty="0">
+                <a:solidFill>
+                  <a:srgbClr val="FFFFFF"/>
+                </a:solidFill>
+              </a:rPr>
+              <a:t>Final model</a:t>
+            </a:r>
+          </a:p>
+        </p:txBody>
+      </p:sp>
+      <p:sp>
+        <p:nvSpPr>
+          <p:cNvPr id="11" name="Rectangle 10">
+            <a:extLst>
+              <a:ext uri="{FF2B5EF4-FFF2-40B4-BE49-F238E27FC236}">
+                <a16:creationId xmlns:a16="http://schemas.microsoft.com/office/drawing/2014/main" id="{57B113FE-00ED-4DFD-B853-285DBAE33FCF}"/>
+              </a:ext>
+              <a:ext uri="{C183D7F6-B498-43B3-948B-1728B52AA6E4}">
+                <adec:decorative xmlns:adec="http://schemas.microsoft.com/office/drawing/2017/decorative" val="1"/>
+              </a:ext>
+            </a:extLst>
+          </p:cNvPr>
+          <p:cNvSpPr>
+            <a:spLocks noGrp="1" noRot="1" noChangeAspect="1" noMove="1" noResize="1" noEditPoints="1" noAdjustHandles="1" noChangeArrowheads="1" noChangeShapeType="1" noTextEdit="1"/>
+          </p:cNvSpPr>
+          <p:nvPr>
+            <p:extLst>
+              <p:ext uri="{386F3935-93C4-4BCD-93E2-E3B085C9AB24}">
+                <p16:designElem xmlns:p16="http://schemas.microsoft.com/office/powerpoint/2015/main" val="1"/>
+              </p:ext>
+            </p:extLst>
+          </p:nvPr>
+        </p:nvSpPr>
+        <p:spPr>
+          <a:xfrm>
+            <a:off x="752475" y="733425"/>
+            <a:ext cx="6696075" cy="5391150"/>
+          </a:xfrm>
+          <a:prstGeom prst="rect">
+            <a:avLst/>
+          </a:prstGeom>
+          <a:solidFill>
+            <a:schemeClr val="bg1"/>
+          </a:solidFill>
+          <a:ln w="190500" cap="sq">
+            <a:solidFill>
+              <a:schemeClr val="bg1"/>
+            </a:solidFill>
+            <a:miter lim="800000"/>
+          </a:ln>
+          <a:effectLst>
+            <a:outerShdw blurRad="54991" dist="17780" dir="5400000" algn="ctr" rotWithShape="0">
+              <a:schemeClr val="bg1">
+                <a:alpha val="40000"/>
+              </a:schemeClr>
+            </a:outerShdw>
+          </a:effectLst>
+          <a:scene3d>
+            <a:camera prst="orthographicFront"/>
+            <a:lightRig rig="twoPt" dir="t">
+              <a:rot lat="0" lon="0" rev="7200000"/>
+            </a:lightRig>
+          </a:scene3d>
+          <a:sp3d>
+            <a:bevelT w="25400" h="19050"/>
+          </a:sp3d>
+        </p:spPr>
+        <p:style>
+          <a:lnRef idx="2">
+            <a:schemeClr val="accent1">
+              <a:shade val="50000"/>
+            </a:schemeClr>
+          </a:lnRef>
+          <a:fillRef idx="1">
+            <a:schemeClr val="accent1"/>
+          </a:fillRef>
+          <a:effectRef idx="0">
+            <a:schemeClr val="accent1"/>
+          </a:effectRef>
+          <a:fontRef idx="minor">
+            <a:schemeClr val="lt1"/>
+          </a:fontRef>
+        </p:style>
+        <p:txBody>
+          <a:bodyPr rtlCol="0" anchor="ctr"/>
+          <a:lstStyle/>
+          <a:p>
+            <a:pPr algn="ctr"/>
+            <a:endParaRPr lang="en-US"/>
           </a:p>
         </p:txBody>
       </p:sp>
       <p:pic>
         <p:nvPicPr>
-          <p:cNvPr id="6" name="Content Placeholder 5">
+          <p:cNvPr id="4" name="Content Placeholder 4" descr="A screenshot of a computer&#10;&#10;Description automatically generated">
             <a:extLst>
               <a:ext uri="{FF2B5EF4-FFF2-40B4-BE49-F238E27FC236}">
-                <a16:creationId xmlns:a16="http://schemas.microsoft.com/office/drawing/2014/main" id="{A0D4BF55-C707-0573-93A2-B81412017725}"/>
+                <a16:creationId xmlns:a16="http://schemas.microsoft.com/office/drawing/2014/main" id="{E7BB0003-D51A-795E-3286-548A130BFEEE}"/>
               </a:ext>
             </a:extLst>
           </p:cNvPr>
           <p:cNvPicPr>
-            <a:picLocks noGrp="1" noChangeAspect="1"/>
+            <a:picLocks noChangeAspect="1"/>
           </p:cNvPicPr>
-          <p:nvPr>
-            <p:ph sz="half" idx="1"/>
-          </p:nvPr>
+          <p:nvPr/>
         </p:nvPicPr>
         <p:blipFill>
-          <a:blip r:embed="rId2"/>
+          <a:blip r:embed="rId2">
+            <a:extLst>
+              <a:ext uri="{28A0092B-C50C-407E-A947-70E740481C1C}">
+                <a14:useLocalDpi xmlns:a14="http://schemas.microsoft.com/office/drawing/2010/main" val="0"/>
+              </a:ext>
+            </a:extLst>
+          </a:blip>
           <a:stretch>
             <a:fillRect/>
           </a:stretch>
         </p:blipFill>
         <p:spPr>
           <a:xfrm>
-            <a:off x="677917" y="1991711"/>
-            <a:ext cx="5202621" cy="4755930"/>
-          </a:xfrm>
+            <a:off x="1137490" y="1436368"/>
+            <a:ext cx="5926045" cy="3985265"/>
+          </a:xfrm>
+          <a:prstGeom prst="rect">
+            <a:avLst/>
+          </a:prstGeom>
         </p:spPr>
       </p:pic>
       <p:sp>
         <p:nvSpPr>
-          <p:cNvPr id="4" name="Content Placeholder 3">
+          <p:cNvPr id="13" name="Rectangle 12">
             <a:extLst>
               <a:ext uri="{FF2B5EF4-FFF2-40B4-BE49-F238E27FC236}">
-                <a16:creationId xmlns:a16="http://schemas.microsoft.com/office/drawing/2014/main" id="{37BE28A1-BAB9-E6B0-7EBD-E365B87ACED1}"/>
+                <a16:creationId xmlns:a16="http://schemas.microsoft.com/office/drawing/2014/main" id="{08CC676F-74F1-441D-9B51-42C5B87F182C}"/>
+              </a:ext>
+              <a:ext uri="{C183D7F6-B498-43B3-948B-1728B52AA6E4}">
+                <adec:decorative xmlns:adec="http://schemas.microsoft.com/office/drawing/2017/decorative" val="1"/>
               </a:ext>
             </a:extLst>
           </p:cNvPr>
           <p:cNvSpPr>
-            <a:spLocks noGrp="1"/>
-          </p:cNvSpPr>
-          <p:nvPr>
-            <p:ph sz="half" idx="2"/>
-          </p:nvPr>
-        </p:nvSpPr>
-        <p:spPr>
-          <a:xfrm>
-            <a:off x="5980386" y="2249486"/>
-            <a:ext cx="6164317" cy="3541714"/>
-          </a:xfrm>
-        </p:spPr>
-        <p:txBody>
-          <a:bodyPr/>
-          <a:lstStyle/>
-          <a:p>
-            <a:r>
-              <a:rPr lang="en-US" dirty="0"/>
-              <a:t>Next, we looked at what our sample’s blood sugar pressure fell. This was broken into 3 categories; Normal Blood Sugar (&lt;= 100), Above Average Blood Sugar (100 - &gt;=125), and High Blood Sugar (&gt;=126).</a:t>
+            <a:spLocks noGrp="1" noRot="1" noChangeAspect="1" noMove="1" noResize="1" noEditPoints="1" noAdjustHandles="1" noChangeArrowheads="1" noChangeShapeType="1" noTextEdit="1"/>
+          </p:cNvSpPr>
+          <p:nvPr>
+            <p:extLst>
+              <p:ext uri="{386F3935-93C4-4BCD-93E2-E3B085C9AB24}">
+                <p16:designElem xmlns:p16="http://schemas.microsoft.com/office/powerpoint/2015/main" val="1"/>
+              </p:ext>
+            </p:extLst>
+          </p:nvPr>
+        </p:nvSpPr>
+        <p:spPr>
+          <a:xfrm>
+            <a:off x="817654" y="799817"/>
+            <a:ext cx="6565717" cy="5258367"/>
+          </a:xfrm>
+          <a:prstGeom prst="rect">
+            <a:avLst/>
+          </a:prstGeom>
+          <a:noFill/>
+          <a:ln w="12700">
+            <a:solidFill>
+              <a:srgbClr val="2A5B7F"/>
+            </a:solidFill>
+          </a:ln>
+        </p:spPr>
+        <p:style>
+          <a:lnRef idx="2">
+            <a:schemeClr val="accent1">
+              <a:shade val="50000"/>
+            </a:schemeClr>
+          </a:lnRef>
+          <a:fillRef idx="1">
+            <a:schemeClr val="accent1"/>
+          </a:fillRef>
+          <a:effectRef idx="0">
+            <a:schemeClr val="accent1"/>
+          </a:effectRef>
+          <a:fontRef idx="minor">
+            <a:schemeClr val="lt1"/>
+          </a:fontRef>
+        </p:style>
+        <p:txBody>
+          <a:bodyPr rtlCol="0" anchor="ctr"/>
+          <a:lstStyle/>
+          <a:p>
+            <a:pPr algn="ctr"/>
+            <a:endParaRPr lang="en-US"/>
+          </a:p>
+        </p:txBody>
+      </p:sp>
+      <p:sp>
+        <p:nvSpPr>
+          <p:cNvPr id="3" name="Content Placeholder 2">
+            <a:extLst>
+              <a:ext uri="{FF2B5EF4-FFF2-40B4-BE49-F238E27FC236}">
+                <a16:creationId xmlns:a16="http://schemas.microsoft.com/office/drawing/2014/main" id="{D03981D6-4DB2-18D6-ADCE-7E4C5DC22046}"/>
+              </a:ext>
+            </a:extLst>
+          </p:cNvPr>
+          <p:cNvSpPr>
+            <a:spLocks noGrp="1"/>
+          </p:cNvSpPr>
+          <p:nvPr>
+            <p:ph idx="1"/>
+          </p:nvPr>
+        </p:nvSpPr>
+        <p:spPr>
+          <a:xfrm>
+            <a:off x="7859487" y="2096064"/>
+            <a:ext cx="3408070" cy="3962120"/>
+          </a:xfrm>
+        </p:spPr>
+        <p:txBody>
+          <a:bodyPr>
+            <a:normAutofit/>
+          </a:bodyPr>
+          <a:lstStyle/>
+          <a:p>
+            <a:r>
+              <a:rPr lang="en-US" sz="1600" dirty="0">
+                <a:solidFill>
+                  <a:srgbClr val="FFFFFF"/>
+                </a:solidFill>
+              </a:rPr>
+              <a:t>Based on the </a:t>
+            </a:r>
+            <a:r>
+              <a:rPr lang="en-US" sz="1600" dirty="0" err="1">
+                <a:solidFill>
+                  <a:srgbClr val="FFFFFF"/>
+                </a:solidFill>
+              </a:rPr>
+              <a:t>diabetes.csv</a:t>
+            </a:r>
+            <a:r>
+              <a:rPr lang="en-US" sz="1600" dirty="0">
+                <a:solidFill>
+                  <a:srgbClr val="FFFFFF"/>
+                </a:solidFill>
+              </a:rPr>
+              <a:t> data, this random forest model is able to predict if someone has diabetes of not with 100% accuracy </a:t>
             </a:r>
           </a:p>
         </p:txBody>
@@ -6899,12 +8902,12 @@
     </p:spTree>
     <p:extLst>
       <p:ext uri="{BB962C8B-B14F-4D97-AF65-F5344CB8AC3E}">
-        <p14:creationId xmlns:p14="http://schemas.microsoft.com/office/powerpoint/2010/main" val="1850105996"/>
+        <p14:creationId xmlns:p14="http://schemas.microsoft.com/office/powerpoint/2010/main" val="3877083899"/>
       </p:ext>
     </p:extLst>
   </p:cSld>
   <p:clrMapOvr>
-    <a:masterClrMapping/>
+    <a:overrideClrMapping bg1="lt1" tx1="dk1" bg2="lt2" tx2="dk2" accent1="accent1" accent2="accent2" accent3="accent3" accent4="accent4" accent5="accent5" accent6="accent6" hlink="hlink" folHlink="folHlink"/>
   </p:clrMapOvr>
 </p:sld>
 </file>
@@ -6931,7 +8934,7 @@
           <p:cNvPr id="2" name="Title 1">
             <a:extLst>
               <a:ext uri="{FF2B5EF4-FFF2-40B4-BE49-F238E27FC236}">
-                <a16:creationId xmlns:a16="http://schemas.microsoft.com/office/drawing/2014/main" id="{E2271203-82B3-EE89-79CB-9BBF953B51C4}"/>
+                <a16:creationId xmlns:a16="http://schemas.microsoft.com/office/drawing/2014/main" id="{CDB9E77E-38D3-13C2-6F85-A157913809A2}"/>
               </a:ext>
             </a:extLst>
           </p:cNvPr>
@@ -6949,50 +8952,17 @@
           <a:p>
             <a:r>
               <a:rPr lang="en-US" dirty="0"/>
-              <a:t>Outcome</a:t>
-            </a:r>
-          </a:p>
-        </p:txBody>
-      </p:sp>
-      <p:sp>
-        <p:nvSpPr>
-          <p:cNvPr id="3" name="Text Placeholder 2">
+              <a:t>csv file for our model</a:t>
+            </a:r>
+          </a:p>
+        </p:txBody>
+      </p:sp>
+      <p:pic>
+        <p:nvPicPr>
+          <p:cNvPr id="5" name="Content Placeholder 4" descr="A table with numbers and letters&#10;&#10;Description automatically generated">
             <a:extLst>
               <a:ext uri="{FF2B5EF4-FFF2-40B4-BE49-F238E27FC236}">
-                <a16:creationId xmlns:a16="http://schemas.microsoft.com/office/drawing/2014/main" id="{31378D3E-37FC-115C-CFE8-A3F37AE939BA}"/>
-              </a:ext>
-            </a:extLst>
-          </p:cNvPr>
-          <p:cNvSpPr>
-            <a:spLocks noGrp="1"/>
-          </p:cNvSpPr>
-          <p:nvPr>
-            <p:ph type="body" idx="1"/>
-          </p:nvPr>
-        </p:nvSpPr>
-        <p:spPr>
-          <a:xfrm>
-            <a:off x="1110273" y="1935163"/>
-            <a:ext cx="4879199" cy="823912"/>
-          </a:xfrm>
-        </p:spPr>
-        <p:txBody>
-          <a:bodyPr/>
-          <a:lstStyle/>
-          <a:p>
-            <a:r>
-              <a:rPr lang="en-US" dirty="0"/>
-              <a:t>Actual</a:t>
-            </a:r>
-          </a:p>
-        </p:txBody>
-      </p:sp>
-      <p:pic>
-        <p:nvPicPr>
-          <p:cNvPr id="14" name="Content Placeholder 13">
-            <a:extLst>
-              <a:ext uri="{FF2B5EF4-FFF2-40B4-BE49-F238E27FC236}">
-                <a16:creationId xmlns:a16="http://schemas.microsoft.com/office/drawing/2014/main" id="{1F60D23D-CD2E-D1A1-66CA-6FE7866977C7}"/>
+                <a16:creationId xmlns:a16="http://schemas.microsoft.com/office/drawing/2014/main" id="{4D2A1B6B-A2F6-15BD-AA25-419FF5DDD69D}"/>
               </a:ext>
             </a:extLst>
           </p:cNvPr>
@@ -7000,154 +8970,32 @@
             <a:picLocks noGrp="1" noChangeAspect="1"/>
           </p:cNvPicPr>
           <p:nvPr>
-            <p:ph sz="half" idx="2"/>
+            <p:ph idx="1"/>
           </p:nvPr>
         </p:nvPicPr>
         <p:blipFill>
-          <a:blip r:embed="rId2"/>
+          <a:blip r:embed="rId2">
+            <a:extLst>
+              <a:ext uri="{28A0092B-C50C-407E-A947-70E740481C1C}">
+                <a14:useLocalDpi xmlns:a14="http://schemas.microsoft.com/office/drawing/2010/main" val="0"/>
+              </a:ext>
+            </a:extLst>
+          </a:blip>
           <a:stretch>
             <a:fillRect/>
           </a:stretch>
         </p:blipFill>
         <p:spPr>
           <a:xfrm>
-            <a:off x="1481958" y="3349615"/>
-            <a:ext cx="2693282" cy="2520859"/>
-          </a:xfrm>
-        </p:spPr>
-      </p:pic>
-      <p:sp>
-        <p:nvSpPr>
-          <p:cNvPr id="5" name="Text Placeholder 4">
-            <a:extLst>
-              <a:ext uri="{FF2B5EF4-FFF2-40B4-BE49-F238E27FC236}">
-                <a16:creationId xmlns:a16="http://schemas.microsoft.com/office/drawing/2014/main" id="{7907AF24-D0E3-F06A-43D7-C41232EBD7E7}"/>
-              </a:ext>
-            </a:extLst>
-          </p:cNvPr>
-          <p:cNvSpPr>
-            <a:spLocks noGrp="1"/>
-          </p:cNvSpPr>
-          <p:nvPr>
-            <p:ph type="body" sz="quarter" idx="3"/>
-          </p:nvPr>
-        </p:nvSpPr>
-        <p:spPr>
-          <a:xfrm>
-            <a:off x="6402002" y="1935163"/>
-            <a:ext cx="4865554" cy="823912"/>
-          </a:xfrm>
-        </p:spPr>
-        <p:txBody>
-          <a:bodyPr/>
-          <a:lstStyle/>
-          <a:p>
-            <a:r>
-              <a:rPr lang="en-US" dirty="0"/>
-              <a:t>Prediction</a:t>
-            </a:r>
-          </a:p>
-        </p:txBody>
-      </p:sp>
-      <p:pic>
-        <p:nvPicPr>
-          <p:cNvPr id="12" name="Picture 11">
-            <a:extLst>
-              <a:ext uri="{FF2B5EF4-FFF2-40B4-BE49-F238E27FC236}">
-                <a16:creationId xmlns:a16="http://schemas.microsoft.com/office/drawing/2014/main" id="{04534638-EFF1-BA4D-2E6F-CE016F8B3A04}"/>
-              </a:ext>
-            </a:extLst>
-          </p:cNvPr>
-          <p:cNvPicPr>
-            <a:picLocks noChangeAspect="1"/>
-          </p:cNvPicPr>
-          <p:nvPr/>
-        </p:nvPicPr>
-        <p:blipFill>
-          <a:blip r:embed="rId3"/>
-          <a:stretch>
-            <a:fillRect/>
-          </a:stretch>
-        </p:blipFill>
-        <p:spPr>
-          <a:xfrm>
-            <a:off x="7367751" y="3349615"/>
-            <a:ext cx="2693282" cy="2520859"/>
-          </a:xfrm>
-          <a:prstGeom prst="rect">
-            <a:avLst/>
-          </a:prstGeom>
-        </p:spPr>
-      </p:pic>
-      <p:sp>
-        <p:nvSpPr>
-          <p:cNvPr id="15" name="TextBox 14">
-            <a:extLst>
-              <a:ext uri="{FF2B5EF4-FFF2-40B4-BE49-F238E27FC236}">
-                <a16:creationId xmlns:a16="http://schemas.microsoft.com/office/drawing/2014/main" id="{BA1EC21E-1401-26F9-EAD4-8D5736E321D9}"/>
-              </a:ext>
-            </a:extLst>
-          </p:cNvPr>
-          <p:cNvSpPr txBox="1"/>
-          <p:nvPr/>
-        </p:nvSpPr>
-        <p:spPr>
-          <a:xfrm>
-            <a:off x="4561490" y="3349615"/>
-            <a:ext cx="2322786" cy="1477328"/>
-          </a:xfrm>
-          <a:prstGeom prst="rect">
-            <a:avLst/>
-          </a:prstGeom>
-          <a:noFill/>
-        </p:spPr>
-        <p:txBody>
-          <a:bodyPr wrap="square" rtlCol="0">
-            <a:spAutoFit/>
-          </a:bodyPr>
-          <a:lstStyle/>
-          <a:p>
-            <a:r>
-              <a:rPr lang="en-US" dirty="0"/>
-              <a:t>Our actual results is a 50-50 split. Our oversample model had a 76% accuracy.</a:t>
-            </a:r>
-          </a:p>
-        </p:txBody>
-      </p:sp>
-      <p:pic>
-        <p:nvPicPr>
-          <p:cNvPr id="17" name="Picture 16">
-            <a:extLst>
-              <a:ext uri="{FF2B5EF4-FFF2-40B4-BE49-F238E27FC236}">
-                <a16:creationId xmlns:a16="http://schemas.microsoft.com/office/drawing/2014/main" id="{024B5BEC-9702-0CCF-2C37-567027690258}"/>
-              </a:ext>
-            </a:extLst>
-          </p:cNvPr>
-          <p:cNvPicPr>
-            <a:picLocks noChangeAspect="1"/>
-          </p:cNvPicPr>
-          <p:nvPr/>
-        </p:nvPicPr>
-        <p:blipFill>
-          <a:blip r:embed="rId4"/>
-          <a:stretch>
-            <a:fillRect/>
-          </a:stretch>
-        </p:blipFill>
-        <p:spPr>
-          <a:xfrm>
-            <a:off x="10969066" y="6248400"/>
-            <a:ext cx="1171584" cy="466728"/>
-          </a:xfrm>
-          <a:prstGeom prst="rect">
-            <a:avLst/>
-          </a:prstGeom>
+            <a:off x="1159598" y="2095500"/>
+            <a:ext cx="9863278" cy="3695700"/>
+          </a:xfrm>
         </p:spPr>
       </p:pic>
     </p:spTree>
     <p:extLst>
       <p:ext uri="{BB962C8B-B14F-4D97-AF65-F5344CB8AC3E}">
-        <p14:creationId xmlns:p14="http://schemas.microsoft.com/office/powerpoint/2010/main" val="4017703385"/>
+        <p14:creationId xmlns:p14="http://schemas.microsoft.com/office/powerpoint/2010/main" val="2232686368"/>
       </p:ext>
     </p:extLst>
   </p:cSld>
@@ -7179,7 +9027,7 @@
           <p:cNvPr id="2" name="Title 1">
             <a:extLst>
               <a:ext uri="{FF2B5EF4-FFF2-40B4-BE49-F238E27FC236}">
-                <a16:creationId xmlns:a16="http://schemas.microsoft.com/office/drawing/2014/main" id="{623A833E-C914-EABC-5202-6471398C6A77}"/>
+                <a16:creationId xmlns:a16="http://schemas.microsoft.com/office/drawing/2014/main" id="{1CA5E029-A6F6-B650-D7F4-F7BD456D0BBD}"/>
               </a:ext>
             </a:extLst>
           </p:cNvPr>
@@ -7197,50 +9045,17 @@
           <a:p>
             <a:r>
               <a:rPr lang="en-US" dirty="0"/>
-              <a:t>Age Outcome</a:t>
-            </a:r>
-          </a:p>
-        </p:txBody>
-      </p:sp>
-      <p:sp>
-        <p:nvSpPr>
-          <p:cNvPr id="3" name="Text Placeholder 2">
+              <a:t>Age of Sample Size</a:t>
+            </a:r>
+          </a:p>
+        </p:txBody>
+      </p:sp>
+      <p:pic>
+        <p:nvPicPr>
+          <p:cNvPr id="11" name="Content Placeholder 10">
             <a:extLst>
               <a:ext uri="{FF2B5EF4-FFF2-40B4-BE49-F238E27FC236}">
-                <a16:creationId xmlns:a16="http://schemas.microsoft.com/office/drawing/2014/main" id="{E4801F87-D5D8-E5F0-4595-FF43AFEDF839}"/>
-              </a:ext>
-            </a:extLst>
-          </p:cNvPr>
-          <p:cNvSpPr>
-            <a:spLocks noGrp="1"/>
-          </p:cNvSpPr>
-          <p:nvPr>
-            <p:ph type="body" idx="1"/>
-          </p:nvPr>
-        </p:nvSpPr>
-        <p:spPr>
-          <a:xfrm>
-            <a:off x="1036701" y="1709912"/>
-            <a:ext cx="4879199" cy="823912"/>
-          </a:xfrm>
-        </p:spPr>
-        <p:txBody>
-          <a:bodyPr/>
-          <a:lstStyle/>
-          <a:p>
-            <a:r>
-              <a:rPr lang="en-US" dirty="0"/>
-              <a:t>Actual</a:t>
-            </a:r>
-          </a:p>
-        </p:txBody>
-      </p:sp>
-      <p:pic>
-        <p:nvPicPr>
-          <p:cNvPr id="8" name="Content Placeholder 7">
-            <a:extLst>
-              <a:ext uri="{FF2B5EF4-FFF2-40B4-BE49-F238E27FC236}">
-                <a16:creationId xmlns:a16="http://schemas.microsoft.com/office/drawing/2014/main" id="{B6A90A1F-8841-71D2-94A1-E55CE1DFCC09}"/>
+                <a16:creationId xmlns:a16="http://schemas.microsoft.com/office/drawing/2014/main" id="{DA6AB873-D149-2D9D-07F8-82187D6E147D}"/>
               </a:ext>
             </a:extLst>
           </p:cNvPr>
@@ -7248,28 +9063,28 @@
             <a:picLocks noGrp="1" noChangeAspect="1"/>
           </p:cNvPicPr>
           <p:nvPr>
-            <p:ph sz="half" idx="2"/>
+            <p:ph sz="half" idx="1"/>
           </p:nvPr>
         </p:nvPicPr>
         <p:blipFill>
-          <a:blip r:embed="rId3"/>
+          <a:blip r:embed="rId2"/>
           <a:stretch>
             <a:fillRect/>
           </a:stretch>
         </p:blipFill>
         <p:spPr>
           <a:xfrm>
-            <a:off x="342805" y="2701268"/>
-            <a:ext cx="5068258" cy="3547132"/>
+            <a:off x="914400" y="2364213"/>
+            <a:ext cx="5105400" cy="3150337"/>
           </a:xfrm>
         </p:spPr>
       </p:pic>
       <p:sp>
         <p:nvSpPr>
-          <p:cNvPr id="5" name="Text Placeholder 4">
+          <p:cNvPr id="9" name="Content Placeholder 8">
             <a:extLst>
               <a:ext uri="{FF2B5EF4-FFF2-40B4-BE49-F238E27FC236}">
-                <a16:creationId xmlns:a16="http://schemas.microsoft.com/office/drawing/2014/main" id="{63ACBD71-51E1-E6A1-C1DF-117427E932D6}"/>
+                <a16:creationId xmlns:a16="http://schemas.microsoft.com/office/drawing/2014/main" id="{1EA84118-A2E5-8E87-16F4-E1B7160CB28D}"/>
               </a:ext>
             </a:extLst>
           </p:cNvPr>
@@ -7277,89 +9092,32 @@
             <a:spLocks noGrp="1"/>
           </p:cNvSpPr>
           <p:nvPr>
-            <p:ph type="body" sz="quarter" idx="3"/>
-          </p:nvPr>
-        </p:nvSpPr>
-        <p:spPr>
-          <a:xfrm>
-            <a:off x="6307972" y="1709912"/>
-            <a:ext cx="4865554" cy="823912"/>
-          </a:xfrm>
-        </p:spPr>
-        <p:txBody>
-          <a:bodyPr/>
+            <p:ph sz="half" idx="2"/>
+          </p:nvPr>
+        </p:nvSpPr>
+        <p:spPr>
+          <a:xfrm>
+            <a:off x="7940566" y="1918138"/>
+            <a:ext cx="3106845" cy="4745420"/>
+          </a:xfrm>
+        </p:spPr>
+        <p:txBody>
+          <a:bodyPr>
+            <a:normAutofit/>
+          </a:bodyPr>
           <a:lstStyle/>
           <a:p>
             <a:r>
               <a:rPr lang="en-US" dirty="0"/>
-              <a:t>Prediction</a:t>
-            </a:r>
-          </a:p>
-        </p:txBody>
-      </p:sp>
-      <p:pic>
-        <p:nvPicPr>
-          <p:cNvPr id="10" name="Content Placeholder 9">
-            <a:extLst>
-              <a:ext uri="{FF2B5EF4-FFF2-40B4-BE49-F238E27FC236}">
-                <a16:creationId xmlns:a16="http://schemas.microsoft.com/office/drawing/2014/main" id="{86388622-B3F5-5764-EC1B-929FFA257FB5}"/>
-              </a:ext>
-            </a:extLst>
-          </p:cNvPr>
-          <p:cNvPicPr>
-            <a:picLocks noGrp="1" noChangeAspect="1"/>
-          </p:cNvPicPr>
-          <p:nvPr>
-            <p:ph sz="quarter" idx="4"/>
-          </p:nvPr>
-        </p:nvPicPr>
-        <p:blipFill>
-          <a:blip r:embed="rId4"/>
-          <a:stretch>
-            <a:fillRect/>
-          </a:stretch>
-        </p:blipFill>
-        <p:spPr>
-          <a:xfrm>
-            <a:off x="6259458" y="2701268"/>
-            <a:ext cx="5589737" cy="3547132"/>
-          </a:xfrm>
-        </p:spPr>
-      </p:pic>
-      <p:pic>
-        <p:nvPicPr>
-          <p:cNvPr id="11" name="Picture 10">
-            <a:extLst>
-              <a:ext uri="{FF2B5EF4-FFF2-40B4-BE49-F238E27FC236}">
-                <a16:creationId xmlns:a16="http://schemas.microsoft.com/office/drawing/2014/main" id="{9BEAFDBF-8485-9596-E853-19E3F5591A8E}"/>
-              </a:ext>
-            </a:extLst>
-          </p:cNvPr>
-          <p:cNvPicPr>
-            <a:picLocks noChangeAspect="1"/>
-          </p:cNvPicPr>
-          <p:nvPr/>
-        </p:nvPicPr>
-        <p:blipFill>
-          <a:blip r:embed="rId5"/>
-          <a:stretch>
-            <a:fillRect/>
-          </a:stretch>
-        </p:blipFill>
-        <p:spPr>
-          <a:xfrm>
-            <a:off x="10963813" y="6294245"/>
-            <a:ext cx="1171584" cy="466728"/>
-          </a:xfrm>
-          <a:prstGeom prst="rect">
-            <a:avLst/>
-          </a:prstGeom>
-        </p:spPr>
-      </p:pic>
+              <a:t>The age of our sample ranged from 21 to 72 years old. The majority of our sample fell between 21 and 36 years old, with the highest number of individuals being 22 and 29 years old.</a:t>
+            </a:r>
+          </a:p>
+        </p:txBody>
+      </p:sp>
     </p:spTree>
     <p:extLst>
       <p:ext uri="{BB962C8B-B14F-4D97-AF65-F5344CB8AC3E}">
-        <p14:creationId xmlns:p14="http://schemas.microsoft.com/office/powerpoint/2010/main" val="1221119453"/>
+        <p14:creationId xmlns:p14="http://schemas.microsoft.com/office/powerpoint/2010/main" val="2314112315"/>
       </p:ext>
     </p:extLst>
   </p:cSld>
@@ -7391,7 +9149,7 @@
           <p:cNvPr id="2" name="Title 1">
             <a:extLst>
               <a:ext uri="{FF2B5EF4-FFF2-40B4-BE49-F238E27FC236}">
-                <a16:creationId xmlns:a16="http://schemas.microsoft.com/office/drawing/2014/main" id="{BE17659A-AAC2-2140-B852-4A192277E975}"/>
+                <a16:creationId xmlns:a16="http://schemas.microsoft.com/office/drawing/2014/main" id="{610D36FC-BA6F-46CE-5009-8E4E16A0A34D}"/>
               </a:ext>
             </a:extLst>
           </p:cNvPr>
@@ -7409,50 +9167,17 @@
           <a:p>
             <a:r>
               <a:rPr lang="en-US" dirty="0"/>
-              <a:t>Glucose Outcome</a:t>
-            </a:r>
-          </a:p>
-        </p:txBody>
-      </p:sp>
-      <p:sp>
-        <p:nvSpPr>
-          <p:cNvPr id="3" name="Text Placeholder 2">
+              <a:t>Body Mass Index (BM)</a:t>
+            </a:r>
+          </a:p>
+        </p:txBody>
+      </p:sp>
+      <p:pic>
+        <p:nvPicPr>
+          <p:cNvPr id="6" name="Content Placeholder 5">
             <a:extLst>
               <a:ext uri="{FF2B5EF4-FFF2-40B4-BE49-F238E27FC236}">
-                <a16:creationId xmlns:a16="http://schemas.microsoft.com/office/drawing/2014/main" id="{4781174E-1BEC-8B5E-9B4D-CAC03222C53B}"/>
-              </a:ext>
-            </a:extLst>
-          </p:cNvPr>
-          <p:cNvSpPr>
-            <a:spLocks noGrp="1"/>
-          </p:cNvSpPr>
-          <p:nvPr>
-            <p:ph type="body" idx="1"/>
-          </p:nvPr>
-        </p:nvSpPr>
-        <p:spPr>
-          <a:xfrm>
-            <a:off x="1094508" y="1767754"/>
-            <a:ext cx="4879199" cy="823912"/>
-          </a:xfrm>
-        </p:spPr>
-        <p:txBody>
-          <a:bodyPr/>
-          <a:lstStyle/>
-          <a:p>
-            <a:r>
-              <a:rPr lang="en-US" dirty="0"/>
-              <a:t>Actual</a:t>
-            </a:r>
-          </a:p>
-        </p:txBody>
-      </p:sp>
-      <p:pic>
-        <p:nvPicPr>
-          <p:cNvPr id="8" name="Content Placeholder 7">
-            <a:extLst>
-              <a:ext uri="{FF2B5EF4-FFF2-40B4-BE49-F238E27FC236}">
-                <a16:creationId xmlns:a16="http://schemas.microsoft.com/office/drawing/2014/main" id="{0B4621CB-A098-9D1D-10CF-3944EE9576EB}"/>
+                <a16:creationId xmlns:a16="http://schemas.microsoft.com/office/drawing/2014/main" id="{CC6B52CC-4610-C4BB-718D-903A53FE518F}"/>
               </a:ext>
             </a:extLst>
           </p:cNvPr>
@@ -7460,28 +9185,28 @@
             <a:picLocks noGrp="1" noChangeAspect="1"/>
           </p:cNvPicPr>
           <p:nvPr>
-            <p:ph sz="half" idx="2"/>
+            <p:ph sz="half" idx="1"/>
           </p:nvPr>
         </p:nvPicPr>
         <p:blipFill>
-          <a:blip r:embed="rId3"/>
+          <a:blip r:embed="rId2"/>
           <a:stretch>
             <a:fillRect/>
           </a:stretch>
         </p:blipFill>
         <p:spPr>
           <a:xfrm>
-            <a:off x="913795" y="2659117"/>
-            <a:ext cx="4273060" cy="4030717"/>
+            <a:off x="740978" y="1786759"/>
+            <a:ext cx="5355022" cy="4929351"/>
           </a:xfrm>
         </p:spPr>
       </p:pic>
       <p:sp>
         <p:nvSpPr>
-          <p:cNvPr id="5" name="Text Placeholder 4">
+          <p:cNvPr id="4" name="Content Placeholder 3">
             <a:extLst>
               <a:ext uri="{FF2B5EF4-FFF2-40B4-BE49-F238E27FC236}">
-                <a16:creationId xmlns:a16="http://schemas.microsoft.com/office/drawing/2014/main" id="{3AC9AD18-7F7A-B01B-A981-25D8B48D339E}"/>
+                <a16:creationId xmlns:a16="http://schemas.microsoft.com/office/drawing/2014/main" id="{5F37D5F8-F5E1-CF10-2780-1A6926F077EF}"/>
               </a:ext>
             </a:extLst>
           </p:cNvPr>
@@ -7489,89 +9214,32 @@
             <a:spLocks noGrp="1"/>
           </p:cNvSpPr>
           <p:nvPr>
-            <p:ph type="body" sz="quarter" idx="3"/>
-          </p:nvPr>
-        </p:nvSpPr>
-        <p:spPr>
-          <a:xfrm>
-            <a:off x="6402002" y="1767754"/>
-            <a:ext cx="4865554" cy="823912"/>
-          </a:xfrm>
-        </p:spPr>
-        <p:txBody>
-          <a:bodyPr/>
+            <p:ph sz="half" idx="2"/>
+          </p:nvPr>
+        </p:nvSpPr>
+        <p:spPr>
+          <a:xfrm>
+            <a:off x="6332482" y="1786759"/>
+            <a:ext cx="5675587" cy="4855779"/>
+          </a:xfrm>
+        </p:spPr>
+        <p:txBody>
+          <a:bodyPr>
+            <a:normAutofit/>
+          </a:bodyPr>
           <a:lstStyle/>
           <a:p>
             <a:r>
               <a:rPr lang="en-US" dirty="0"/>
-              <a:t>Prediction</a:t>
-            </a:r>
-          </a:p>
-        </p:txBody>
-      </p:sp>
-      <p:pic>
-        <p:nvPicPr>
-          <p:cNvPr id="10" name="Content Placeholder 9">
-            <a:extLst>
-              <a:ext uri="{FF2B5EF4-FFF2-40B4-BE49-F238E27FC236}">
-                <a16:creationId xmlns:a16="http://schemas.microsoft.com/office/drawing/2014/main" id="{EE740A9D-4F30-A1FF-1C72-EAABA9F58123}"/>
-              </a:ext>
-            </a:extLst>
-          </p:cNvPr>
-          <p:cNvPicPr>
-            <a:picLocks noGrp="1" noChangeAspect="1"/>
-          </p:cNvPicPr>
-          <p:nvPr>
-            <p:ph sz="quarter" idx="4"/>
-          </p:nvPr>
-        </p:nvPicPr>
-        <p:blipFill>
-          <a:blip r:embed="rId4"/>
-          <a:stretch>
-            <a:fillRect/>
-          </a:stretch>
-        </p:blipFill>
-        <p:spPr>
-          <a:xfrm>
-            <a:off x="6310996" y="2591666"/>
-            <a:ext cx="4262411" cy="4030717"/>
-          </a:xfrm>
-        </p:spPr>
-      </p:pic>
-      <p:pic>
-        <p:nvPicPr>
-          <p:cNvPr id="11" name="Picture 10">
-            <a:extLst>
-              <a:ext uri="{FF2B5EF4-FFF2-40B4-BE49-F238E27FC236}">
-                <a16:creationId xmlns:a16="http://schemas.microsoft.com/office/drawing/2014/main" id="{B873F4B9-86B4-D54B-BC9F-AD85CD870450}"/>
-              </a:ext>
-            </a:extLst>
-          </p:cNvPr>
-          <p:cNvPicPr>
-            <a:picLocks noChangeAspect="1"/>
-          </p:cNvPicPr>
-          <p:nvPr/>
-        </p:nvPicPr>
-        <p:blipFill>
-          <a:blip r:embed="rId5"/>
-          <a:stretch>
-            <a:fillRect/>
-          </a:stretch>
-        </p:blipFill>
-        <p:spPr>
-          <a:xfrm>
-            <a:off x="10963813" y="6294245"/>
-            <a:ext cx="1171584" cy="466728"/>
-          </a:xfrm>
-          <a:prstGeom prst="rect">
-            <a:avLst/>
-          </a:prstGeom>
-        </p:spPr>
-      </p:pic>
+              <a:t>The Body Mass Index (BMI) was broken into 4 different categories; Underweight (&lt;18.5), Healthy (&gt;=18.5 – 25), Overweight (25 – 30), and Obese (&gt;30). </a:t>
+            </a:r>
+          </a:p>
+        </p:txBody>
+      </p:sp>
     </p:spTree>
     <p:extLst>
       <p:ext uri="{BB962C8B-B14F-4D97-AF65-F5344CB8AC3E}">
-        <p14:creationId xmlns:p14="http://schemas.microsoft.com/office/powerpoint/2010/main" val="2863476587"/>
+        <p14:creationId xmlns:p14="http://schemas.microsoft.com/office/powerpoint/2010/main" val="3091606805"/>
       </p:ext>
     </p:extLst>
   </p:cSld>

--- a/Predicting Diabetes.pptx
+++ b/Predicting Diabetes.pptx
@@ -521,6 +521,90 @@
           <a:bodyPr/>
           <a:lstStyle/>
           <a:p>
+            <a:endParaRPr lang="en-US" dirty="0"/>
+          </a:p>
+        </p:txBody>
+      </p:sp>
+      <p:sp>
+        <p:nvSpPr>
+          <p:cNvPr id="4" name="Slide Number Placeholder 3"/>
+          <p:cNvSpPr>
+            <a:spLocks noGrp="1"/>
+          </p:cNvSpPr>
+          <p:nvPr>
+            <p:ph type="sldNum" sz="quarter" idx="5"/>
+          </p:nvPr>
+        </p:nvSpPr>
+        <p:spPr/>
+        <p:txBody>
+          <a:bodyPr/>
+          <a:lstStyle/>
+          <a:p>
+            <a:fld id="{36F9756E-D1BE-492A-B4AD-5962611D9A78}" type="slidenum">
+              <a:rPr lang="en-US" smtClean="0"/>
+              <a:t>12</a:t>
+            </a:fld>
+            <a:endParaRPr lang="en-US"/>
+          </a:p>
+        </p:txBody>
+      </p:sp>
+    </p:spTree>
+    <p:extLst>
+      <p:ext uri="{BB962C8B-B14F-4D97-AF65-F5344CB8AC3E}">
+        <p14:creationId xmlns:p14="http://schemas.microsoft.com/office/powerpoint/2010/main" val="818927743"/>
+      </p:ext>
+    </p:extLst>
+  </p:cSld>
+  <p:clrMapOvr>
+    <a:masterClrMapping/>
+  </p:clrMapOvr>
+</p:notes>
+</file>
+
+<file path=ppt/notesSlides/notesSlide2.xml><?xml version="1.0" encoding="utf-8"?>
+<p:notes xmlns:a="http://schemas.openxmlformats.org/drawingml/2006/main" xmlns:r="http://schemas.openxmlformats.org/officeDocument/2006/relationships" xmlns:p="http://schemas.openxmlformats.org/presentationml/2006/main">
+  <p:cSld>
+    <p:spTree>
+      <p:nvGrpSpPr>
+        <p:cNvPr id="1" name=""/>
+        <p:cNvGrpSpPr/>
+        <p:nvPr/>
+      </p:nvGrpSpPr>
+      <p:grpSpPr>
+        <a:xfrm>
+          <a:off x="0" y="0"/>
+          <a:ext cx="0" cy="0"/>
+          <a:chOff x="0" y="0"/>
+          <a:chExt cx="0" cy="0"/>
+        </a:xfrm>
+      </p:grpSpPr>
+      <p:sp>
+        <p:nvSpPr>
+          <p:cNvPr id="2" name="Slide Image Placeholder 1"/>
+          <p:cNvSpPr>
+            <a:spLocks noGrp="1" noRot="1" noChangeAspect="1"/>
+          </p:cNvSpPr>
+          <p:nvPr>
+            <p:ph type="sldImg"/>
+          </p:nvPr>
+        </p:nvSpPr>
+        <p:spPr/>
+      </p:sp>
+      <p:sp>
+        <p:nvSpPr>
+          <p:cNvPr id="3" name="Notes Placeholder 2"/>
+          <p:cNvSpPr>
+            <a:spLocks noGrp="1"/>
+          </p:cNvSpPr>
+          <p:nvPr>
+            <p:ph type="body" idx="1"/>
+          </p:nvPr>
+        </p:nvSpPr>
+        <p:spPr/>
+        <p:txBody>
+          <a:bodyPr/>
+          <a:lstStyle/>
+          <a:p>
             <a:r>
               <a:rPr lang="en-US" dirty="0"/>
               <a:t>While our sample had many individuals between 21 and 35 years old, a majority of the were considered diabetic. The further you move up in age, the number 0f people over 35 decreased but more were considered diabetic. This goes for both models.</a:t>
@@ -564,7 +648,7 @@
 </p:notes>
 </file>
 
-<file path=ppt/notesSlides/notesSlide2.xml><?xml version="1.0" encoding="utf-8"?>
+<file path=ppt/notesSlides/notesSlide3.xml><?xml version="1.0" encoding="utf-8"?>
 <p:notes xmlns:a="http://schemas.openxmlformats.org/drawingml/2006/main" xmlns:r="http://schemas.openxmlformats.org/officeDocument/2006/relationships" xmlns:p="http://schemas.openxmlformats.org/presentationml/2006/main">
   <p:cSld>
     <p:spTree>
@@ -6545,7 +6629,7 @@
           <a:p>
             <a:r>
               <a:rPr lang="en-US" dirty="0"/>
-              <a:t>Outcome – Oversample Model</a:t>
+              <a:t>Outcome – Logistic Regression Model</a:t>
             </a:r>
           </a:p>
         </p:txBody>
@@ -6600,7 +6684,7 @@
           </p:nvPr>
         </p:nvPicPr>
         <p:blipFill>
-          <a:blip r:embed="rId2"/>
+          <a:blip r:embed="rId3"/>
           <a:stretch>
             <a:fillRect/>
           </a:stretch>
@@ -6660,7 +6744,7 @@
           <p:nvPr/>
         </p:nvPicPr>
         <p:blipFill>
-          <a:blip r:embed="rId3"/>
+          <a:blip r:embed="rId4"/>
           <a:stretch>
             <a:fillRect/>
           </a:stretch>
@@ -6725,7 +6809,7 @@
           <p:nvPr/>
         </p:nvPicPr>
         <p:blipFill>
-          <a:blip r:embed="rId4"/>
+          <a:blip r:embed="rId5"/>
           <a:stretch>
             <a:fillRect/>
           </a:stretch>
@@ -6793,7 +6877,7 @@
           <a:p>
             <a:r>
               <a:rPr lang="en-US" dirty="0"/>
-              <a:t>Age Outcome – Oversample Model</a:t>
+              <a:t>Age Outcome – Logistic Regression Model</a:t>
             </a:r>
           </a:p>
         </p:txBody>
@@ -7007,7 +7091,7 @@
           <a:p>
             <a:r>
               <a:rPr lang="en-US" sz="3200" dirty="0"/>
-              <a:t>Glucose Outcome – Oversample Model</a:t>
+              <a:t>Glucose Outcome – Logistic Regression Model</a:t>
             </a:r>
           </a:p>
         </p:txBody>
@@ -8485,7 +8569,7 @@
         </p:nvSpPr>
         <p:spPr>
           <a:xfrm>
-            <a:off x="1845390" y="1693889"/>
+            <a:off x="1784430" y="1693889"/>
             <a:ext cx="1916244" cy="312293"/>
           </a:xfrm>
           <a:prstGeom prst="frame">
@@ -9167,7 +9251,15 @@
           <a:p>
             <a:r>
               <a:rPr lang="en-US" dirty="0"/>
-              <a:t>Body Mass Index (BM)</a:t>
+              <a:t>Body Mass Index (</a:t>
+            </a:r>
+            <a:r>
+              <a:rPr lang="en-US" dirty="0" err="1"/>
+              <a:t>BMi</a:t>
+            </a:r>
+            <a:r>
+              <a:rPr lang="en-US" dirty="0"/>
+              <a:t>)</a:t>
             </a:r>
           </a:p>
         </p:txBody>

--- a/Predicting Diabetes.pptx
+++ b/Predicting Diabetes.pptx
@@ -5,18 +5,23 @@
     <p:sldMasterId id="2147483678" r:id="rId1"/>
   </p:sldMasterIdLst>
   <p:notesMasterIdLst>
-    <p:notesMasterId r:id="rId11"/>
+    <p:notesMasterId r:id="rId16"/>
   </p:notesMasterIdLst>
   <p:sldIdLst>
     <p:sldId id="256" r:id="rId2"/>
     <p:sldId id="257" r:id="rId3"/>
-    <p:sldId id="258" r:id="rId4"/>
-    <p:sldId id="259" r:id="rId5"/>
-    <p:sldId id="263" r:id="rId6"/>
-    <p:sldId id="260" r:id="rId7"/>
-    <p:sldId id="262" r:id="rId8"/>
-    <p:sldId id="261" r:id="rId9"/>
-    <p:sldId id="264" r:id="rId10"/>
+    <p:sldId id="266" r:id="rId4"/>
+    <p:sldId id="265" r:id="rId5"/>
+    <p:sldId id="267" r:id="rId6"/>
+    <p:sldId id="268" r:id="rId7"/>
+    <p:sldId id="269" r:id="rId8"/>
+    <p:sldId id="258" r:id="rId9"/>
+    <p:sldId id="259" r:id="rId10"/>
+    <p:sldId id="263" r:id="rId11"/>
+    <p:sldId id="260" r:id="rId12"/>
+    <p:sldId id="262" r:id="rId13"/>
+    <p:sldId id="261" r:id="rId14"/>
+    <p:sldId id="264" r:id="rId15"/>
   </p:sldIdLst>
   <p:sldSz cx="12192000" cy="6858000"/>
   <p:notesSz cx="6858000" cy="9144000"/>
@@ -205,7 +210,7 @@
           <a:p>
             <a:fld id="{ECE06F24-416E-4FE9-BE7A-346C8E2A8456}" type="datetimeFigureOut">
               <a:rPr lang="en-US" smtClean="0"/>
-              <a:t>11/22/2023</a:t>
+              <a:t>11/28/23</a:t>
             </a:fld>
             <a:endParaRPr lang="en-US"/>
           </a:p>
@@ -516,10 +521,7 @@
           <a:bodyPr/>
           <a:lstStyle/>
           <a:p>
-            <a:r>
-              <a:rPr lang="en-US" dirty="0"/>
-              <a:t>While our sample had many individuals between 21 and 35 years old, a majority of the were considered diabetic. The further you move up in age, the number 0f people over 35 decreased but more were considered diabetic. This goes for both models.</a:t>
-            </a:r>
+            <a:endParaRPr lang="en-US" dirty="0"/>
           </a:p>
         </p:txBody>
       </p:sp>
@@ -540,7 +542,7 @@
           <a:p>
             <a:fld id="{36F9756E-D1BE-492A-B4AD-5962611D9A78}" type="slidenum">
               <a:rPr lang="en-US" smtClean="0"/>
-              <a:t>8</a:t>
+              <a:t>12</a:t>
             </a:fld>
             <a:endParaRPr lang="en-US"/>
           </a:p>
@@ -549,7 +551,7 @@
     </p:spTree>
     <p:extLst>
       <p:ext uri="{BB962C8B-B14F-4D97-AF65-F5344CB8AC3E}">
-        <p14:creationId xmlns:p14="http://schemas.microsoft.com/office/powerpoint/2010/main" val="2282034464"/>
+        <p14:creationId xmlns:p14="http://schemas.microsoft.com/office/powerpoint/2010/main" val="818927743"/>
       </p:ext>
     </p:extLst>
   </p:cSld>
@@ -605,7 +607,7 @@
           <a:p>
             <a:r>
               <a:rPr lang="en-US" dirty="0"/>
-              <a:t>In both models, those with normal or above average blood sugar were non diabetic, while those with High Blood Sugar were diabetic. By comparing both models you can see the oversample model (prediction) anticipated more of our sample to have high blood pressure and more of our sample to have normal to above blood pressure than our actual outcome. </a:t>
+              <a:t>While our sample had many individuals between 21 and 35 years old, a majority of the were considered diabetic. The further you move up in age, the number 0f people over 35 decreased but more were considered diabetic. This goes for both models.</a:t>
             </a:r>
           </a:p>
         </p:txBody>
@@ -627,7 +629,94 @@
           <a:p>
             <a:fld id="{36F9756E-D1BE-492A-B4AD-5962611D9A78}" type="slidenum">
               <a:rPr lang="en-US" smtClean="0"/>
-              <a:t>9</a:t>
+              <a:t>13</a:t>
+            </a:fld>
+            <a:endParaRPr lang="en-US"/>
+          </a:p>
+        </p:txBody>
+      </p:sp>
+    </p:spTree>
+    <p:extLst>
+      <p:ext uri="{BB962C8B-B14F-4D97-AF65-F5344CB8AC3E}">
+        <p14:creationId xmlns:p14="http://schemas.microsoft.com/office/powerpoint/2010/main" val="2282034464"/>
+      </p:ext>
+    </p:extLst>
+  </p:cSld>
+  <p:clrMapOvr>
+    <a:masterClrMapping/>
+  </p:clrMapOvr>
+</p:notes>
+</file>
+
+<file path=ppt/notesSlides/notesSlide3.xml><?xml version="1.0" encoding="utf-8"?>
+<p:notes xmlns:a="http://schemas.openxmlformats.org/drawingml/2006/main" xmlns:r="http://schemas.openxmlformats.org/officeDocument/2006/relationships" xmlns:p="http://schemas.openxmlformats.org/presentationml/2006/main">
+  <p:cSld>
+    <p:spTree>
+      <p:nvGrpSpPr>
+        <p:cNvPr id="1" name=""/>
+        <p:cNvGrpSpPr/>
+        <p:nvPr/>
+      </p:nvGrpSpPr>
+      <p:grpSpPr>
+        <a:xfrm>
+          <a:off x="0" y="0"/>
+          <a:ext cx="0" cy="0"/>
+          <a:chOff x="0" y="0"/>
+          <a:chExt cx="0" cy="0"/>
+        </a:xfrm>
+      </p:grpSpPr>
+      <p:sp>
+        <p:nvSpPr>
+          <p:cNvPr id="2" name="Slide Image Placeholder 1"/>
+          <p:cNvSpPr>
+            <a:spLocks noGrp="1" noRot="1" noChangeAspect="1"/>
+          </p:cNvSpPr>
+          <p:nvPr>
+            <p:ph type="sldImg"/>
+          </p:nvPr>
+        </p:nvSpPr>
+        <p:spPr/>
+      </p:sp>
+      <p:sp>
+        <p:nvSpPr>
+          <p:cNvPr id="3" name="Notes Placeholder 2"/>
+          <p:cNvSpPr>
+            <a:spLocks noGrp="1"/>
+          </p:cNvSpPr>
+          <p:nvPr>
+            <p:ph type="body" idx="1"/>
+          </p:nvPr>
+        </p:nvSpPr>
+        <p:spPr/>
+        <p:txBody>
+          <a:bodyPr/>
+          <a:lstStyle/>
+          <a:p>
+            <a:r>
+              <a:rPr lang="en-US" dirty="0"/>
+              <a:t>In both models, those with normal or above average blood sugar were non diabetic, while those with High Blood Sugar were diabetic. By comparing both models you can see the oversample model (prediction) anticipated more of our sample to have high blood pressure and more of our sample to have normal to above blood pressure than our actual outcome. </a:t>
+            </a:r>
+          </a:p>
+        </p:txBody>
+      </p:sp>
+      <p:sp>
+        <p:nvSpPr>
+          <p:cNvPr id="4" name="Slide Number Placeholder 3"/>
+          <p:cNvSpPr>
+            <a:spLocks noGrp="1"/>
+          </p:cNvSpPr>
+          <p:nvPr>
+            <p:ph type="sldNum" sz="quarter" idx="5"/>
+          </p:nvPr>
+        </p:nvSpPr>
+        <p:spPr/>
+        <p:txBody>
+          <a:bodyPr/>
+          <a:lstStyle/>
+          <a:p>
+            <a:fld id="{36F9756E-D1BE-492A-B4AD-5962611D9A78}" type="slidenum">
+              <a:rPr lang="en-US" smtClean="0"/>
+              <a:t>14</a:t>
             </a:fld>
             <a:endParaRPr lang="en-US"/>
           </a:p>
@@ -779,7 +868,7 @@
           <a:p>
             <a:fld id="{E0D4D648-79E3-406C-889D-B77647E82D44}" type="datetimeFigureOut">
               <a:rPr lang="en-US" smtClean="0"/>
-              <a:t>11/22/2023</a:t>
+              <a:t>11/28/23</a:t>
             </a:fld>
             <a:endParaRPr lang="en-US"/>
           </a:p>
@@ -1066,7 +1155,7 @@
           <a:p>
             <a:fld id="{E0D4D648-79E3-406C-889D-B77647E82D44}" type="datetimeFigureOut">
               <a:rPr lang="en-US" smtClean="0"/>
-              <a:t>11/22/2023</a:t>
+              <a:t>11/28/23</a:t>
             </a:fld>
             <a:endParaRPr lang="en-US"/>
           </a:p>
@@ -1258,7 +1347,7 @@
           <a:p>
             <a:fld id="{E0D4D648-79E3-406C-889D-B77647E82D44}" type="datetimeFigureOut">
               <a:rPr lang="en-US" smtClean="0"/>
-              <a:t>11/22/2023</a:t>
+              <a:t>11/28/23</a:t>
             </a:fld>
             <a:endParaRPr lang="en-US"/>
           </a:p>
@@ -1519,7 +1608,7 @@
           <a:p>
             <a:fld id="{E0D4D648-79E3-406C-889D-B77647E82D44}" type="datetimeFigureOut">
               <a:rPr lang="en-US" smtClean="0"/>
-              <a:t>11/22/2023</a:t>
+              <a:t>11/28/23</a:t>
             </a:fld>
             <a:endParaRPr lang="en-US"/>
           </a:p>
@@ -1943,7 +2032,7 @@
           <a:p>
             <a:fld id="{E0D4D648-79E3-406C-889D-B77647E82D44}" type="datetimeFigureOut">
               <a:rPr lang="en-US" smtClean="0"/>
-              <a:t>11/22/2023</a:t>
+              <a:t>11/28/23</a:t>
             </a:fld>
             <a:endParaRPr lang="en-US"/>
           </a:p>
@@ -2489,7 +2578,7 @@
           <a:p>
             <a:fld id="{E0D4D648-79E3-406C-889D-B77647E82D44}" type="datetimeFigureOut">
               <a:rPr lang="en-US" smtClean="0"/>
-              <a:t>11/22/2023</a:t>
+              <a:t>11/28/23</a:t>
             </a:fld>
             <a:endParaRPr lang="en-US"/>
           </a:p>
@@ -3329,7 +3418,7 @@
           <a:p>
             <a:fld id="{E0D4D648-79E3-406C-889D-B77647E82D44}" type="datetimeFigureOut">
               <a:rPr lang="en-US" smtClean="0"/>
-              <a:t>11/22/2023</a:t>
+              <a:t>11/28/23</a:t>
             </a:fld>
             <a:endParaRPr lang="en-US"/>
           </a:p>
@@ -3499,7 +3588,7 @@
           <a:p>
             <a:fld id="{E0D4D648-79E3-406C-889D-B77647E82D44}" type="datetimeFigureOut">
               <a:rPr lang="en-US" smtClean="0"/>
-              <a:t>11/22/2023</a:t>
+              <a:t>11/28/23</a:t>
             </a:fld>
             <a:endParaRPr lang="en-US"/>
           </a:p>
@@ -3683,7 +3772,7 @@
           <a:p>
             <a:fld id="{E0D4D648-79E3-406C-889D-B77647E82D44}" type="datetimeFigureOut">
               <a:rPr lang="en-US" smtClean="0"/>
-              <a:t>11/22/2023</a:t>
+              <a:t>11/28/23</a:t>
             </a:fld>
             <a:endParaRPr lang="en-US"/>
           </a:p>
@@ -3853,7 +3942,7 @@
           <a:p>
             <a:fld id="{E0D4D648-79E3-406C-889D-B77647E82D44}" type="datetimeFigureOut">
               <a:rPr lang="en-US" smtClean="0"/>
-              <a:t>11/22/2023</a:t>
+              <a:t>11/28/23</a:t>
             </a:fld>
             <a:endParaRPr lang="en-US"/>
           </a:p>
@@ -4101,7 +4190,7 @@
           <a:p>
             <a:fld id="{E0D4D648-79E3-406C-889D-B77647E82D44}" type="datetimeFigureOut">
               <a:rPr lang="en-US" smtClean="0"/>
-              <a:t>11/22/2023</a:t>
+              <a:t>11/28/23</a:t>
             </a:fld>
             <a:endParaRPr lang="en-US"/>
           </a:p>
@@ -4338,7 +4427,7 @@
           <a:p>
             <a:fld id="{E0D4D648-79E3-406C-889D-B77647E82D44}" type="datetimeFigureOut">
               <a:rPr lang="en-US" smtClean="0"/>
-              <a:t>11/22/2023</a:t>
+              <a:t>11/28/23</a:t>
             </a:fld>
             <a:endParaRPr lang="en-US"/>
           </a:p>
@@ -4711,7 +4800,7 @@
           <a:p>
             <a:fld id="{E0D4D648-79E3-406C-889D-B77647E82D44}" type="datetimeFigureOut">
               <a:rPr lang="en-US" smtClean="0"/>
-              <a:t>11/22/2023</a:t>
+              <a:t>11/28/23</a:t>
             </a:fld>
             <a:endParaRPr lang="en-US"/>
           </a:p>
@@ -4829,7 +4918,7 @@
           <a:p>
             <a:fld id="{E0D4D648-79E3-406C-889D-B77647E82D44}" type="datetimeFigureOut">
               <a:rPr lang="en-US" smtClean="0"/>
-              <a:t>11/22/2023</a:t>
+              <a:t>11/28/23</a:t>
             </a:fld>
             <a:endParaRPr lang="en-US"/>
           </a:p>
@@ -4924,7 +5013,7 @@
           <a:p>
             <a:fld id="{E0D4D648-79E3-406C-889D-B77647E82D44}" type="datetimeFigureOut">
               <a:rPr lang="en-US" smtClean="0"/>
-              <a:t>11/22/2023</a:t>
+              <a:t>11/28/23</a:t>
             </a:fld>
             <a:endParaRPr lang="en-US"/>
           </a:p>
@@ -5175,7 +5264,7 @@
           <a:p>
             <a:fld id="{E0D4D648-79E3-406C-889D-B77647E82D44}" type="datetimeFigureOut">
               <a:rPr lang="en-US" smtClean="0"/>
-              <a:t>11/22/2023</a:t>
+              <a:t>11/28/23</a:t>
             </a:fld>
             <a:endParaRPr lang="en-US"/>
           </a:p>
@@ -5462,7 +5551,7 @@
           <a:p>
             <a:fld id="{E0D4D648-79E3-406C-889D-B77647E82D44}" type="datetimeFigureOut">
               <a:rPr lang="en-US" smtClean="0"/>
-              <a:t>11/22/2023</a:t>
+              <a:t>11/28/23</a:t>
             </a:fld>
             <a:endParaRPr lang="en-US"/>
           </a:p>
@@ -5675,7 +5764,7 @@
           <a:p>
             <a:fld id="{E0D4D648-79E3-406C-889D-B77647E82D44}" type="datetimeFigureOut">
               <a:rPr lang="en-US" smtClean="0"/>
-              <a:t>11/22/2023</a:t>
+              <a:t>11/28/23</a:t>
             </a:fld>
             <a:endParaRPr lang="en-US"/>
           </a:p>
@@ -6258,6 +6347,922 @@
 </p:sld>
 </file>
 
+<file path=ppt/slides/slide10.xml><?xml version="1.0" encoding="utf-8"?>
+<p:sld xmlns:a="http://schemas.openxmlformats.org/drawingml/2006/main" xmlns:r="http://schemas.openxmlformats.org/officeDocument/2006/relationships" xmlns:p="http://schemas.openxmlformats.org/presentationml/2006/main">
+  <p:cSld>
+    <p:spTree>
+      <p:nvGrpSpPr>
+        <p:cNvPr id="1" name=""/>
+        <p:cNvGrpSpPr/>
+        <p:nvPr/>
+      </p:nvGrpSpPr>
+      <p:grpSpPr>
+        <a:xfrm>
+          <a:off x="0" y="0"/>
+          <a:ext cx="0" cy="0"/>
+          <a:chOff x="0" y="0"/>
+          <a:chExt cx="0" cy="0"/>
+        </a:xfrm>
+      </p:grpSpPr>
+      <p:sp>
+        <p:nvSpPr>
+          <p:cNvPr id="2" name="Title 1">
+            <a:extLst>
+              <a:ext uri="{FF2B5EF4-FFF2-40B4-BE49-F238E27FC236}">
+                <a16:creationId xmlns:a16="http://schemas.microsoft.com/office/drawing/2014/main" id="{BC24D253-3129-105E-95F1-42860F4AD68E}"/>
+              </a:ext>
+            </a:extLst>
+          </p:cNvPr>
+          <p:cNvSpPr>
+            <a:spLocks noGrp="1"/>
+          </p:cNvSpPr>
+          <p:nvPr>
+            <p:ph type="title"/>
+          </p:nvPr>
+        </p:nvSpPr>
+        <p:spPr/>
+        <p:txBody>
+          <a:bodyPr/>
+          <a:lstStyle/>
+          <a:p>
+            <a:r>
+              <a:rPr lang="en-US" dirty="0"/>
+              <a:t>Age by BMI</a:t>
+            </a:r>
+          </a:p>
+        </p:txBody>
+      </p:sp>
+      <p:pic>
+        <p:nvPicPr>
+          <p:cNvPr id="5" name="Content Placeholder 4">
+            <a:extLst>
+              <a:ext uri="{FF2B5EF4-FFF2-40B4-BE49-F238E27FC236}">
+                <a16:creationId xmlns:a16="http://schemas.microsoft.com/office/drawing/2014/main" id="{AC09B623-63E1-0722-ACC0-1E8F9F01C9C3}"/>
+              </a:ext>
+            </a:extLst>
+          </p:cNvPr>
+          <p:cNvPicPr>
+            <a:picLocks noGrp="1" noChangeAspect="1"/>
+          </p:cNvPicPr>
+          <p:nvPr>
+            <p:ph idx="1"/>
+          </p:nvPr>
+        </p:nvPicPr>
+        <p:blipFill>
+          <a:blip r:embed="rId2"/>
+          <a:stretch>
+            <a:fillRect/>
+          </a:stretch>
+        </p:blipFill>
+        <p:spPr>
+          <a:xfrm>
+            <a:off x="309990" y="1935921"/>
+            <a:ext cx="8492424" cy="4683673"/>
+          </a:xfrm>
+        </p:spPr>
+      </p:pic>
+      <p:sp>
+        <p:nvSpPr>
+          <p:cNvPr id="6" name="TextBox 5">
+            <a:extLst>
+              <a:ext uri="{FF2B5EF4-FFF2-40B4-BE49-F238E27FC236}">
+                <a16:creationId xmlns:a16="http://schemas.microsoft.com/office/drawing/2014/main" id="{948662B6-9051-0D01-2545-0F3DCA3C731F}"/>
+              </a:ext>
+            </a:extLst>
+          </p:cNvPr>
+          <p:cNvSpPr txBox="1"/>
+          <p:nvPr/>
+        </p:nvSpPr>
+        <p:spPr>
+          <a:xfrm>
+            <a:off x="9217572" y="1935921"/>
+            <a:ext cx="2643352" cy="1754326"/>
+          </a:xfrm>
+          <a:prstGeom prst="rect">
+            <a:avLst/>
+          </a:prstGeom>
+          <a:noFill/>
+        </p:spPr>
+        <p:txBody>
+          <a:bodyPr wrap="square" rtlCol="0">
+            <a:spAutoFit/>
+          </a:bodyPr>
+          <a:lstStyle/>
+          <a:p>
+            <a:r>
+              <a:rPr lang="en-US" dirty="0"/>
+              <a:t>The majority of our sample were considered Obese. The majority of individuals were between 20 and 30 years old.</a:t>
+            </a:r>
+          </a:p>
+        </p:txBody>
+      </p:sp>
+    </p:spTree>
+    <p:extLst>
+      <p:ext uri="{BB962C8B-B14F-4D97-AF65-F5344CB8AC3E}">
+        <p14:creationId xmlns:p14="http://schemas.microsoft.com/office/powerpoint/2010/main" val="77643468"/>
+      </p:ext>
+    </p:extLst>
+  </p:cSld>
+  <p:clrMapOvr>
+    <a:masterClrMapping/>
+  </p:clrMapOvr>
+</p:sld>
+</file>
+
+<file path=ppt/slides/slide11.xml><?xml version="1.0" encoding="utf-8"?>
+<p:sld xmlns:a="http://schemas.openxmlformats.org/drawingml/2006/main" xmlns:r="http://schemas.openxmlformats.org/officeDocument/2006/relationships" xmlns:p="http://schemas.openxmlformats.org/presentationml/2006/main">
+  <p:cSld>
+    <p:spTree>
+      <p:nvGrpSpPr>
+        <p:cNvPr id="1" name=""/>
+        <p:cNvGrpSpPr/>
+        <p:nvPr/>
+      </p:nvGrpSpPr>
+      <p:grpSpPr>
+        <a:xfrm>
+          <a:off x="0" y="0"/>
+          <a:ext cx="0" cy="0"/>
+          <a:chOff x="0" y="0"/>
+          <a:chExt cx="0" cy="0"/>
+        </a:xfrm>
+      </p:grpSpPr>
+      <p:sp>
+        <p:nvSpPr>
+          <p:cNvPr id="2" name="Title 1">
+            <a:extLst>
+              <a:ext uri="{FF2B5EF4-FFF2-40B4-BE49-F238E27FC236}">
+                <a16:creationId xmlns:a16="http://schemas.microsoft.com/office/drawing/2014/main" id="{3EAE3C81-2B2E-9849-5185-C8B15BE7CF3A}"/>
+              </a:ext>
+            </a:extLst>
+          </p:cNvPr>
+          <p:cNvSpPr>
+            <a:spLocks noGrp="1"/>
+          </p:cNvSpPr>
+          <p:nvPr>
+            <p:ph type="title"/>
+          </p:nvPr>
+        </p:nvSpPr>
+        <p:spPr/>
+        <p:txBody>
+          <a:bodyPr/>
+          <a:lstStyle/>
+          <a:p>
+            <a:r>
+              <a:rPr lang="en-US" dirty="0"/>
+              <a:t>Blood Sugar Pressure</a:t>
+            </a:r>
+          </a:p>
+        </p:txBody>
+      </p:sp>
+      <p:pic>
+        <p:nvPicPr>
+          <p:cNvPr id="6" name="Content Placeholder 5">
+            <a:extLst>
+              <a:ext uri="{FF2B5EF4-FFF2-40B4-BE49-F238E27FC236}">
+                <a16:creationId xmlns:a16="http://schemas.microsoft.com/office/drawing/2014/main" id="{A0D4BF55-C707-0573-93A2-B81412017725}"/>
+              </a:ext>
+            </a:extLst>
+          </p:cNvPr>
+          <p:cNvPicPr>
+            <a:picLocks noGrp="1" noChangeAspect="1"/>
+          </p:cNvPicPr>
+          <p:nvPr>
+            <p:ph sz="half" idx="1"/>
+          </p:nvPr>
+        </p:nvPicPr>
+        <p:blipFill>
+          <a:blip r:embed="rId2"/>
+          <a:stretch>
+            <a:fillRect/>
+          </a:stretch>
+        </p:blipFill>
+        <p:spPr>
+          <a:xfrm>
+            <a:off x="677917" y="1991711"/>
+            <a:ext cx="5202621" cy="4755930"/>
+          </a:xfrm>
+        </p:spPr>
+      </p:pic>
+      <p:sp>
+        <p:nvSpPr>
+          <p:cNvPr id="4" name="Content Placeholder 3">
+            <a:extLst>
+              <a:ext uri="{FF2B5EF4-FFF2-40B4-BE49-F238E27FC236}">
+                <a16:creationId xmlns:a16="http://schemas.microsoft.com/office/drawing/2014/main" id="{37BE28A1-BAB9-E6B0-7EBD-E365B87ACED1}"/>
+              </a:ext>
+            </a:extLst>
+          </p:cNvPr>
+          <p:cNvSpPr>
+            <a:spLocks noGrp="1"/>
+          </p:cNvSpPr>
+          <p:nvPr>
+            <p:ph sz="half" idx="2"/>
+          </p:nvPr>
+        </p:nvSpPr>
+        <p:spPr>
+          <a:xfrm>
+            <a:off x="5980386" y="2249486"/>
+            <a:ext cx="6164317" cy="3541714"/>
+          </a:xfrm>
+        </p:spPr>
+        <p:txBody>
+          <a:bodyPr/>
+          <a:lstStyle/>
+          <a:p>
+            <a:r>
+              <a:rPr lang="en-US" dirty="0"/>
+              <a:t>Next, we looked at what our sample’s blood sugar pressure fell. This was broken into 3 categories; Normal Blood Sugar (&lt;= 100), Above Average Blood Sugar (100 - &gt;=125), and High Blood Sugar (&gt;=126).</a:t>
+            </a:r>
+          </a:p>
+        </p:txBody>
+      </p:sp>
+    </p:spTree>
+    <p:extLst>
+      <p:ext uri="{BB962C8B-B14F-4D97-AF65-F5344CB8AC3E}">
+        <p14:creationId xmlns:p14="http://schemas.microsoft.com/office/powerpoint/2010/main" val="1850105996"/>
+      </p:ext>
+    </p:extLst>
+  </p:cSld>
+  <p:clrMapOvr>
+    <a:masterClrMapping/>
+  </p:clrMapOvr>
+</p:sld>
+</file>
+
+<file path=ppt/slides/slide12.xml><?xml version="1.0" encoding="utf-8"?>
+<p:sld xmlns:a="http://schemas.openxmlformats.org/drawingml/2006/main" xmlns:r="http://schemas.openxmlformats.org/officeDocument/2006/relationships" xmlns:p="http://schemas.openxmlformats.org/presentationml/2006/main">
+  <p:cSld>
+    <p:spTree>
+      <p:nvGrpSpPr>
+        <p:cNvPr id="1" name=""/>
+        <p:cNvGrpSpPr/>
+        <p:nvPr/>
+      </p:nvGrpSpPr>
+      <p:grpSpPr>
+        <a:xfrm>
+          <a:off x="0" y="0"/>
+          <a:ext cx="0" cy="0"/>
+          <a:chOff x="0" y="0"/>
+          <a:chExt cx="0" cy="0"/>
+        </a:xfrm>
+      </p:grpSpPr>
+      <p:sp>
+        <p:nvSpPr>
+          <p:cNvPr id="2" name="Title 1">
+            <a:extLst>
+              <a:ext uri="{FF2B5EF4-FFF2-40B4-BE49-F238E27FC236}">
+                <a16:creationId xmlns:a16="http://schemas.microsoft.com/office/drawing/2014/main" id="{E2271203-82B3-EE89-79CB-9BBF953B51C4}"/>
+              </a:ext>
+            </a:extLst>
+          </p:cNvPr>
+          <p:cNvSpPr>
+            <a:spLocks noGrp="1"/>
+          </p:cNvSpPr>
+          <p:nvPr>
+            <p:ph type="title"/>
+          </p:nvPr>
+        </p:nvSpPr>
+        <p:spPr/>
+        <p:txBody>
+          <a:bodyPr/>
+          <a:lstStyle/>
+          <a:p>
+            <a:r>
+              <a:rPr lang="en-US" dirty="0"/>
+              <a:t>Outcome – Logistic Regression Model</a:t>
+            </a:r>
+          </a:p>
+        </p:txBody>
+      </p:sp>
+      <p:sp>
+        <p:nvSpPr>
+          <p:cNvPr id="3" name="Text Placeholder 2">
+            <a:extLst>
+              <a:ext uri="{FF2B5EF4-FFF2-40B4-BE49-F238E27FC236}">
+                <a16:creationId xmlns:a16="http://schemas.microsoft.com/office/drawing/2014/main" id="{31378D3E-37FC-115C-CFE8-A3F37AE939BA}"/>
+              </a:ext>
+            </a:extLst>
+          </p:cNvPr>
+          <p:cNvSpPr>
+            <a:spLocks noGrp="1"/>
+          </p:cNvSpPr>
+          <p:nvPr>
+            <p:ph type="body" idx="1"/>
+          </p:nvPr>
+        </p:nvSpPr>
+        <p:spPr>
+          <a:xfrm>
+            <a:off x="1110273" y="1935163"/>
+            <a:ext cx="4879199" cy="823912"/>
+          </a:xfrm>
+        </p:spPr>
+        <p:txBody>
+          <a:bodyPr/>
+          <a:lstStyle/>
+          <a:p>
+            <a:r>
+              <a:rPr lang="en-US" dirty="0"/>
+              <a:t>Actual</a:t>
+            </a:r>
+          </a:p>
+        </p:txBody>
+      </p:sp>
+      <p:pic>
+        <p:nvPicPr>
+          <p:cNvPr id="14" name="Content Placeholder 13">
+            <a:extLst>
+              <a:ext uri="{FF2B5EF4-FFF2-40B4-BE49-F238E27FC236}">
+                <a16:creationId xmlns:a16="http://schemas.microsoft.com/office/drawing/2014/main" id="{1F60D23D-CD2E-D1A1-66CA-6FE7866977C7}"/>
+              </a:ext>
+            </a:extLst>
+          </p:cNvPr>
+          <p:cNvPicPr>
+            <a:picLocks noGrp="1" noChangeAspect="1"/>
+          </p:cNvPicPr>
+          <p:nvPr>
+            <p:ph sz="half" idx="2"/>
+          </p:nvPr>
+        </p:nvPicPr>
+        <p:blipFill>
+          <a:blip r:embed="rId3"/>
+          <a:stretch>
+            <a:fillRect/>
+          </a:stretch>
+        </p:blipFill>
+        <p:spPr>
+          <a:xfrm>
+            <a:off x="1481958" y="3349615"/>
+            <a:ext cx="2693282" cy="2520859"/>
+          </a:xfrm>
+        </p:spPr>
+      </p:pic>
+      <p:sp>
+        <p:nvSpPr>
+          <p:cNvPr id="5" name="Text Placeholder 4">
+            <a:extLst>
+              <a:ext uri="{FF2B5EF4-FFF2-40B4-BE49-F238E27FC236}">
+                <a16:creationId xmlns:a16="http://schemas.microsoft.com/office/drawing/2014/main" id="{7907AF24-D0E3-F06A-43D7-C41232EBD7E7}"/>
+              </a:ext>
+            </a:extLst>
+          </p:cNvPr>
+          <p:cNvSpPr>
+            <a:spLocks noGrp="1"/>
+          </p:cNvSpPr>
+          <p:nvPr>
+            <p:ph type="body" sz="quarter" idx="3"/>
+          </p:nvPr>
+        </p:nvSpPr>
+        <p:spPr>
+          <a:xfrm>
+            <a:off x="6402002" y="1935163"/>
+            <a:ext cx="4865554" cy="823912"/>
+          </a:xfrm>
+        </p:spPr>
+        <p:txBody>
+          <a:bodyPr/>
+          <a:lstStyle/>
+          <a:p>
+            <a:r>
+              <a:rPr lang="en-US" dirty="0"/>
+              <a:t>Prediction</a:t>
+            </a:r>
+          </a:p>
+        </p:txBody>
+      </p:sp>
+      <p:pic>
+        <p:nvPicPr>
+          <p:cNvPr id="12" name="Picture 11">
+            <a:extLst>
+              <a:ext uri="{FF2B5EF4-FFF2-40B4-BE49-F238E27FC236}">
+                <a16:creationId xmlns:a16="http://schemas.microsoft.com/office/drawing/2014/main" id="{04534638-EFF1-BA4D-2E6F-CE016F8B3A04}"/>
+              </a:ext>
+            </a:extLst>
+          </p:cNvPr>
+          <p:cNvPicPr>
+            <a:picLocks noChangeAspect="1"/>
+          </p:cNvPicPr>
+          <p:nvPr/>
+        </p:nvPicPr>
+        <p:blipFill>
+          <a:blip r:embed="rId4"/>
+          <a:stretch>
+            <a:fillRect/>
+          </a:stretch>
+        </p:blipFill>
+        <p:spPr>
+          <a:xfrm>
+            <a:off x="7367751" y="3349615"/>
+            <a:ext cx="2693282" cy="2520859"/>
+          </a:xfrm>
+          <a:prstGeom prst="rect">
+            <a:avLst/>
+          </a:prstGeom>
+        </p:spPr>
+      </p:pic>
+      <p:sp>
+        <p:nvSpPr>
+          <p:cNvPr id="15" name="TextBox 14">
+            <a:extLst>
+              <a:ext uri="{FF2B5EF4-FFF2-40B4-BE49-F238E27FC236}">
+                <a16:creationId xmlns:a16="http://schemas.microsoft.com/office/drawing/2014/main" id="{BA1EC21E-1401-26F9-EAD4-8D5736E321D9}"/>
+              </a:ext>
+            </a:extLst>
+          </p:cNvPr>
+          <p:cNvSpPr txBox="1"/>
+          <p:nvPr/>
+        </p:nvSpPr>
+        <p:spPr>
+          <a:xfrm>
+            <a:off x="4561490" y="3349615"/>
+            <a:ext cx="2322786" cy="1477328"/>
+          </a:xfrm>
+          <a:prstGeom prst="rect">
+            <a:avLst/>
+          </a:prstGeom>
+          <a:noFill/>
+        </p:spPr>
+        <p:txBody>
+          <a:bodyPr wrap="square" rtlCol="0">
+            <a:spAutoFit/>
+          </a:bodyPr>
+          <a:lstStyle/>
+          <a:p>
+            <a:r>
+              <a:rPr lang="en-US" dirty="0"/>
+              <a:t>Our actual results is a 50-50 split. Our oversample model had a 74% accuracy.</a:t>
+            </a:r>
+          </a:p>
+        </p:txBody>
+      </p:sp>
+      <p:pic>
+        <p:nvPicPr>
+          <p:cNvPr id="17" name="Picture 16">
+            <a:extLst>
+              <a:ext uri="{FF2B5EF4-FFF2-40B4-BE49-F238E27FC236}">
+                <a16:creationId xmlns:a16="http://schemas.microsoft.com/office/drawing/2014/main" id="{024B5BEC-9702-0CCF-2C37-567027690258}"/>
+              </a:ext>
+            </a:extLst>
+          </p:cNvPr>
+          <p:cNvPicPr>
+            <a:picLocks noChangeAspect="1"/>
+          </p:cNvPicPr>
+          <p:nvPr/>
+        </p:nvPicPr>
+        <p:blipFill>
+          <a:blip r:embed="rId5"/>
+          <a:stretch>
+            <a:fillRect/>
+          </a:stretch>
+        </p:blipFill>
+        <p:spPr>
+          <a:xfrm>
+            <a:off x="10969066" y="6248400"/>
+            <a:ext cx="1171584" cy="466728"/>
+          </a:xfrm>
+          <a:prstGeom prst="rect">
+            <a:avLst/>
+          </a:prstGeom>
+        </p:spPr>
+      </p:pic>
+    </p:spTree>
+    <p:extLst>
+      <p:ext uri="{BB962C8B-B14F-4D97-AF65-F5344CB8AC3E}">
+        <p14:creationId xmlns:p14="http://schemas.microsoft.com/office/powerpoint/2010/main" val="4017703385"/>
+      </p:ext>
+    </p:extLst>
+  </p:cSld>
+  <p:clrMapOvr>
+    <a:masterClrMapping/>
+  </p:clrMapOvr>
+</p:sld>
+</file>
+
+<file path=ppt/slides/slide13.xml><?xml version="1.0" encoding="utf-8"?>
+<p:sld xmlns:a="http://schemas.openxmlformats.org/drawingml/2006/main" xmlns:r="http://schemas.openxmlformats.org/officeDocument/2006/relationships" xmlns:p="http://schemas.openxmlformats.org/presentationml/2006/main">
+  <p:cSld>
+    <p:spTree>
+      <p:nvGrpSpPr>
+        <p:cNvPr id="1" name=""/>
+        <p:cNvGrpSpPr/>
+        <p:nvPr/>
+      </p:nvGrpSpPr>
+      <p:grpSpPr>
+        <a:xfrm>
+          <a:off x="0" y="0"/>
+          <a:ext cx="0" cy="0"/>
+          <a:chOff x="0" y="0"/>
+          <a:chExt cx="0" cy="0"/>
+        </a:xfrm>
+      </p:grpSpPr>
+      <p:sp>
+        <p:nvSpPr>
+          <p:cNvPr id="2" name="Title 1">
+            <a:extLst>
+              <a:ext uri="{FF2B5EF4-FFF2-40B4-BE49-F238E27FC236}">
+                <a16:creationId xmlns:a16="http://schemas.microsoft.com/office/drawing/2014/main" id="{623A833E-C914-EABC-5202-6471398C6A77}"/>
+              </a:ext>
+            </a:extLst>
+          </p:cNvPr>
+          <p:cNvSpPr>
+            <a:spLocks noGrp="1"/>
+          </p:cNvSpPr>
+          <p:nvPr>
+            <p:ph type="title"/>
+          </p:nvPr>
+        </p:nvSpPr>
+        <p:spPr/>
+        <p:txBody>
+          <a:bodyPr/>
+          <a:lstStyle/>
+          <a:p>
+            <a:r>
+              <a:rPr lang="en-US" dirty="0"/>
+              <a:t>Age Outcome – Logistic Regression Model</a:t>
+            </a:r>
+          </a:p>
+        </p:txBody>
+      </p:sp>
+      <p:sp>
+        <p:nvSpPr>
+          <p:cNvPr id="3" name="Text Placeholder 2">
+            <a:extLst>
+              <a:ext uri="{FF2B5EF4-FFF2-40B4-BE49-F238E27FC236}">
+                <a16:creationId xmlns:a16="http://schemas.microsoft.com/office/drawing/2014/main" id="{E4801F87-D5D8-E5F0-4595-FF43AFEDF839}"/>
+              </a:ext>
+            </a:extLst>
+          </p:cNvPr>
+          <p:cNvSpPr>
+            <a:spLocks noGrp="1"/>
+          </p:cNvSpPr>
+          <p:nvPr>
+            <p:ph type="body" idx="1"/>
+          </p:nvPr>
+        </p:nvSpPr>
+        <p:spPr>
+          <a:xfrm>
+            <a:off x="1036701" y="1709912"/>
+            <a:ext cx="4879199" cy="823912"/>
+          </a:xfrm>
+        </p:spPr>
+        <p:txBody>
+          <a:bodyPr/>
+          <a:lstStyle/>
+          <a:p>
+            <a:r>
+              <a:rPr lang="en-US" dirty="0"/>
+              <a:t>Actual</a:t>
+            </a:r>
+          </a:p>
+        </p:txBody>
+      </p:sp>
+      <p:pic>
+        <p:nvPicPr>
+          <p:cNvPr id="8" name="Content Placeholder 7">
+            <a:extLst>
+              <a:ext uri="{FF2B5EF4-FFF2-40B4-BE49-F238E27FC236}">
+                <a16:creationId xmlns:a16="http://schemas.microsoft.com/office/drawing/2014/main" id="{B6A90A1F-8841-71D2-94A1-E55CE1DFCC09}"/>
+              </a:ext>
+            </a:extLst>
+          </p:cNvPr>
+          <p:cNvPicPr>
+            <a:picLocks noGrp="1" noChangeAspect="1"/>
+          </p:cNvPicPr>
+          <p:nvPr>
+            <p:ph sz="half" idx="2"/>
+          </p:nvPr>
+        </p:nvPicPr>
+        <p:blipFill>
+          <a:blip r:embed="rId3"/>
+          <a:stretch>
+            <a:fillRect/>
+          </a:stretch>
+        </p:blipFill>
+        <p:spPr>
+          <a:xfrm>
+            <a:off x="342805" y="2701268"/>
+            <a:ext cx="5068258" cy="3547132"/>
+          </a:xfrm>
+        </p:spPr>
+      </p:pic>
+      <p:sp>
+        <p:nvSpPr>
+          <p:cNvPr id="5" name="Text Placeholder 4">
+            <a:extLst>
+              <a:ext uri="{FF2B5EF4-FFF2-40B4-BE49-F238E27FC236}">
+                <a16:creationId xmlns:a16="http://schemas.microsoft.com/office/drawing/2014/main" id="{63ACBD71-51E1-E6A1-C1DF-117427E932D6}"/>
+              </a:ext>
+            </a:extLst>
+          </p:cNvPr>
+          <p:cNvSpPr>
+            <a:spLocks noGrp="1"/>
+          </p:cNvSpPr>
+          <p:nvPr>
+            <p:ph type="body" sz="quarter" idx="3"/>
+          </p:nvPr>
+        </p:nvSpPr>
+        <p:spPr>
+          <a:xfrm>
+            <a:off x="6307972" y="1709912"/>
+            <a:ext cx="4865554" cy="823912"/>
+          </a:xfrm>
+        </p:spPr>
+        <p:txBody>
+          <a:bodyPr/>
+          <a:lstStyle/>
+          <a:p>
+            <a:r>
+              <a:rPr lang="en-US" dirty="0"/>
+              <a:t>Prediction</a:t>
+            </a:r>
+          </a:p>
+        </p:txBody>
+      </p:sp>
+      <p:pic>
+        <p:nvPicPr>
+          <p:cNvPr id="10" name="Content Placeholder 9">
+            <a:extLst>
+              <a:ext uri="{FF2B5EF4-FFF2-40B4-BE49-F238E27FC236}">
+                <a16:creationId xmlns:a16="http://schemas.microsoft.com/office/drawing/2014/main" id="{86388622-B3F5-5764-EC1B-929FFA257FB5}"/>
+              </a:ext>
+            </a:extLst>
+          </p:cNvPr>
+          <p:cNvPicPr>
+            <a:picLocks noGrp="1" noChangeAspect="1"/>
+          </p:cNvPicPr>
+          <p:nvPr>
+            <p:ph sz="quarter" idx="4"/>
+          </p:nvPr>
+        </p:nvPicPr>
+        <p:blipFill>
+          <a:blip r:embed="rId4"/>
+          <a:stretch>
+            <a:fillRect/>
+          </a:stretch>
+        </p:blipFill>
+        <p:spPr>
+          <a:xfrm>
+            <a:off x="6259458" y="2701268"/>
+            <a:ext cx="5589737" cy="3547132"/>
+          </a:xfrm>
+        </p:spPr>
+      </p:pic>
+      <p:pic>
+        <p:nvPicPr>
+          <p:cNvPr id="11" name="Picture 10">
+            <a:extLst>
+              <a:ext uri="{FF2B5EF4-FFF2-40B4-BE49-F238E27FC236}">
+                <a16:creationId xmlns:a16="http://schemas.microsoft.com/office/drawing/2014/main" id="{9BEAFDBF-8485-9596-E853-19E3F5591A8E}"/>
+              </a:ext>
+            </a:extLst>
+          </p:cNvPr>
+          <p:cNvPicPr>
+            <a:picLocks noChangeAspect="1"/>
+          </p:cNvPicPr>
+          <p:nvPr/>
+        </p:nvPicPr>
+        <p:blipFill>
+          <a:blip r:embed="rId5"/>
+          <a:stretch>
+            <a:fillRect/>
+          </a:stretch>
+        </p:blipFill>
+        <p:spPr>
+          <a:xfrm>
+            <a:off x="10963813" y="6294245"/>
+            <a:ext cx="1171584" cy="466728"/>
+          </a:xfrm>
+          <a:prstGeom prst="rect">
+            <a:avLst/>
+          </a:prstGeom>
+        </p:spPr>
+      </p:pic>
+    </p:spTree>
+    <p:extLst>
+      <p:ext uri="{BB962C8B-B14F-4D97-AF65-F5344CB8AC3E}">
+        <p14:creationId xmlns:p14="http://schemas.microsoft.com/office/powerpoint/2010/main" val="1221119453"/>
+      </p:ext>
+    </p:extLst>
+  </p:cSld>
+  <p:clrMapOvr>
+    <a:masterClrMapping/>
+  </p:clrMapOvr>
+</p:sld>
+</file>
+
+<file path=ppt/slides/slide14.xml><?xml version="1.0" encoding="utf-8"?>
+<p:sld xmlns:a="http://schemas.openxmlformats.org/drawingml/2006/main" xmlns:r="http://schemas.openxmlformats.org/officeDocument/2006/relationships" xmlns:p="http://schemas.openxmlformats.org/presentationml/2006/main">
+  <p:cSld>
+    <p:spTree>
+      <p:nvGrpSpPr>
+        <p:cNvPr id="1" name=""/>
+        <p:cNvGrpSpPr/>
+        <p:nvPr/>
+      </p:nvGrpSpPr>
+      <p:grpSpPr>
+        <a:xfrm>
+          <a:off x="0" y="0"/>
+          <a:ext cx="0" cy="0"/>
+          <a:chOff x="0" y="0"/>
+          <a:chExt cx="0" cy="0"/>
+        </a:xfrm>
+      </p:grpSpPr>
+      <p:sp>
+        <p:nvSpPr>
+          <p:cNvPr id="2" name="Title 1">
+            <a:extLst>
+              <a:ext uri="{FF2B5EF4-FFF2-40B4-BE49-F238E27FC236}">
+                <a16:creationId xmlns:a16="http://schemas.microsoft.com/office/drawing/2014/main" id="{BE17659A-AAC2-2140-B852-4A192277E975}"/>
+              </a:ext>
+            </a:extLst>
+          </p:cNvPr>
+          <p:cNvSpPr>
+            <a:spLocks noGrp="1"/>
+          </p:cNvSpPr>
+          <p:nvPr>
+            <p:ph type="title"/>
+          </p:nvPr>
+        </p:nvSpPr>
+        <p:spPr/>
+        <p:txBody>
+          <a:bodyPr>
+            <a:normAutofit/>
+          </a:bodyPr>
+          <a:lstStyle/>
+          <a:p>
+            <a:r>
+              <a:rPr lang="en-US" sz="3200" dirty="0"/>
+              <a:t>Glucose Outcome – Logistic Regression Model</a:t>
+            </a:r>
+          </a:p>
+        </p:txBody>
+      </p:sp>
+      <p:sp>
+        <p:nvSpPr>
+          <p:cNvPr id="3" name="Text Placeholder 2">
+            <a:extLst>
+              <a:ext uri="{FF2B5EF4-FFF2-40B4-BE49-F238E27FC236}">
+                <a16:creationId xmlns:a16="http://schemas.microsoft.com/office/drawing/2014/main" id="{4781174E-1BEC-8B5E-9B4D-CAC03222C53B}"/>
+              </a:ext>
+            </a:extLst>
+          </p:cNvPr>
+          <p:cNvSpPr>
+            <a:spLocks noGrp="1"/>
+          </p:cNvSpPr>
+          <p:nvPr>
+            <p:ph type="body" idx="1"/>
+          </p:nvPr>
+        </p:nvSpPr>
+        <p:spPr>
+          <a:xfrm>
+            <a:off x="1094508" y="1767754"/>
+            <a:ext cx="4879199" cy="823912"/>
+          </a:xfrm>
+        </p:spPr>
+        <p:txBody>
+          <a:bodyPr/>
+          <a:lstStyle/>
+          <a:p>
+            <a:r>
+              <a:rPr lang="en-US" dirty="0"/>
+              <a:t>Actual</a:t>
+            </a:r>
+          </a:p>
+        </p:txBody>
+      </p:sp>
+      <p:pic>
+        <p:nvPicPr>
+          <p:cNvPr id="8" name="Content Placeholder 7">
+            <a:extLst>
+              <a:ext uri="{FF2B5EF4-FFF2-40B4-BE49-F238E27FC236}">
+                <a16:creationId xmlns:a16="http://schemas.microsoft.com/office/drawing/2014/main" id="{0B4621CB-A098-9D1D-10CF-3944EE9576EB}"/>
+              </a:ext>
+            </a:extLst>
+          </p:cNvPr>
+          <p:cNvPicPr>
+            <a:picLocks noGrp="1" noChangeAspect="1"/>
+          </p:cNvPicPr>
+          <p:nvPr>
+            <p:ph sz="half" idx="2"/>
+          </p:nvPr>
+        </p:nvPicPr>
+        <p:blipFill>
+          <a:blip r:embed="rId3"/>
+          <a:stretch>
+            <a:fillRect/>
+          </a:stretch>
+        </p:blipFill>
+        <p:spPr>
+          <a:xfrm>
+            <a:off x="913795" y="2659117"/>
+            <a:ext cx="4273060" cy="4030717"/>
+          </a:xfrm>
+        </p:spPr>
+      </p:pic>
+      <p:sp>
+        <p:nvSpPr>
+          <p:cNvPr id="5" name="Text Placeholder 4">
+            <a:extLst>
+              <a:ext uri="{FF2B5EF4-FFF2-40B4-BE49-F238E27FC236}">
+                <a16:creationId xmlns:a16="http://schemas.microsoft.com/office/drawing/2014/main" id="{3AC9AD18-7F7A-B01B-A981-25D8B48D339E}"/>
+              </a:ext>
+            </a:extLst>
+          </p:cNvPr>
+          <p:cNvSpPr>
+            <a:spLocks noGrp="1"/>
+          </p:cNvSpPr>
+          <p:nvPr>
+            <p:ph type="body" sz="quarter" idx="3"/>
+          </p:nvPr>
+        </p:nvSpPr>
+        <p:spPr>
+          <a:xfrm>
+            <a:off x="6402002" y="1767754"/>
+            <a:ext cx="4865554" cy="823912"/>
+          </a:xfrm>
+        </p:spPr>
+        <p:txBody>
+          <a:bodyPr/>
+          <a:lstStyle/>
+          <a:p>
+            <a:r>
+              <a:rPr lang="en-US" dirty="0"/>
+              <a:t>Prediction</a:t>
+            </a:r>
+          </a:p>
+        </p:txBody>
+      </p:sp>
+      <p:pic>
+        <p:nvPicPr>
+          <p:cNvPr id="10" name="Content Placeholder 9">
+            <a:extLst>
+              <a:ext uri="{FF2B5EF4-FFF2-40B4-BE49-F238E27FC236}">
+                <a16:creationId xmlns:a16="http://schemas.microsoft.com/office/drawing/2014/main" id="{EE740A9D-4F30-A1FF-1C72-EAABA9F58123}"/>
+              </a:ext>
+            </a:extLst>
+          </p:cNvPr>
+          <p:cNvPicPr>
+            <a:picLocks noGrp="1" noChangeAspect="1"/>
+          </p:cNvPicPr>
+          <p:nvPr>
+            <p:ph sz="quarter" idx="4"/>
+          </p:nvPr>
+        </p:nvPicPr>
+        <p:blipFill>
+          <a:blip r:embed="rId4"/>
+          <a:stretch>
+            <a:fillRect/>
+          </a:stretch>
+        </p:blipFill>
+        <p:spPr>
+          <a:xfrm>
+            <a:off x="6310996" y="2591666"/>
+            <a:ext cx="4262411" cy="4030717"/>
+          </a:xfrm>
+        </p:spPr>
+      </p:pic>
+      <p:pic>
+        <p:nvPicPr>
+          <p:cNvPr id="11" name="Picture 10">
+            <a:extLst>
+              <a:ext uri="{FF2B5EF4-FFF2-40B4-BE49-F238E27FC236}">
+                <a16:creationId xmlns:a16="http://schemas.microsoft.com/office/drawing/2014/main" id="{B873F4B9-86B4-D54B-BC9F-AD85CD870450}"/>
+              </a:ext>
+            </a:extLst>
+          </p:cNvPr>
+          <p:cNvPicPr>
+            <a:picLocks noChangeAspect="1"/>
+          </p:cNvPicPr>
+          <p:nvPr/>
+        </p:nvPicPr>
+        <p:blipFill>
+          <a:blip r:embed="rId5"/>
+          <a:stretch>
+            <a:fillRect/>
+          </a:stretch>
+        </p:blipFill>
+        <p:spPr>
+          <a:xfrm>
+            <a:off x="10963813" y="6294245"/>
+            <a:ext cx="1171584" cy="466728"/>
+          </a:xfrm>
+          <a:prstGeom prst="rect">
+            <a:avLst/>
+          </a:prstGeom>
+        </p:spPr>
+      </p:pic>
+    </p:spTree>
+    <p:extLst>
+      <p:ext uri="{BB962C8B-B14F-4D97-AF65-F5344CB8AC3E}">
+        <p14:creationId xmlns:p14="http://schemas.microsoft.com/office/powerpoint/2010/main" val="2863476587"/>
+      </p:ext>
+    </p:extLst>
+  </p:cSld>
+  <p:clrMapOvr>
+    <a:masterClrMapping/>
+  </p:clrMapOvr>
+</p:sld>
+</file>
+
 <file path=ppt/slides/slide2.xml><?xml version="1.0" encoding="utf-8"?>
 <p:sld xmlns:a="http://schemas.openxmlformats.org/drawingml/2006/main" xmlns:r="http://schemas.openxmlformats.org/officeDocument/2006/relationships" xmlns:p="http://schemas.openxmlformats.org/presentationml/2006/main">
   <p:cSld>
@@ -6402,15 +7407,7 @@
             </a:pPr>
             <a:r>
               <a:rPr lang="en-US" sz="2900" dirty="0"/>
-              <a:t>We used an oversampled model to help predict the accuracy of what are the odds of a individual having diabetes based on the outcome of each of the </a:t>
-            </a:r>
-            <a:r>
-              <a:rPr lang="en-US" sz="2900" dirty="0" err="1"/>
-              <a:t>fiels</a:t>
-            </a:r>
-            <a:r>
-              <a:rPr lang="en-US" sz="2900" dirty="0"/>
-              <a:t> above.</a:t>
+              <a:t>We used an oversampled model to help predict the accuracy of what are the odds of a individual having diabetes based on the outcome of each of the fields above.</a:t>
             </a:r>
           </a:p>
         </p:txBody>
@@ -6431,6 +7428,28 @@
 <file path=ppt/slides/slide3.xml><?xml version="1.0" encoding="utf-8"?>
 <p:sld xmlns:a="http://schemas.openxmlformats.org/drawingml/2006/main" xmlns:r="http://schemas.openxmlformats.org/officeDocument/2006/relationships" xmlns:p="http://schemas.openxmlformats.org/presentationml/2006/main">
   <p:cSld>
+    <p:bg>
+      <p:bgPr>
+        <a:blipFill rotWithShape="1">
+          <a:blip r:embed="rId2">
+            <a:duotone>
+              <a:schemeClr val="bg2">
+                <a:shade val="18000"/>
+                <a:satMod val="160000"/>
+                <a:lumMod val="28000"/>
+              </a:schemeClr>
+              <a:schemeClr val="bg2">
+                <a:tint val="95000"/>
+                <a:satMod val="160000"/>
+                <a:lumMod val="116000"/>
+              </a:schemeClr>
+            </a:duotone>
+          </a:blip>
+          <a:stretch/>
+        </a:blipFill>
+        <a:effectLst/>
+      </p:bgPr>
+    </p:bg>
     <p:spTree>
       <p:nvGrpSpPr>
         <p:cNvPr id="1" name=""/>
@@ -6445,12 +7464,72 @@
           <a:chExt cx="0" cy="0"/>
         </a:xfrm>
       </p:grpSpPr>
+      <p:sp useBgFill="1">
+        <p:nvSpPr>
+          <p:cNvPr id="19" name="Rectangle 18">
+            <a:extLst>
+              <a:ext uri="{FF2B5EF4-FFF2-40B4-BE49-F238E27FC236}">
+                <a16:creationId xmlns:a16="http://schemas.microsoft.com/office/drawing/2014/main" id="{137AAE58-B7D3-483F-829E-637C98F7FD97}"/>
+              </a:ext>
+              <a:ext uri="{C183D7F6-B498-43B3-948B-1728B52AA6E4}">
+                <adec:decorative xmlns:adec="http://schemas.microsoft.com/office/drawing/2017/decorative" val="1"/>
+              </a:ext>
+            </a:extLst>
+          </p:cNvPr>
+          <p:cNvSpPr>
+            <a:spLocks noGrp="1" noRot="1" noChangeAspect="1" noMove="1" noResize="1" noEditPoints="1" noAdjustHandles="1" noChangeArrowheads="1" noChangeShapeType="1" noTextEdit="1"/>
+          </p:cNvSpPr>
+          <p:nvPr>
+            <p:extLst>
+              <p:ext uri="{386F3935-93C4-4BCD-93E2-E3B085C9AB24}">
+                <p16:designElem xmlns:p16="http://schemas.microsoft.com/office/powerpoint/2015/main" val="1"/>
+              </p:ext>
+            </p:extLst>
+          </p:nvPr>
+        </p:nvSpPr>
+        <p:spPr>
+          <a:xfrm>
+            <a:off x="0" y="0"/>
+            <a:ext cx="12192000" cy="6858000"/>
+          </a:xfrm>
+          <a:prstGeom prst="rect">
+            <a:avLst/>
+          </a:prstGeom>
+          <a:ln>
+            <a:noFill/>
+          </a:ln>
+        </p:spPr>
+        <p:style>
+          <a:lnRef idx="2">
+            <a:schemeClr val="accent1">
+              <a:shade val="50000"/>
+            </a:schemeClr>
+          </a:lnRef>
+          <a:fillRef idx="1">
+            <a:schemeClr val="accent1"/>
+          </a:fillRef>
+          <a:effectRef idx="0">
+            <a:schemeClr val="accent1"/>
+          </a:effectRef>
+          <a:fontRef idx="minor">
+            <a:schemeClr val="lt1"/>
+          </a:fontRef>
+        </p:style>
+        <p:txBody>
+          <a:bodyPr rtlCol="0" anchor="ctr"/>
+          <a:lstStyle/>
+          <a:p>
+            <a:pPr algn="ctr"/>
+            <a:endParaRPr lang="en-US"/>
+          </a:p>
+        </p:txBody>
+      </p:sp>
       <p:sp>
         <p:nvSpPr>
           <p:cNvPr id="2" name="Title 1">
             <a:extLst>
               <a:ext uri="{FF2B5EF4-FFF2-40B4-BE49-F238E27FC236}">
-                <a16:creationId xmlns:a16="http://schemas.microsoft.com/office/drawing/2014/main" id="{1CA5E029-A6F6-B650-D7F4-F7BD456D0BBD}"/>
+                <a16:creationId xmlns:a16="http://schemas.microsoft.com/office/drawing/2014/main" id="{49E038AD-7C84-6ACC-03C0-6AF5B1B590CC}"/>
               </a:ext>
             </a:extLst>
           </p:cNvPr>
@@ -6461,86 +7540,108 @@
             <p:ph type="title"/>
           </p:nvPr>
         </p:nvSpPr>
-        <p:spPr/>
-        <p:txBody>
-          <a:bodyPr/>
-          <a:lstStyle/>
-          <a:p>
-            <a:r>
-              <a:rPr lang="en-US" dirty="0"/>
-              <a:t>Age of Sample Size</a:t>
+        <p:spPr>
+          <a:xfrm>
+            <a:off x="913794" y="694478"/>
+            <a:ext cx="10364412" cy="1264906"/>
+          </a:xfrm>
+        </p:spPr>
+        <p:txBody>
+          <a:bodyPr vert="horz" lIns="91440" tIns="45720" rIns="91440" bIns="45720" rtlCol="0" anchor="b">
+            <a:normAutofit/>
+          </a:bodyPr>
+          <a:lstStyle/>
+          <a:p>
+            <a:r>
+              <a:rPr lang="en-US" sz="3700" dirty="0"/>
+              <a:t>preparing the data</a:t>
+            </a:r>
+            <a:br>
+              <a:rPr lang="en-US" sz="3700" dirty="0"/>
+            </a:br>
+            <a:r>
+              <a:rPr lang="en-US" sz="2000" dirty="0"/>
+              <a:t>pandas</a:t>
             </a:r>
           </a:p>
         </p:txBody>
       </p:sp>
       <p:pic>
         <p:nvPicPr>
-          <p:cNvPr id="11" name="Content Placeholder 10">
+          <p:cNvPr id="7" name="Picture 6" descr="A white card with black text and numbers&#10;&#10;Description automatically generated">
             <a:extLst>
               <a:ext uri="{FF2B5EF4-FFF2-40B4-BE49-F238E27FC236}">
-                <a16:creationId xmlns:a16="http://schemas.microsoft.com/office/drawing/2014/main" id="{DA6AB873-D149-2D9D-07F8-82187D6E147D}"/>
+                <a16:creationId xmlns:a16="http://schemas.microsoft.com/office/drawing/2014/main" id="{33DB5425-C7FA-C07D-9BDC-629E1F5781BC}"/>
               </a:ext>
             </a:extLst>
           </p:cNvPr>
           <p:cNvPicPr>
-            <a:picLocks noGrp="1" noChangeAspect="1"/>
+            <a:picLocks noChangeAspect="1"/>
           </p:cNvPicPr>
-          <p:nvPr>
-            <p:ph sz="half" idx="1"/>
-          </p:nvPr>
+          <p:nvPr/>
         </p:nvPicPr>
         <p:blipFill>
-          <a:blip r:embed="rId2"/>
+          <a:blip r:embed="rId3">
+            <a:extLst>
+              <a:ext uri="{28A0092B-C50C-407E-A947-70E740481C1C}">
+                <a14:useLocalDpi xmlns:a14="http://schemas.microsoft.com/office/drawing/2010/main" val="0"/>
+              </a:ext>
+            </a:extLst>
+          </a:blip>
           <a:stretch>
             <a:fillRect/>
           </a:stretch>
         </p:blipFill>
         <p:spPr>
           <a:xfrm>
-            <a:off x="914400" y="2364213"/>
-            <a:ext cx="5105400" cy="3150337"/>
-          </a:xfrm>
+            <a:off x="6134860" y="2902176"/>
+            <a:ext cx="5847754" cy="1228027"/>
+          </a:xfrm>
+          <a:prstGeom prst="rect">
+            <a:avLst/>
+          </a:prstGeom>
         </p:spPr>
       </p:pic>
-      <p:sp>
-        <p:nvSpPr>
-          <p:cNvPr id="9" name="Content Placeholder 8">
+      <p:pic>
+        <p:nvPicPr>
+          <p:cNvPr id="5" name="Picture 4" descr="A screenshot of a computer&#10;&#10;Description automatically generated">
             <a:extLst>
               <a:ext uri="{FF2B5EF4-FFF2-40B4-BE49-F238E27FC236}">
-                <a16:creationId xmlns:a16="http://schemas.microsoft.com/office/drawing/2014/main" id="{1EA84118-A2E5-8E87-16F4-E1B7160CB28D}"/>
+                <a16:creationId xmlns:a16="http://schemas.microsoft.com/office/drawing/2014/main" id="{7F43ECB8-1EC0-0582-4D65-F912D0736EC3}"/>
               </a:ext>
             </a:extLst>
           </p:cNvPr>
-          <p:cNvSpPr>
-            <a:spLocks noGrp="1"/>
-          </p:cNvSpPr>
-          <p:nvPr>
-            <p:ph sz="half" idx="2"/>
-          </p:nvPr>
-        </p:nvSpPr>
-        <p:spPr>
-          <a:xfrm>
-            <a:off x="7940566" y="1918138"/>
-            <a:ext cx="3106845" cy="4745420"/>
-          </a:xfrm>
-        </p:spPr>
-        <p:txBody>
-          <a:bodyPr>
-            <a:normAutofit/>
-          </a:bodyPr>
-          <a:lstStyle/>
-          <a:p>
-            <a:r>
-              <a:rPr lang="en-US" dirty="0"/>
-              <a:t>The age of our sample ranged from 21 to 72 years old. The majority of our sample fell between 21 and 36 years old, with the highest number of individuals being 22 and 29 years old.</a:t>
-            </a:r>
-          </a:p>
-        </p:txBody>
-      </p:sp>
+          <p:cNvPicPr>
+            <a:picLocks noChangeAspect="1"/>
+          </p:cNvPicPr>
+          <p:nvPr/>
+        </p:nvPicPr>
+        <p:blipFill>
+          <a:blip r:embed="rId4">
+            <a:extLst>
+              <a:ext uri="{28A0092B-C50C-407E-A947-70E740481C1C}">
+                <a14:useLocalDpi xmlns:a14="http://schemas.microsoft.com/office/drawing/2010/main" val="0"/>
+              </a:ext>
+            </a:extLst>
+          </a:blip>
+          <a:stretch>
+            <a:fillRect/>
+          </a:stretch>
+        </p:blipFill>
+        <p:spPr>
+          <a:xfrm>
+            <a:off x="213853" y="2865297"/>
+            <a:ext cx="5621810" cy="1264906"/>
+          </a:xfrm>
+          <a:prstGeom prst="rect">
+            <a:avLst/>
+          </a:prstGeom>
+        </p:spPr>
+      </p:pic>
     </p:spTree>
     <p:extLst>
       <p:ext uri="{BB962C8B-B14F-4D97-AF65-F5344CB8AC3E}">
-        <p14:creationId xmlns:p14="http://schemas.microsoft.com/office/powerpoint/2010/main" val="2314112315"/>
+        <p14:creationId xmlns:p14="http://schemas.microsoft.com/office/powerpoint/2010/main" val="2790231150"/>
       </p:ext>
     </p:extLst>
   </p:cSld>
@@ -6572,7 +7673,7 @@
           <p:cNvPr id="2" name="Title 1">
             <a:extLst>
               <a:ext uri="{FF2B5EF4-FFF2-40B4-BE49-F238E27FC236}">
-                <a16:creationId xmlns:a16="http://schemas.microsoft.com/office/drawing/2014/main" id="{610D36FC-BA6F-46CE-5009-8E4E16A0A34D}"/>
+                <a16:creationId xmlns:a16="http://schemas.microsoft.com/office/drawing/2014/main" id="{DD480BCE-B97A-CCEE-0B54-D3FA79263747}"/>
               </a:ext>
             </a:extLst>
           </p:cNvPr>
@@ -6583,86 +7684,220 @@
             <p:ph type="title"/>
           </p:nvPr>
         </p:nvSpPr>
-        <p:spPr/>
+        <p:spPr>
+          <a:xfrm>
+            <a:off x="189086" y="2782265"/>
+            <a:ext cx="4362743" cy="1326321"/>
+          </a:xfrm>
+        </p:spPr>
         <p:txBody>
           <a:bodyPr/>
           <a:lstStyle/>
           <a:p>
             <a:r>
               <a:rPr lang="en-US" dirty="0"/>
-              <a:t>Body Mass Index (BM)</a:t>
+              <a:t>Our Models</a:t>
+            </a:r>
+          </a:p>
+        </p:txBody>
+      </p:sp>
+      <p:sp>
+        <p:nvSpPr>
+          <p:cNvPr id="3" name="Content Placeholder 2">
+            <a:extLst>
+              <a:ext uri="{FF2B5EF4-FFF2-40B4-BE49-F238E27FC236}">
+                <a16:creationId xmlns:a16="http://schemas.microsoft.com/office/drawing/2014/main" id="{ABC5981C-B45C-D60C-D242-89AECAEE1F5D}"/>
+              </a:ext>
+            </a:extLst>
+          </p:cNvPr>
+          <p:cNvSpPr>
+            <a:spLocks noGrp="1"/>
+          </p:cNvSpPr>
+          <p:nvPr>
+            <p:ph idx="1"/>
+          </p:nvPr>
+        </p:nvSpPr>
+        <p:spPr>
+          <a:xfrm>
+            <a:off x="5906125" y="959370"/>
+            <a:ext cx="4362743" cy="4569802"/>
+          </a:xfrm>
+        </p:spPr>
+        <p:txBody>
+          <a:bodyPr/>
+          <a:lstStyle/>
+          <a:p>
+            <a:pPr marL="457200" indent="-457200">
+              <a:buFont typeface="+mj-lt"/>
+              <a:buAutoNum type="arabicPeriod"/>
+            </a:pPr>
+            <a:r>
+              <a:rPr lang="en-US" dirty="0"/>
+              <a:t>Logistic Regression Model</a:t>
+            </a:r>
+          </a:p>
+          <a:p>
+            <a:pPr marL="457200" indent="-457200">
+              <a:buFont typeface="+mj-lt"/>
+              <a:buAutoNum type="arabicPeriod"/>
+            </a:pPr>
+            <a:endParaRPr lang="en-US" dirty="0"/>
+          </a:p>
+          <a:p>
+            <a:pPr marL="457200" indent="-457200">
+              <a:buFont typeface="+mj-lt"/>
+              <a:buAutoNum type="arabicPeriod"/>
+            </a:pPr>
+            <a:endParaRPr lang="en-US" dirty="0"/>
+          </a:p>
+          <a:p>
+            <a:pPr marL="457200" indent="-457200">
+              <a:buFont typeface="+mj-lt"/>
+              <a:buAutoNum type="arabicPeriod"/>
+            </a:pPr>
+            <a:endParaRPr lang="en-US" dirty="0"/>
+          </a:p>
+          <a:p>
+            <a:pPr marL="457200" indent="-457200">
+              <a:buFont typeface="+mj-lt"/>
+              <a:buAutoNum type="arabicPeriod"/>
+            </a:pPr>
+            <a:endParaRPr lang="en-US" dirty="0"/>
+          </a:p>
+          <a:p>
+            <a:pPr marL="457200" indent="-457200">
+              <a:buFont typeface="+mj-lt"/>
+              <a:buAutoNum type="arabicPeriod"/>
+            </a:pPr>
+            <a:endParaRPr lang="en-US" dirty="0"/>
+          </a:p>
+          <a:p>
+            <a:pPr marL="457200" indent="-457200">
+              <a:buFont typeface="+mj-lt"/>
+              <a:buAutoNum type="arabicPeriod"/>
+            </a:pPr>
+            <a:r>
+              <a:rPr lang="en-US" dirty="0"/>
+              <a:t>Random Forest Model</a:t>
             </a:r>
           </a:p>
         </p:txBody>
       </p:sp>
       <p:pic>
         <p:nvPicPr>
-          <p:cNvPr id="6" name="Content Placeholder 5">
+          <p:cNvPr id="8" name="Picture 7" descr="A screenshot of a computer&#10;&#10;Description automatically generated">
             <a:extLst>
               <a:ext uri="{FF2B5EF4-FFF2-40B4-BE49-F238E27FC236}">
-                <a16:creationId xmlns:a16="http://schemas.microsoft.com/office/drawing/2014/main" id="{CC6B52CC-4610-C4BB-718D-903A53FE518F}"/>
+                <a16:creationId xmlns:a16="http://schemas.microsoft.com/office/drawing/2014/main" id="{A63F60CA-3759-8B96-82EF-48B3479ED9C5}"/>
               </a:ext>
             </a:extLst>
           </p:cNvPr>
           <p:cNvPicPr>
-            <a:picLocks noGrp="1" noChangeAspect="1"/>
+            <a:picLocks noChangeAspect="1"/>
           </p:cNvPicPr>
-          <p:nvPr>
-            <p:ph sz="half" idx="1"/>
-          </p:nvPr>
+          <p:nvPr/>
         </p:nvPicPr>
-        <p:blipFill>
-          <a:blip r:embed="rId2"/>
-          <a:stretch>
-            <a:fillRect/>
-          </a:stretch>
+        <p:blipFill rotWithShape="1">
+          <a:blip r:embed="rId2">
+            <a:extLst>
+              <a:ext uri="{28A0092B-C50C-407E-A947-70E740481C1C}">
+                <a14:useLocalDpi xmlns:a14="http://schemas.microsoft.com/office/drawing/2010/main" val="0"/>
+              </a:ext>
+            </a:extLst>
+          </a:blip>
+          <a:srcRect r="39249"/>
+          <a:stretch/>
         </p:blipFill>
         <p:spPr>
           <a:xfrm>
-            <a:off x="740978" y="1786759"/>
-            <a:ext cx="5355022" cy="4929351"/>
-          </a:xfrm>
+            <a:off x="5003261" y="1733779"/>
+            <a:ext cx="6454624" cy="1711647"/>
+          </a:xfrm>
+          <a:prstGeom prst="rect">
+            <a:avLst/>
+          </a:prstGeom>
         </p:spPr>
       </p:pic>
-      <p:sp>
-        <p:nvSpPr>
-          <p:cNvPr id="4" name="Content Placeholder 3">
+      <p:pic>
+        <p:nvPicPr>
+          <p:cNvPr id="10" name="Picture 9">
             <a:extLst>
               <a:ext uri="{FF2B5EF4-FFF2-40B4-BE49-F238E27FC236}">
-                <a16:creationId xmlns:a16="http://schemas.microsoft.com/office/drawing/2014/main" id="{5F37D5F8-F5E1-CF10-2780-1A6926F077EF}"/>
+                <a16:creationId xmlns:a16="http://schemas.microsoft.com/office/drawing/2014/main" id="{B1808649-AC5F-71F4-FDF1-C4375422BE4B}"/>
               </a:ext>
             </a:extLst>
           </p:cNvPr>
-          <p:cNvSpPr>
-            <a:spLocks noGrp="1"/>
-          </p:cNvSpPr>
-          <p:nvPr>
-            <p:ph sz="half" idx="2"/>
-          </p:nvPr>
-        </p:nvSpPr>
-        <p:spPr>
-          <a:xfrm>
-            <a:off x="6332482" y="1786759"/>
-            <a:ext cx="5675587" cy="4855779"/>
-          </a:xfrm>
-        </p:spPr>
-        <p:txBody>
-          <a:bodyPr>
-            <a:normAutofit/>
-          </a:bodyPr>
-          <a:lstStyle/>
-          <a:p>
-            <a:r>
-              <a:rPr lang="en-US" dirty="0"/>
-              <a:t>The Body Mass Index (BMI) was broken into 4 different categories; Underweight (&lt;18.5), Healthy (&gt;=18.5 – 25), Overweight (25 – 30), and Obese (&gt;30). </a:t>
-            </a:r>
-          </a:p>
-        </p:txBody>
-      </p:sp>
+          <p:cNvPicPr>
+            <a:picLocks noChangeAspect="1"/>
+          </p:cNvPicPr>
+          <p:nvPr/>
+        </p:nvPicPr>
+        <p:blipFill rotWithShape="1">
+          <a:blip r:embed="rId3">
+            <a:extLst>
+              <a:ext uri="{28A0092B-C50C-407E-A947-70E740481C1C}">
+                <a14:useLocalDpi xmlns:a14="http://schemas.microsoft.com/office/drawing/2010/main" val="0"/>
+              </a:ext>
+            </a:extLst>
+          </a:blip>
+          <a:srcRect r="39249"/>
+          <a:stretch/>
+        </p:blipFill>
+        <p:spPr>
+          <a:xfrm>
+            <a:off x="5003261" y="4629306"/>
+            <a:ext cx="6907280" cy="1252135"/>
+          </a:xfrm>
+          <a:prstGeom prst="rect">
+            <a:avLst/>
+          </a:prstGeom>
+        </p:spPr>
+      </p:pic>
+      <p:cxnSp>
+        <p:nvCxnSpPr>
+          <p:cNvPr id="12" name="Straight Connector 11">
+            <a:extLst>
+              <a:ext uri="{FF2B5EF4-FFF2-40B4-BE49-F238E27FC236}">
+                <a16:creationId xmlns:a16="http://schemas.microsoft.com/office/drawing/2014/main" id="{8650D291-0D3D-ED76-CB97-AADA8437AE80}"/>
+              </a:ext>
+            </a:extLst>
+          </p:cNvPr>
+          <p:cNvCxnSpPr/>
+          <p:nvPr/>
+        </p:nvCxnSpPr>
+        <p:spPr>
+          <a:xfrm>
+            <a:off x="4303776" y="1609344"/>
+            <a:ext cx="0" cy="3755136"/>
+          </a:xfrm>
+          <a:prstGeom prst="line">
+            <a:avLst/>
+          </a:prstGeom>
+          <a:ln w="28575">
+            <a:solidFill>
+              <a:schemeClr val="tx1"/>
+            </a:solidFill>
+          </a:ln>
+        </p:spPr>
+        <p:style>
+          <a:lnRef idx="1">
+            <a:schemeClr val="accent1"/>
+          </a:lnRef>
+          <a:fillRef idx="0">
+            <a:schemeClr val="accent1"/>
+          </a:fillRef>
+          <a:effectRef idx="0">
+            <a:schemeClr val="accent1"/>
+          </a:effectRef>
+          <a:fontRef idx="minor">
+            <a:schemeClr val="tx1"/>
+          </a:fontRef>
+        </p:style>
+      </p:cxnSp>
     </p:spTree>
     <p:extLst>
       <p:ext uri="{BB962C8B-B14F-4D97-AF65-F5344CB8AC3E}">
-        <p14:creationId xmlns:p14="http://schemas.microsoft.com/office/powerpoint/2010/main" val="3091606805"/>
+        <p14:creationId xmlns:p14="http://schemas.microsoft.com/office/powerpoint/2010/main" val="818319046"/>
       </p:ext>
     </p:extLst>
   </p:cSld>
@@ -6675,6 +7910,28 @@
 <file path=ppt/slides/slide5.xml><?xml version="1.0" encoding="utf-8"?>
 <p:sld xmlns:a="http://schemas.openxmlformats.org/drawingml/2006/main" xmlns:r="http://schemas.openxmlformats.org/officeDocument/2006/relationships" xmlns:p="http://schemas.openxmlformats.org/presentationml/2006/main">
   <p:cSld>
+    <p:bg>
+      <p:bgPr>
+        <a:blipFill rotWithShape="1">
+          <a:blip r:embed="rId2">
+            <a:duotone>
+              <a:schemeClr val="bg2">
+                <a:shade val="18000"/>
+                <a:satMod val="160000"/>
+                <a:lumMod val="28000"/>
+              </a:schemeClr>
+              <a:schemeClr val="bg2">
+                <a:tint val="95000"/>
+                <a:satMod val="160000"/>
+                <a:lumMod val="116000"/>
+              </a:schemeClr>
+            </a:duotone>
+          </a:blip>
+          <a:stretch/>
+        </a:blipFill>
+        <a:effectLst/>
+      </p:bgPr>
+    </p:bg>
     <p:spTree>
       <p:nvGrpSpPr>
         <p:cNvPr id="1" name=""/>
@@ -6689,102 +7946,674 @@
           <a:chExt cx="0" cy="0"/>
         </a:xfrm>
       </p:grpSpPr>
-      <p:sp>
-        <p:nvSpPr>
-          <p:cNvPr id="2" name="Title 1">
+      <p:sp useBgFill="1">
+        <p:nvSpPr>
+          <p:cNvPr id="47" name="Rectangle 46">
             <a:extLst>
               <a:ext uri="{FF2B5EF4-FFF2-40B4-BE49-F238E27FC236}">
-                <a16:creationId xmlns:a16="http://schemas.microsoft.com/office/drawing/2014/main" id="{BC24D253-3129-105E-95F1-42860F4AD68E}"/>
+                <a16:creationId xmlns:a16="http://schemas.microsoft.com/office/drawing/2014/main" id="{2824C404-FDA8-4DDB-9D85-52D60D77501A}"/>
+              </a:ext>
+              <a:ext uri="{C183D7F6-B498-43B3-948B-1728B52AA6E4}">
+                <adec:decorative xmlns:adec="http://schemas.microsoft.com/office/drawing/2017/decorative" val="1"/>
               </a:ext>
             </a:extLst>
           </p:cNvPr>
           <p:cNvSpPr>
-            <a:spLocks noGrp="1"/>
-          </p:cNvSpPr>
-          <p:nvPr>
-            <p:ph type="title"/>
-          </p:nvPr>
-        </p:nvSpPr>
-        <p:spPr/>
-        <p:txBody>
-          <a:bodyPr/>
-          <a:lstStyle/>
-          <a:p>
-            <a:r>
-              <a:rPr lang="en-US" dirty="0"/>
-              <a:t>Age by BMI</a:t>
-            </a:r>
+            <a:spLocks noGrp="1" noRot="1" noChangeAspect="1" noMove="1" noResize="1" noEditPoints="1" noAdjustHandles="1" noChangeArrowheads="1" noChangeShapeType="1" noTextEdit="1"/>
+          </p:cNvSpPr>
+          <p:nvPr>
+            <p:extLst>
+              <p:ext uri="{386F3935-93C4-4BCD-93E2-E3B085C9AB24}">
+                <p16:designElem xmlns:p16="http://schemas.microsoft.com/office/powerpoint/2015/main" val="1"/>
+              </p:ext>
+            </p:extLst>
+          </p:nvPr>
+        </p:nvSpPr>
+        <p:spPr>
+          <a:xfrm>
+            <a:off x="0" y="0"/>
+            <a:ext cx="12192000" cy="6858000"/>
+          </a:xfrm>
+          <a:prstGeom prst="rect">
+            <a:avLst/>
+          </a:prstGeom>
+          <a:ln>
+            <a:noFill/>
+          </a:ln>
+        </p:spPr>
+        <p:style>
+          <a:lnRef idx="2">
+            <a:schemeClr val="accent1">
+              <a:shade val="50000"/>
+            </a:schemeClr>
+          </a:lnRef>
+          <a:fillRef idx="1">
+            <a:schemeClr val="accent1"/>
+          </a:fillRef>
+          <a:effectRef idx="0">
+            <a:schemeClr val="accent1"/>
+          </a:effectRef>
+          <a:fontRef idx="minor">
+            <a:schemeClr val="lt1"/>
+          </a:fontRef>
+        </p:style>
+        <p:txBody>
+          <a:bodyPr rtlCol="0" anchor="ctr"/>
+          <a:lstStyle/>
+          <a:p>
+            <a:pPr algn="ctr"/>
+            <a:endParaRPr lang="en-US"/>
+          </a:p>
+        </p:txBody>
+      </p:sp>
+      <p:sp>
+        <p:nvSpPr>
+          <p:cNvPr id="46" name="Rectangle 45">
+            <a:extLst>
+              <a:ext uri="{FF2B5EF4-FFF2-40B4-BE49-F238E27FC236}">
+                <a16:creationId xmlns:a16="http://schemas.microsoft.com/office/drawing/2014/main" id="{10576BAB-9A66-46C6-8A15-DD1B73CDA155}"/>
+              </a:ext>
+              <a:ext uri="{C183D7F6-B498-43B3-948B-1728B52AA6E4}">
+                <adec:decorative xmlns:adec="http://schemas.microsoft.com/office/drawing/2017/decorative" val="1"/>
+              </a:ext>
+            </a:extLst>
+          </p:cNvPr>
+          <p:cNvSpPr>
+            <a:spLocks noGrp="1" noRot="1" noChangeAspect="1" noMove="1" noResize="1" noEditPoints="1" noAdjustHandles="1" noChangeArrowheads="1" noChangeShapeType="1" noTextEdit="1"/>
+          </p:cNvSpPr>
+          <p:nvPr>
+            <p:extLst>
+              <p:ext uri="{386F3935-93C4-4BCD-93E2-E3B085C9AB24}">
+                <p16:designElem xmlns:p16="http://schemas.microsoft.com/office/powerpoint/2015/main" val="1"/>
+              </p:ext>
+            </p:extLst>
+          </p:nvPr>
+        </p:nvSpPr>
+        <p:spPr>
+          <a:xfrm>
+            <a:off x="0" y="0"/>
+            <a:ext cx="12191997" cy="4212693"/>
+          </a:xfrm>
+          <a:prstGeom prst="rect">
+            <a:avLst/>
+          </a:prstGeom>
+          <a:solidFill>
+            <a:schemeClr val="tx1"/>
+          </a:solidFill>
+          <a:ln>
+            <a:noFill/>
+          </a:ln>
+        </p:spPr>
+        <p:style>
+          <a:lnRef idx="2">
+            <a:schemeClr val="accent1">
+              <a:shade val="50000"/>
+            </a:schemeClr>
+          </a:lnRef>
+          <a:fillRef idx="1">
+            <a:schemeClr val="accent1"/>
+          </a:fillRef>
+          <a:effectRef idx="0">
+            <a:schemeClr val="accent1"/>
+          </a:effectRef>
+          <a:fontRef idx="minor">
+            <a:schemeClr val="lt1"/>
+          </a:fontRef>
+        </p:style>
+        <p:txBody>
+          <a:bodyPr rtlCol="0" anchor="ctr"/>
+          <a:lstStyle/>
+          <a:p>
+            <a:pPr algn="ctr"/>
+            <a:endParaRPr lang="en-US"/>
           </a:p>
         </p:txBody>
       </p:sp>
       <p:pic>
         <p:nvPicPr>
-          <p:cNvPr id="5" name="Content Placeholder 4">
+          <p:cNvPr id="11" name="Content Placeholder 10" descr="A screenshot of a computer&#10;&#10;Description automatically generated">
             <a:extLst>
               <a:ext uri="{FF2B5EF4-FFF2-40B4-BE49-F238E27FC236}">
-                <a16:creationId xmlns:a16="http://schemas.microsoft.com/office/drawing/2014/main" id="{AC09B623-63E1-0722-ACC0-1E8F9F01C9C3}"/>
+                <a16:creationId xmlns:a16="http://schemas.microsoft.com/office/drawing/2014/main" id="{27D4864E-90CA-F33B-A5C0-9A5CA2B57D48}"/>
               </a:ext>
             </a:extLst>
           </p:cNvPr>
           <p:cNvPicPr>
-            <a:picLocks noGrp="1" noChangeAspect="1"/>
+            <a:picLocks noChangeAspect="1"/>
           </p:cNvPicPr>
-          <p:nvPr>
-            <p:ph idx="1"/>
-          </p:nvPr>
+          <p:nvPr/>
         </p:nvPicPr>
         <p:blipFill>
-          <a:blip r:embed="rId2"/>
+          <a:blip r:embed="rId3">
+            <a:extLst>
+              <a:ext uri="{28A0092B-C50C-407E-A947-70E740481C1C}">
+                <a14:useLocalDpi xmlns:a14="http://schemas.microsoft.com/office/drawing/2010/main" val="0"/>
+              </a:ext>
+            </a:extLst>
+          </a:blip>
           <a:stretch>
             <a:fillRect/>
           </a:stretch>
         </p:blipFill>
         <p:spPr>
           <a:xfrm>
-            <a:off x="309990" y="1935921"/>
-            <a:ext cx="8492424" cy="4683673"/>
-          </a:xfrm>
+            <a:off x="297267" y="284813"/>
+            <a:ext cx="5513307" cy="3611217"/>
+          </a:xfrm>
+          <a:prstGeom prst="rect">
+            <a:avLst/>
+          </a:prstGeom>
         </p:spPr>
       </p:pic>
-      <p:sp>
-        <p:nvSpPr>
-          <p:cNvPr id="6" name="TextBox 5">
+      <p:cxnSp>
+        <p:nvCxnSpPr>
+          <p:cNvPr id="48" name="Straight Connector 47">
             <a:extLst>
               <a:ext uri="{FF2B5EF4-FFF2-40B4-BE49-F238E27FC236}">
-                <a16:creationId xmlns:a16="http://schemas.microsoft.com/office/drawing/2014/main" id="{948662B6-9051-0D01-2545-0F3DCA3C731F}"/>
+                <a16:creationId xmlns:a16="http://schemas.microsoft.com/office/drawing/2014/main" id="{65CD85AE-D994-4B11-BE24-C38EB7B9E8CC}"/>
+              </a:ext>
+              <a:ext uri="{C183D7F6-B498-43B3-948B-1728B52AA6E4}">
+                <adec:decorative xmlns:adec="http://schemas.microsoft.com/office/drawing/2017/decorative" val="1"/>
               </a:ext>
             </a:extLst>
           </p:cNvPr>
-          <p:cNvSpPr txBox="1"/>
+          <p:cNvCxnSpPr>
+            <a:cxnSpLocks noGrp="1" noRot="1" noChangeAspect="1" noMove="1" noResize="1" noEditPoints="1" noAdjustHandles="1" noChangeArrowheads="1" noChangeShapeType="1"/>
+          </p:cNvCxnSpPr>
+          <p:nvPr>
+            <p:extLst>
+              <p:ext uri="{386F3935-93C4-4BCD-93E2-E3B085C9AB24}">
+                <p16:designElem xmlns:p16="http://schemas.microsoft.com/office/powerpoint/2015/main" val="1"/>
+              </p:ext>
+            </p:extLst>
+          </p:nvPr>
+        </p:nvCxnSpPr>
+        <p:spPr>
+          <a:xfrm>
+            <a:off x="6096000" y="1154913"/>
+            <a:ext cx="0" cy="2083837"/>
+          </a:xfrm>
+          <a:prstGeom prst="line">
+            <a:avLst/>
+          </a:prstGeom>
+          <a:ln w="19050">
+            <a:solidFill>
+              <a:schemeClr val="bg1">
+                <a:lumMod val="85000"/>
+                <a:lumOff val="15000"/>
+              </a:schemeClr>
+            </a:solidFill>
+          </a:ln>
+        </p:spPr>
+        <p:style>
+          <a:lnRef idx="1">
+            <a:schemeClr val="accent1"/>
+          </a:lnRef>
+          <a:fillRef idx="0">
+            <a:schemeClr val="accent1"/>
+          </a:fillRef>
+          <a:effectRef idx="0">
+            <a:schemeClr val="accent1"/>
+          </a:effectRef>
+          <a:fontRef idx="minor">
+            <a:schemeClr val="tx1"/>
+          </a:fontRef>
+        </p:style>
+      </p:cxnSp>
+      <p:pic>
+        <p:nvPicPr>
+          <p:cNvPr id="13" name="Picture 12" descr="A screenshot of a report&#10;&#10;Description automatically generated">
+            <a:extLst>
+              <a:ext uri="{FF2B5EF4-FFF2-40B4-BE49-F238E27FC236}">
+                <a16:creationId xmlns:a16="http://schemas.microsoft.com/office/drawing/2014/main" id="{7AC7CF51-0E0B-C0A9-3C47-254A76D34F64}"/>
+              </a:ext>
+            </a:extLst>
+          </p:cNvPr>
+          <p:cNvPicPr>
+            <a:picLocks noChangeAspect="1"/>
+          </p:cNvPicPr>
           <p:nvPr/>
-        </p:nvSpPr>
-        <p:spPr>
-          <a:xfrm>
-            <a:off x="9217572" y="1935921"/>
-            <a:ext cx="2643352" cy="1754326"/>
+        </p:nvPicPr>
+        <p:blipFill>
+          <a:blip r:embed="rId4">
+            <a:extLst>
+              <a:ext uri="{28A0092B-C50C-407E-A947-70E740481C1C}">
+                <a14:useLocalDpi xmlns:a14="http://schemas.microsoft.com/office/drawing/2010/main" val="0"/>
+              </a:ext>
+            </a:extLst>
+          </a:blip>
+          <a:stretch>
+            <a:fillRect/>
+          </a:stretch>
+        </p:blipFill>
+        <p:spPr>
+          <a:xfrm>
+            <a:off x="6496433" y="231998"/>
+            <a:ext cx="5792899" cy="3664009"/>
           </a:xfrm>
           <a:prstGeom prst="rect">
             <a:avLst/>
           </a:prstGeom>
-          <a:noFill/>
-        </p:spPr>
-        <p:txBody>
-          <a:bodyPr wrap="square" rtlCol="0">
-            <a:spAutoFit/>
+        </p:spPr>
+      </p:pic>
+      <p:sp>
+        <p:nvSpPr>
+          <p:cNvPr id="41" name="Content Placeholder 40">
+            <a:extLst>
+              <a:ext uri="{FF2B5EF4-FFF2-40B4-BE49-F238E27FC236}">
+                <a16:creationId xmlns:a16="http://schemas.microsoft.com/office/drawing/2014/main" id="{3427B1D7-DA0E-63A0-6178-FFE98C28AE0D}"/>
+              </a:ext>
+            </a:extLst>
+          </p:cNvPr>
+          <p:cNvSpPr>
+            <a:spLocks noGrp="1"/>
+          </p:cNvSpPr>
+          <p:nvPr>
+            <p:ph idx="1"/>
+          </p:nvPr>
+        </p:nvSpPr>
+        <p:spPr>
+          <a:xfrm>
+            <a:off x="7647970" y="4326819"/>
+            <a:ext cx="3489824" cy="952318"/>
+          </a:xfrm>
+        </p:spPr>
+        <p:txBody>
+          <a:bodyPr anchor="ctr">
+            <a:normAutofit/>
           </a:bodyPr>
           <a:lstStyle/>
           <a:p>
+            <a:pPr marL="0" indent="0">
+              <a:buNone/>
+            </a:pPr>
             <a:r>
               <a:rPr lang="en-US" dirty="0"/>
-              <a:t>The majority of our sample were considered Obese. The majority of individuals were between 20 and 30 years old.</a:t>
-            </a:r>
+              <a:t>First random forest model.</a:t>
+            </a:r>
+          </a:p>
+        </p:txBody>
+      </p:sp>
+      <p:sp>
+        <p:nvSpPr>
+          <p:cNvPr id="14" name="Content Placeholder 40">
+            <a:extLst>
+              <a:ext uri="{FF2B5EF4-FFF2-40B4-BE49-F238E27FC236}">
+                <a16:creationId xmlns:a16="http://schemas.microsoft.com/office/drawing/2014/main" id="{2E7C2750-D18A-AD6F-95DA-0D2B1F8F96BE}"/>
+              </a:ext>
+            </a:extLst>
+          </p:cNvPr>
+          <p:cNvSpPr txBox="1">
+            <a:spLocks/>
+          </p:cNvSpPr>
+          <p:nvPr/>
+        </p:nvSpPr>
+        <p:spPr>
+          <a:xfrm>
+            <a:off x="741678" y="4326819"/>
+            <a:ext cx="4624484" cy="952318"/>
+          </a:xfrm>
+          <a:prstGeom prst="rect">
+            <a:avLst/>
+          </a:prstGeom>
+        </p:spPr>
+        <p:txBody>
+          <a:bodyPr vert="horz" lIns="91440" tIns="45720" rIns="91440" bIns="45720" rtlCol="0" anchor="ctr">
+            <a:normAutofit/>
+          </a:bodyPr>
+          <a:lstStyle>
+            <a:lvl1pPr marL="228600" indent="-228600" algn="l" defTabSz="914400" rtl="0" eaLnBrk="1" latinLnBrk="0" hangingPunct="1">
+              <a:lnSpc>
+                <a:spcPct val="120000"/>
+              </a:lnSpc>
+              <a:spcBef>
+                <a:spcPts val="1000"/>
+              </a:spcBef>
+              <a:buFont typeface="Arial" panose="020B0604020202020204" pitchFamily="34" charset="0"/>
+              <a:buChar char="•"/>
+              <a:defRPr sz="2000" kern="1200">
+                <a:solidFill>
+                  <a:schemeClr val="tx1"/>
+                </a:solidFill>
+                <a:effectLst>
+                  <a:outerShdw blurRad="50800" dist="38100" dir="2700000" algn="tl" rotWithShape="0">
+                    <a:srgbClr val="000000">
+                      <a:alpha val="48000"/>
+                    </a:srgbClr>
+                  </a:outerShdw>
+                </a:effectLst>
+                <a:latin typeface="+mn-lt"/>
+                <a:ea typeface="+mn-ea"/>
+                <a:cs typeface="+mn-cs"/>
+              </a:defRPr>
+            </a:lvl1pPr>
+            <a:lvl2pPr marL="685800" indent="-228600" algn="l" defTabSz="914400" rtl="0" eaLnBrk="1" latinLnBrk="0" hangingPunct="1">
+              <a:lnSpc>
+                <a:spcPct val="120000"/>
+              </a:lnSpc>
+              <a:spcBef>
+                <a:spcPts val="500"/>
+              </a:spcBef>
+              <a:buFont typeface="Arial" panose="020B0604020202020204" pitchFamily="34" charset="0"/>
+              <a:buChar char="•"/>
+              <a:defRPr sz="1800" kern="1200">
+                <a:solidFill>
+                  <a:schemeClr val="tx1"/>
+                </a:solidFill>
+                <a:effectLst>
+                  <a:outerShdw blurRad="50800" dist="38100" dir="2700000" algn="tl" rotWithShape="0">
+                    <a:srgbClr val="000000">
+                      <a:alpha val="48000"/>
+                    </a:srgbClr>
+                  </a:outerShdw>
+                </a:effectLst>
+                <a:latin typeface="+mn-lt"/>
+                <a:ea typeface="+mn-ea"/>
+                <a:cs typeface="+mn-cs"/>
+              </a:defRPr>
+            </a:lvl2pPr>
+            <a:lvl3pPr marL="1143000" indent="-228600" algn="l" defTabSz="914400" rtl="0" eaLnBrk="1" latinLnBrk="0" hangingPunct="1">
+              <a:lnSpc>
+                <a:spcPct val="120000"/>
+              </a:lnSpc>
+              <a:spcBef>
+                <a:spcPts val="500"/>
+              </a:spcBef>
+              <a:buFont typeface="Arial" panose="020B0604020202020204" pitchFamily="34" charset="0"/>
+              <a:buChar char="•"/>
+              <a:defRPr sz="1600" kern="1200">
+                <a:solidFill>
+                  <a:schemeClr val="tx1"/>
+                </a:solidFill>
+                <a:effectLst>
+                  <a:outerShdw blurRad="50800" dist="38100" dir="2700000" algn="tl" rotWithShape="0">
+                    <a:srgbClr val="000000">
+                      <a:alpha val="48000"/>
+                    </a:srgbClr>
+                  </a:outerShdw>
+                </a:effectLst>
+                <a:latin typeface="+mn-lt"/>
+                <a:ea typeface="+mn-ea"/>
+                <a:cs typeface="+mn-cs"/>
+              </a:defRPr>
+            </a:lvl3pPr>
+            <a:lvl4pPr marL="1600200" indent="-228600" algn="l" defTabSz="914400" rtl="0" eaLnBrk="1" latinLnBrk="0" hangingPunct="1">
+              <a:lnSpc>
+                <a:spcPct val="120000"/>
+              </a:lnSpc>
+              <a:spcBef>
+                <a:spcPts val="500"/>
+              </a:spcBef>
+              <a:buFont typeface="Arial" panose="020B0604020202020204" pitchFamily="34" charset="0"/>
+              <a:buChar char="•"/>
+              <a:defRPr sz="1400" kern="1200">
+                <a:solidFill>
+                  <a:schemeClr val="tx1"/>
+                </a:solidFill>
+                <a:effectLst>
+                  <a:outerShdw blurRad="50800" dist="38100" dir="2700000" algn="tl" rotWithShape="0">
+                    <a:srgbClr val="000000">
+                      <a:alpha val="48000"/>
+                    </a:srgbClr>
+                  </a:outerShdw>
+                </a:effectLst>
+                <a:latin typeface="+mn-lt"/>
+                <a:ea typeface="+mn-ea"/>
+                <a:cs typeface="+mn-cs"/>
+              </a:defRPr>
+            </a:lvl4pPr>
+            <a:lvl5pPr marL="2057400" indent="-228600" algn="l" defTabSz="914400" rtl="0" eaLnBrk="1" latinLnBrk="0" hangingPunct="1">
+              <a:lnSpc>
+                <a:spcPct val="120000"/>
+              </a:lnSpc>
+              <a:spcBef>
+                <a:spcPts val="500"/>
+              </a:spcBef>
+              <a:buFont typeface="Arial" panose="020B0604020202020204" pitchFamily="34" charset="0"/>
+              <a:buChar char="•"/>
+              <a:defRPr sz="1200" kern="1200">
+                <a:solidFill>
+                  <a:schemeClr val="tx1"/>
+                </a:solidFill>
+                <a:effectLst>
+                  <a:outerShdw blurRad="50800" dist="38100" dir="2700000" algn="tl" rotWithShape="0">
+                    <a:srgbClr val="000000">
+                      <a:alpha val="48000"/>
+                    </a:srgbClr>
+                  </a:outerShdw>
+                </a:effectLst>
+                <a:latin typeface="+mn-lt"/>
+                <a:ea typeface="+mn-ea"/>
+                <a:cs typeface="+mn-cs"/>
+              </a:defRPr>
+            </a:lvl5pPr>
+            <a:lvl6pPr marL="2514600" indent="-228600" algn="l" defTabSz="914400" rtl="0" eaLnBrk="1" latinLnBrk="0" hangingPunct="1">
+              <a:lnSpc>
+                <a:spcPct val="120000"/>
+              </a:lnSpc>
+              <a:spcBef>
+                <a:spcPts val="500"/>
+              </a:spcBef>
+              <a:buFont typeface="Arial" panose="020B0604020202020204" pitchFamily="34" charset="0"/>
+              <a:buChar char="•"/>
+              <a:defRPr sz="1200" kern="1200">
+                <a:solidFill>
+                  <a:schemeClr val="tx1"/>
+                </a:solidFill>
+                <a:effectLst>
+                  <a:outerShdw blurRad="50800" dist="38100" dir="2700000" algn="tl" rotWithShape="0">
+                    <a:srgbClr val="000000">
+                      <a:alpha val="48000"/>
+                    </a:srgbClr>
+                  </a:outerShdw>
+                </a:effectLst>
+                <a:latin typeface="+mn-lt"/>
+                <a:ea typeface="+mn-ea"/>
+                <a:cs typeface="+mn-cs"/>
+              </a:defRPr>
+            </a:lvl6pPr>
+            <a:lvl7pPr marL="2971800" indent="-228600" algn="l" defTabSz="914400" rtl="0" eaLnBrk="1" latinLnBrk="0" hangingPunct="1">
+              <a:lnSpc>
+                <a:spcPct val="120000"/>
+              </a:lnSpc>
+              <a:spcBef>
+                <a:spcPts val="500"/>
+              </a:spcBef>
+              <a:buFont typeface="Arial" panose="020B0604020202020204" pitchFamily="34" charset="0"/>
+              <a:buChar char="•"/>
+              <a:defRPr sz="1200" kern="1200">
+                <a:solidFill>
+                  <a:schemeClr val="tx1"/>
+                </a:solidFill>
+                <a:effectLst>
+                  <a:outerShdw blurRad="50800" dist="38100" dir="2700000" algn="tl" rotWithShape="0">
+                    <a:srgbClr val="000000">
+                      <a:alpha val="48000"/>
+                    </a:srgbClr>
+                  </a:outerShdw>
+                </a:effectLst>
+                <a:latin typeface="+mn-lt"/>
+                <a:ea typeface="+mn-ea"/>
+                <a:cs typeface="+mn-cs"/>
+              </a:defRPr>
+            </a:lvl7pPr>
+            <a:lvl8pPr marL="3429000" indent="-228600" algn="l" defTabSz="914400" rtl="0" eaLnBrk="1" latinLnBrk="0" hangingPunct="1">
+              <a:lnSpc>
+                <a:spcPct val="120000"/>
+              </a:lnSpc>
+              <a:spcBef>
+                <a:spcPts val="500"/>
+              </a:spcBef>
+              <a:buFont typeface="Arial" panose="020B0604020202020204" pitchFamily="34" charset="0"/>
+              <a:buChar char="•"/>
+              <a:defRPr sz="1200" kern="1200">
+                <a:solidFill>
+                  <a:schemeClr val="tx1"/>
+                </a:solidFill>
+                <a:effectLst>
+                  <a:outerShdw blurRad="50800" dist="38100" dir="2700000" algn="tl" rotWithShape="0">
+                    <a:srgbClr val="000000">
+                      <a:alpha val="48000"/>
+                    </a:srgbClr>
+                  </a:outerShdw>
+                </a:effectLst>
+                <a:latin typeface="+mn-lt"/>
+                <a:ea typeface="+mn-ea"/>
+                <a:cs typeface="+mn-cs"/>
+              </a:defRPr>
+            </a:lvl8pPr>
+            <a:lvl9pPr marL="3886200" indent="-228600" algn="l" defTabSz="914400" rtl="0" eaLnBrk="1" latinLnBrk="0" hangingPunct="1">
+              <a:lnSpc>
+                <a:spcPct val="120000"/>
+              </a:lnSpc>
+              <a:spcBef>
+                <a:spcPts val="500"/>
+              </a:spcBef>
+              <a:buFont typeface="Arial" panose="020B0604020202020204" pitchFamily="34" charset="0"/>
+              <a:buChar char="•"/>
+              <a:defRPr sz="1200" kern="1200">
+                <a:solidFill>
+                  <a:schemeClr val="tx1"/>
+                </a:solidFill>
+                <a:effectLst>
+                  <a:outerShdw blurRad="50800" dist="38100" dir="2700000" algn="tl" rotWithShape="0">
+                    <a:srgbClr val="000000">
+                      <a:alpha val="48000"/>
+                    </a:srgbClr>
+                  </a:outerShdw>
+                </a:effectLst>
+                <a:latin typeface="+mn-lt"/>
+                <a:ea typeface="+mn-ea"/>
+                <a:cs typeface="+mn-cs"/>
+              </a:defRPr>
+            </a:lvl9pPr>
+          </a:lstStyle>
+          <a:p>
+            <a:pPr marL="0" indent="0">
+              <a:buFont typeface="Arial" panose="020B0604020202020204" pitchFamily="34" charset="0"/>
+              <a:buNone/>
+            </a:pPr>
+            <a:r>
+              <a:rPr lang="en-US" dirty="0"/>
+              <a:t>Optimized logistic regression model.</a:t>
+            </a:r>
+          </a:p>
+        </p:txBody>
+      </p:sp>
+      <p:sp>
+        <p:nvSpPr>
+          <p:cNvPr id="17" name="Frame 16">
+            <a:extLst>
+              <a:ext uri="{FF2B5EF4-FFF2-40B4-BE49-F238E27FC236}">
+                <a16:creationId xmlns:a16="http://schemas.microsoft.com/office/drawing/2014/main" id="{A0659C0F-791D-A9AF-AACC-320FA9EC4AEE}"/>
+              </a:ext>
+            </a:extLst>
+          </p:cNvPr>
+          <p:cNvSpPr/>
+          <p:nvPr/>
+        </p:nvSpPr>
+        <p:spPr>
+          <a:xfrm>
+            <a:off x="8154649" y="1693889"/>
+            <a:ext cx="884420" cy="314793"/>
+          </a:xfrm>
+          <a:prstGeom prst="frame">
+            <a:avLst/>
+          </a:prstGeom>
+          <a:ln w="28575">
+            <a:solidFill>
+              <a:srgbClr val="FFFF00"/>
+            </a:solidFill>
+          </a:ln>
+        </p:spPr>
+        <p:style>
+          <a:lnRef idx="2">
+            <a:schemeClr val="accent1">
+              <a:shade val="15000"/>
+            </a:schemeClr>
+          </a:lnRef>
+          <a:fillRef idx="1">
+            <a:schemeClr val="accent1"/>
+          </a:fillRef>
+          <a:effectRef idx="0">
+            <a:schemeClr val="accent1"/>
+          </a:effectRef>
+          <a:fontRef idx="minor">
+            <a:schemeClr val="lt1"/>
+          </a:fontRef>
+        </p:style>
+        <p:txBody>
+          <a:bodyPr rtlCol="0" anchor="ctr"/>
+          <a:lstStyle/>
+          <a:p>
+            <a:pPr algn="ctr"/>
+            <a:endParaRPr lang="en-US">
+              <a:solidFill>
+                <a:schemeClr val="tx1"/>
+              </a:solidFill>
+            </a:endParaRPr>
+          </a:p>
+        </p:txBody>
+      </p:sp>
+      <p:sp>
+        <p:nvSpPr>
+          <p:cNvPr id="19" name="Frame 18">
+            <a:extLst>
+              <a:ext uri="{FF2B5EF4-FFF2-40B4-BE49-F238E27FC236}">
+                <a16:creationId xmlns:a16="http://schemas.microsoft.com/office/drawing/2014/main" id="{F74D06D8-B0C3-BDEE-FCAE-A73C9246EE5D}"/>
+              </a:ext>
+            </a:extLst>
+          </p:cNvPr>
+          <p:cNvSpPr/>
+          <p:nvPr/>
+        </p:nvSpPr>
+        <p:spPr>
+          <a:xfrm>
+            <a:off x="1784430" y="1693889"/>
+            <a:ext cx="1916244" cy="312293"/>
+          </a:xfrm>
+          <a:prstGeom prst="frame">
+            <a:avLst/>
+          </a:prstGeom>
+          <a:ln w="28575">
+            <a:solidFill>
+              <a:srgbClr val="FFFF00"/>
+            </a:solidFill>
+          </a:ln>
+        </p:spPr>
+        <p:style>
+          <a:lnRef idx="2">
+            <a:schemeClr val="accent1">
+              <a:shade val="15000"/>
+            </a:schemeClr>
+          </a:lnRef>
+          <a:fillRef idx="1">
+            <a:schemeClr val="accent1"/>
+          </a:fillRef>
+          <a:effectRef idx="0">
+            <a:schemeClr val="accent1"/>
+          </a:effectRef>
+          <a:fontRef idx="minor">
+            <a:schemeClr val="lt1"/>
+          </a:fontRef>
+        </p:style>
+        <p:txBody>
+          <a:bodyPr rtlCol="0" anchor="ctr"/>
+          <a:lstStyle/>
+          <a:p>
+            <a:pPr algn="ctr"/>
+            <a:endParaRPr lang="en-US">
+              <a:solidFill>
+                <a:schemeClr val="tx1"/>
+              </a:solidFill>
+            </a:endParaRPr>
           </a:p>
         </p:txBody>
       </p:sp>
     </p:spTree>
     <p:extLst>
       <p:ext uri="{BB962C8B-B14F-4D97-AF65-F5344CB8AC3E}">
-        <p14:creationId xmlns:p14="http://schemas.microsoft.com/office/powerpoint/2010/main" val="77643468"/>
+        <p14:creationId xmlns:p14="http://schemas.microsoft.com/office/powerpoint/2010/main" val="3122957541"/>
       </p:ext>
     </p:extLst>
   </p:cSld>
@@ -6797,6 +8626,14 @@
 <file path=ppt/slides/slide6.xml><?xml version="1.0" encoding="utf-8"?>
 <p:sld xmlns:a="http://schemas.openxmlformats.org/drawingml/2006/main" xmlns:r="http://schemas.openxmlformats.org/officeDocument/2006/relationships" xmlns:p="http://schemas.openxmlformats.org/presentationml/2006/main">
   <p:cSld>
+    <p:bg>
+      <p:bgPr>
+        <a:solidFill>
+          <a:schemeClr val="bg1"/>
+        </a:solidFill>
+        <a:effectLst/>
+      </p:bgPr>
+    </p:bg>
     <p:spTree>
       <p:nvGrpSpPr>
         <p:cNvPr id="1" name=""/>
@@ -6813,10 +8650,70 @@
       </p:grpSpPr>
       <p:sp>
         <p:nvSpPr>
+          <p:cNvPr id="9" name="Rectangle 8">
+            <a:extLst>
+              <a:ext uri="{FF2B5EF4-FFF2-40B4-BE49-F238E27FC236}">
+                <a16:creationId xmlns:a16="http://schemas.microsoft.com/office/drawing/2014/main" id="{09A5E449-B95D-46A6-9234-5477BCBAD6CE}"/>
+              </a:ext>
+              <a:ext uri="{C183D7F6-B498-43B3-948B-1728B52AA6E4}">
+                <adec:decorative xmlns:adec="http://schemas.microsoft.com/office/drawing/2017/decorative" val="1"/>
+              </a:ext>
+            </a:extLst>
+          </p:cNvPr>
+          <p:cNvSpPr>
+            <a:spLocks noGrp="1" noRot="1" noChangeAspect="1" noMove="1" noResize="1" noEditPoints="1" noAdjustHandles="1" noChangeArrowheads="1" noChangeShapeType="1" noTextEdit="1"/>
+          </p:cNvSpPr>
+          <p:nvPr>
+            <p:extLst>
+              <p:ext uri="{386F3935-93C4-4BCD-93E2-E3B085C9AB24}">
+                <p16:designElem xmlns:p16="http://schemas.microsoft.com/office/powerpoint/2015/main" val="1"/>
+              </p:ext>
+            </p:extLst>
+          </p:nvPr>
+        </p:nvSpPr>
+        <p:spPr>
+          <a:xfrm>
+            <a:off x="0" y="0"/>
+            <a:ext cx="12192000" cy="6858000"/>
+          </a:xfrm>
+          <a:prstGeom prst="rect">
+            <a:avLst/>
+          </a:prstGeom>
+          <a:ln>
+            <a:noFill/>
+          </a:ln>
+        </p:spPr>
+        <p:style>
+          <a:lnRef idx="2">
+            <a:schemeClr val="accent1">
+              <a:shade val="50000"/>
+            </a:schemeClr>
+          </a:lnRef>
+          <a:fillRef idx="1003">
+            <a:schemeClr val="dk2"/>
+          </a:fillRef>
+          <a:effectRef idx="0">
+            <a:schemeClr val="accent1"/>
+          </a:effectRef>
+          <a:fontRef idx="minor">
+            <a:schemeClr val="lt1"/>
+          </a:fontRef>
+        </p:style>
+        <p:txBody>
+          <a:bodyPr rtlCol="0" anchor="ctr"/>
+          <a:lstStyle/>
+          <a:p>
+            <a:pPr algn="ctr"/>
+            <a:endParaRPr lang="en-US"/>
+          </a:p>
+        </p:txBody>
+      </p:sp>
+      <p:sp>
+        <p:nvSpPr>
           <p:cNvPr id="2" name="Title 1">
             <a:extLst>
               <a:ext uri="{FF2B5EF4-FFF2-40B4-BE49-F238E27FC236}">
-                <a16:creationId xmlns:a16="http://schemas.microsoft.com/office/drawing/2014/main" id="{3EAE3C81-2B2E-9849-5185-C8B15BE7CF3A}"/>
+                <a16:creationId xmlns:a16="http://schemas.microsoft.com/office/drawing/2014/main" id="{0B26EFEB-4CD0-B251-B601-C1C103438C1A}"/>
               </a:ext>
             </a:extLst>
           </p:cNvPr>
@@ -6827,76 +8724,261 @@
             <p:ph type="title"/>
           </p:nvPr>
         </p:nvSpPr>
-        <p:spPr/>
-        <p:txBody>
-          <a:bodyPr/>
-          <a:lstStyle/>
-          <a:p>
-            <a:r>
-              <a:rPr lang="en-US" dirty="0"/>
-              <a:t>Blood Sugar Pressure</a:t>
-            </a:r>
+        <p:spPr>
+          <a:xfrm>
+            <a:off x="7859488" y="609600"/>
+            <a:ext cx="3408068" cy="1326321"/>
+          </a:xfrm>
+        </p:spPr>
+        <p:txBody>
+          <a:bodyPr>
+            <a:normAutofit/>
+          </a:bodyPr>
+          <a:lstStyle/>
+          <a:p>
+            <a:r>
+              <a:rPr lang="en-US" sz="2800" dirty="0">
+                <a:solidFill>
+                  <a:srgbClr val="FFFFFF"/>
+                </a:solidFill>
+              </a:rPr>
+              <a:t>Final model</a:t>
+            </a:r>
+          </a:p>
+        </p:txBody>
+      </p:sp>
+      <p:sp>
+        <p:nvSpPr>
+          <p:cNvPr id="11" name="Rectangle 10">
+            <a:extLst>
+              <a:ext uri="{FF2B5EF4-FFF2-40B4-BE49-F238E27FC236}">
+                <a16:creationId xmlns:a16="http://schemas.microsoft.com/office/drawing/2014/main" id="{57B113FE-00ED-4DFD-B853-285DBAE33FCF}"/>
+              </a:ext>
+              <a:ext uri="{C183D7F6-B498-43B3-948B-1728B52AA6E4}">
+                <adec:decorative xmlns:adec="http://schemas.microsoft.com/office/drawing/2017/decorative" val="1"/>
+              </a:ext>
+            </a:extLst>
+          </p:cNvPr>
+          <p:cNvSpPr>
+            <a:spLocks noGrp="1" noRot="1" noChangeAspect="1" noMove="1" noResize="1" noEditPoints="1" noAdjustHandles="1" noChangeArrowheads="1" noChangeShapeType="1" noTextEdit="1"/>
+          </p:cNvSpPr>
+          <p:nvPr>
+            <p:extLst>
+              <p:ext uri="{386F3935-93C4-4BCD-93E2-E3B085C9AB24}">
+                <p16:designElem xmlns:p16="http://schemas.microsoft.com/office/powerpoint/2015/main" val="1"/>
+              </p:ext>
+            </p:extLst>
+          </p:nvPr>
+        </p:nvSpPr>
+        <p:spPr>
+          <a:xfrm>
+            <a:off x="752475" y="733425"/>
+            <a:ext cx="6696075" cy="5391150"/>
+          </a:xfrm>
+          <a:prstGeom prst="rect">
+            <a:avLst/>
+          </a:prstGeom>
+          <a:solidFill>
+            <a:schemeClr val="bg1"/>
+          </a:solidFill>
+          <a:ln w="190500" cap="sq">
+            <a:solidFill>
+              <a:schemeClr val="bg1"/>
+            </a:solidFill>
+            <a:miter lim="800000"/>
+          </a:ln>
+          <a:effectLst>
+            <a:outerShdw blurRad="54991" dist="17780" dir="5400000" algn="ctr" rotWithShape="0">
+              <a:schemeClr val="bg1">
+                <a:alpha val="40000"/>
+              </a:schemeClr>
+            </a:outerShdw>
+          </a:effectLst>
+          <a:scene3d>
+            <a:camera prst="orthographicFront"/>
+            <a:lightRig rig="twoPt" dir="t">
+              <a:rot lat="0" lon="0" rev="7200000"/>
+            </a:lightRig>
+          </a:scene3d>
+          <a:sp3d>
+            <a:bevelT w="25400" h="19050"/>
+          </a:sp3d>
+        </p:spPr>
+        <p:style>
+          <a:lnRef idx="2">
+            <a:schemeClr val="accent1">
+              <a:shade val="50000"/>
+            </a:schemeClr>
+          </a:lnRef>
+          <a:fillRef idx="1">
+            <a:schemeClr val="accent1"/>
+          </a:fillRef>
+          <a:effectRef idx="0">
+            <a:schemeClr val="accent1"/>
+          </a:effectRef>
+          <a:fontRef idx="minor">
+            <a:schemeClr val="lt1"/>
+          </a:fontRef>
+        </p:style>
+        <p:txBody>
+          <a:bodyPr rtlCol="0" anchor="ctr"/>
+          <a:lstStyle/>
+          <a:p>
+            <a:pPr algn="ctr"/>
+            <a:endParaRPr lang="en-US"/>
           </a:p>
         </p:txBody>
       </p:sp>
       <p:pic>
         <p:nvPicPr>
-          <p:cNvPr id="6" name="Content Placeholder 5">
+          <p:cNvPr id="4" name="Content Placeholder 4" descr="A screenshot of a computer&#10;&#10;Description automatically generated">
             <a:extLst>
               <a:ext uri="{FF2B5EF4-FFF2-40B4-BE49-F238E27FC236}">
-                <a16:creationId xmlns:a16="http://schemas.microsoft.com/office/drawing/2014/main" id="{A0D4BF55-C707-0573-93A2-B81412017725}"/>
+                <a16:creationId xmlns:a16="http://schemas.microsoft.com/office/drawing/2014/main" id="{E7BB0003-D51A-795E-3286-548A130BFEEE}"/>
               </a:ext>
             </a:extLst>
           </p:cNvPr>
           <p:cNvPicPr>
-            <a:picLocks noGrp="1" noChangeAspect="1"/>
+            <a:picLocks noChangeAspect="1"/>
           </p:cNvPicPr>
-          <p:nvPr>
-            <p:ph sz="half" idx="1"/>
-          </p:nvPr>
+          <p:nvPr/>
         </p:nvPicPr>
         <p:blipFill>
-          <a:blip r:embed="rId2"/>
+          <a:blip r:embed="rId2">
+            <a:extLst>
+              <a:ext uri="{28A0092B-C50C-407E-A947-70E740481C1C}">
+                <a14:useLocalDpi xmlns:a14="http://schemas.microsoft.com/office/drawing/2010/main" val="0"/>
+              </a:ext>
+            </a:extLst>
+          </a:blip>
           <a:stretch>
             <a:fillRect/>
           </a:stretch>
         </p:blipFill>
         <p:spPr>
           <a:xfrm>
-            <a:off x="677917" y="1991711"/>
-            <a:ext cx="5202621" cy="4755930"/>
-          </a:xfrm>
+            <a:off x="1137490" y="1436368"/>
+            <a:ext cx="5926045" cy="3985265"/>
+          </a:xfrm>
+          <a:prstGeom prst="rect">
+            <a:avLst/>
+          </a:prstGeom>
         </p:spPr>
       </p:pic>
       <p:sp>
         <p:nvSpPr>
-          <p:cNvPr id="4" name="Content Placeholder 3">
+          <p:cNvPr id="13" name="Rectangle 12">
             <a:extLst>
               <a:ext uri="{FF2B5EF4-FFF2-40B4-BE49-F238E27FC236}">
-                <a16:creationId xmlns:a16="http://schemas.microsoft.com/office/drawing/2014/main" id="{37BE28A1-BAB9-E6B0-7EBD-E365B87ACED1}"/>
+                <a16:creationId xmlns:a16="http://schemas.microsoft.com/office/drawing/2014/main" id="{08CC676F-74F1-441D-9B51-42C5B87F182C}"/>
+              </a:ext>
+              <a:ext uri="{C183D7F6-B498-43B3-948B-1728B52AA6E4}">
+                <adec:decorative xmlns:adec="http://schemas.microsoft.com/office/drawing/2017/decorative" val="1"/>
               </a:ext>
             </a:extLst>
           </p:cNvPr>
           <p:cNvSpPr>
-            <a:spLocks noGrp="1"/>
-          </p:cNvSpPr>
-          <p:nvPr>
-            <p:ph sz="half" idx="2"/>
-          </p:nvPr>
-        </p:nvSpPr>
-        <p:spPr>
-          <a:xfrm>
-            <a:off x="5980386" y="2249486"/>
-            <a:ext cx="6164317" cy="3541714"/>
-          </a:xfrm>
-        </p:spPr>
-        <p:txBody>
-          <a:bodyPr/>
-          <a:lstStyle/>
-          <a:p>
-            <a:r>
-              <a:rPr lang="en-US" dirty="0"/>
-              <a:t>Next, we looked at what our sample’s blood sugar pressure fell. This was broken into 3 categories; Normal Blood Sugar (&lt;= 100), Above Average Blood Sugar (100 - &gt;=125), and High Blood Sugar (&gt;=126).</a:t>
+            <a:spLocks noGrp="1" noRot="1" noChangeAspect="1" noMove="1" noResize="1" noEditPoints="1" noAdjustHandles="1" noChangeArrowheads="1" noChangeShapeType="1" noTextEdit="1"/>
+          </p:cNvSpPr>
+          <p:nvPr>
+            <p:extLst>
+              <p:ext uri="{386F3935-93C4-4BCD-93E2-E3B085C9AB24}">
+                <p16:designElem xmlns:p16="http://schemas.microsoft.com/office/powerpoint/2015/main" val="1"/>
+              </p:ext>
+            </p:extLst>
+          </p:nvPr>
+        </p:nvSpPr>
+        <p:spPr>
+          <a:xfrm>
+            <a:off x="817654" y="799817"/>
+            <a:ext cx="6565717" cy="5258367"/>
+          </a:xfrm>
+          <a:prstGeom prst="rect">
+            <a:avLst/>
+          </a:prstGeom>
+          <a:noFill/>
+          <a:ln w="12700">
+            <a:solidFill>
+              <a:srgbClr val="2A5B7F"/>
+            </a:solidFill>
+          </a:ln>
+        </p:spPr>
+        <p:style>
+          <a:lnRef idx="2">
+            <a:schemeClr val="accent1">
+              <a:shade val="50000"/>
+            </a:schemeClr>
+          </a:lnRef>
+          <a:fillRef idx="1">
+            <a:schemeClr val="accent1"/>
+          </a:fillRef>
+          <a:effectRef idx="0">
+            <a:schemeClr val="accent1"/>
+          </a:effectRef>
+          <a:fontRef idx="minor">
+            <a:schemeClr val="lt1"/>
+          </a:fontRef>
+        </p:style>
+        <p:txBody>
+          <a:bodyPr rtlCol="0" anchor="ctr"/>
+          <a:lstStyle/>
+          <a:p>
+            <a:pPr algn="ctr"/>
+            <a:endParaRPr lang="en-US"/>
+          </a:p>
+        </p:txBody>
+      </p:sp>
+      <p:sp>
+        <p:nvSpPr>
+          <p:cNvPr id="3" name="Content Placeholder 2">
+            <a:extLst>
+              <a:ext uri="{FF2B5EF4-FFF2-40B4-BE49-F238E27FC236}">
+                <a16:creationId xmlns:a16="http://schemas.microsoft.com/office/drawing/2014/main" id="{D03981D6-4DB2-18D6-ADCE-7E4C5DC22046}"/>
+              </a:ext>
+            </a:extLst>
+          </p:cNvPr>
+          <p:cNvSpPr>
+            <a:spLocks noGrp="1"/>
+          </p:cNvSpPr>
+          <p:nvPr>
+            <p:ph idx="1"/>
+          </p:nvPr>
+        </p:nvSpPr>
+        <p:spPr>
+          <a:xfrm>
+            <a:off x="7859487" y="2096064"/>
+            <a:ext cx="3408070" cy="3962120"/>
+          </a:xfrm>
+        </p:spPr>
+        <p:txBody>
+          <a:bodyPr>
+            <a:normAutofit/>
+          </a:bodyPr>
+          <a:lstStyle/>
+          <a:p>
+            <a:r>
+              <a:rPr lang="en-US" sz="1600" dirty="0">
+                <a:solidFill>
+                  <a:srgbClr val="FFFFFF"/>
+                </a:solidFill>
+              </a:rPr>
+              <a:t>Based on the </a:t>
+            </a:r>
+            <a:r>
+              <a:rPr lang="en-US" sz="1600" dirty="0" err="1">
+                <a:solidFill>
+                  <a:srgbClr val="FFFFFF"/>
+                </a:solidFill>
+              </a:rPr>
+              <a:t>diabetes.csv</a:t>
+            </a:r>
+            <a:r>
+              <a:rPr lang="en-US" sz="1600" dirty="0">
+                <a:solidFill>
+                  <a:srgbClr val="FFFFFF"/>
+                </a:solidFill>
+              </a:rPr>
+              <a:t> data, this random forest model is able to predict if someone has diabetes of not with 100% accuracy </a:t>
             </a:r>
           </a:p>
         </p:txBody>
@@ -6904,12 +8986,12 @@
     </p:spTree>
     <p:extLst>
       <p:ext uri="{BB962C8B-B14F-4D97-AF65-F5344CB8AC3E}">
-        <p14:creationId xmlns:p14="http://schemas.microsoft.com/office/powerpoint/2010/main" val="1850105996"/>
+        <p14:creationId xmlns:p14="http://schemas.microsoft.com/office/powerpoint/2010/main" val="3877083899"/>
       </p:ext>
     </p:extLst>
   </p:cSld>
   <p:clrMapOvr>
-    <a:masterClrMapping/>
+    <a:overrideClrMapping bg1="lt1" tx1="dk1" bg2="lt2" tx2="dk2" accent1="accent1" accent2="accent2" accent3="accent3" accent4="accent4" accent5="accent5" accent6="accent6" hlink="hlink" folHlink="folHlink"/>
   </p:clrMapOvr>
 </p:sld>
 </file>
@@ -6936,7 +9018,7 @@
           <p:cNvPr id="2" name="Title 1">
             <a:extLst>
               <a:ext uri="{FF2B5EF4-FFF2-40B4-BE49-F238E27FC236}">
-                <a16:creationId xmlns:a16="http://schemas.microsoft.com/office/drawing/2014/main" id="{E2271203-82B3-EE89-79CB-9BBF953B51C4}"/>
+                <a16:creationId xmlns:a16="http://schemas.microsoft.com/office/drawing/2014/main" id="{CDB9E77E-38D3-13C2-6F85-A157913809A2}"/>
               </a:ext>
             </a:extLst>
           </p:cNvPr>
@@ -6954,50 +9036,17 @@
           <a:p>
             <a:r>
               <a:rPr lang="en-US" dirty="0"/>
-              <a:t>Outcome – Oversample Model</a:t>
-            </a:r>
-          </a:p>
-        </p:txBody>
-      </p:sp>
-      <p:sp>
-        <p:nvSpPr>
-          <p:cNvPr id="3" name="Text Placeholder 2">
+              <a:t>csv file for our model</a:t>
+            </a:r>
+          </a:p>
+        </p:txBody>
+      </p:sp>
+      <p:pic>
+        <p:nvPicPr>
+          <p:cNvPr id="5" name="Content Placeholder 4" descr="A table with numbers and letters&#10;&#10;Description automatically generated">
             <a:extLst>
               <a:ext uri="{FF2B5EF4-FFF2-40B4-BE49-F238E27FC236}">
-                <a16:creationId xmlns:a16="http://schemas.microsoft.com/office/drawing/2014/main" id="{31378D3E-37FC-115C-CFE8-A3F37AE939BA}"/>
-              </a:ext>
-            </a:extLst>
-          </p:cNvPr>
-          <p:cNvSpPr>
-            <a:spLocks noGrp="1"/>
-          </p:cNvSpPr>
-          <p:nvPr>
-            <p:ph type="body" idx="1"/>
-          </p:nvPr>
-        </p:nvSpPr>
-        <p:spPr>
-          <a:xfrm>
-            <a:off x="1110273" y="1935163"/>
-            <a:ext cx="4879199" cy="823912"/>
-          </a:xfrm>
-        </p:spPr>
-        <p:txBody>
-          <a:bodyPr/>
-          <a:lstStyle/>
-          <a:p>
-            <a:r>
-              <a:rPr lang="en-US" dirty="0"/>
-              <a:t>Actual</a:t>
-            </a:r>
-          </a:p>
-        </p:txBody>
-      </p:sp>
-      <p:pic>
-        <p:nvPicPr>
-          <p:cNvPr id="14" name="Content Placeholder 13">
-            <a:extLst>
-              <a:ext uri="{FF2B5EF4-FFF2-40B4-BE49-F238E27FC236}">
-                <a16:creationId xmlns:a16="http://schemas.microsoft.com/office/drawing/2014/main" id="{1F60D23D-CD2E-D1A1-66CA-6FE7866977C7}"/>
+                <a16:creationId xmlns:a16="http://schemas.microsoft.com/office/drawing/2014/main" id="{4D2A1B6B-A2F6-15BD-AA25-419FF5DDD69D}"/>
               </a:ext>
             </a:extLst>
           </p:cNvPr>
@@ -7005,154 +9054,32 @@
             <a:picLocks noGrp="1" noChangeAspect="1"/>
           </p:cNvPicPr>
           <p:nvPr>
-            <p:ph sz="half" idx="2"/>
+            <p:ph idx="1"/>
           </p:nvPr>
         </p:nvPicPr>
         <p:blipFill>
-          <a:blip r:embed="rId2"/>
+          <a:blip r:embed="rId2">
+            <a:extLst>
+              <a:ext uri="{28A0092B-C50C-407E-A947-70E740481C1C}">
+                <a14:useLocalDpi xmlns:a14="http://schemas.microsoft.com/office/drawing/2010/main" val="0"/>
+              </a:ext>
+            </a:extLst>
+          </a:blip>
           <a:stretch>
             <a:fillRect/>
           </a:stretch>
         </p:blipFill>
         <p:spPr>
           <a:xfrm>
-            <a:off x="1481958" y="3349615"/>
-            <a:ext cx="2693282" cy="2520859"/>
-          </a:xfrm>
-        </p:spPr>
-      </p:pic>
-      <p:sp>
-        <p:nvSpPr>
-          <p:cNvPr id="5" name="Text Placeholder 4">
-            <a:extLst>
-              <a:ext uri="{FF2B5EF4-FFF2-40B4-BE49-F238E27FC236}">
-                <a16:creationId xmlns:a16="http://schemas.microsoft.com/office/drawing/2014/main" id="{7907AF24-D0E3-F06A-43D7-C41232EBD7E7}"/>
-              </a:ext>
-            </a:extLst>
-          </p:cNvPr>
-          <p:cNvSpPr>
-            <a:spLocks noGrp="1"/>
-          </p:cNvSpPr>
-          <p:nvPr>
-            <p:ph type="body" sz="quarter" idx="3"/>
-          </p:nvPr>
-        </p:nvSpPr>
-        <p:spPr>
-          <a:xfrm>
-            <a:off x="6402002" y="1935163"/>
-            <a:ext cx="4865554" cy="823912"/>
-          </a:xfrm>
-        </p:spPr>
-        <p:txBody>
-          <a:bodyPr/>
-          <a:lstStyle/>
-          <a:p>
-            <a:r>
-              <a:rPr lang="en-US" dirty="0"/>
-              <a:t>Prediction</a:t>
-            </a:r>
-          </a:p>
-        </p:txBody>
-      </p:sp>
-      <p:pic>
-        <p:nvPicPr>
-          <p:cNvPr id="12" name="Picture 11">
-            <a:extLst>
-              <a:ext uri="{FF2B5EF4-FFF2-40B4-BE49-F238E27FC236}">
-                <a16:creationId xmlns:a16="http://schemas.microsoft.com/office/drawing/2014/main" id="{04534638-EFF1-BA4D-2E6F-CE016F8B3A04}"/>
-              </a:ext>
-            </a:extLst>
-          </p:cNvPr>
-          <p:cNvPicPr>
-            <a:picLocks noChangeAspect="1"/>
-          </p:cNvPicPr>
-          <p:nvPr/>
-        </p:nvPicPr>
-        <p:blipFill>
-          <a:blip r:embed="rId3"/>
-          <a:stretch>
-            <a:fillRect/>
-          </a:stretch>
-        </p:blipFill>
-        <p:spPr>
-          <a:xfrm>
-            <a:off x="7367751" y="3349615"/>
-            <a:ext cx="2693282" cy="2520859"/>
-          </a:xfrm>
-          <a:prstGeom prst="rect">
-            <a:avLst/>
-          </a:prstGeom>
-        </p:spPr>
-      </p:pic>
-      <p:sp>
-        <p:nvSpPr>
-          <p:cNvPr id="15" name="TextBox 14">
-            <a:extLst>
-              <a:ext uri="{FF2B5EF4-FFF2-40B4-BE49-F238E27FC236}">
-                <a16:creationId xmlns:a16="http://schemas.microsoft.com/office/drawing/2014/main" id="{BA1EC21E-1401-26F9-EAD4-8D5736E321D9}"/>
-              </a:ext>
-            </a:extLst>
-          </p:cNvPr>
-          <p:cNvSpPr txBox="1"/>
-          <p:nvPr/>
-        </p:nvSpPr>
-        <p:spPr>
-          <a:xfrm>
-            <a:off x="4561490" y="3349615"/>
-            <a:ext cx="2322786" cy="1477328"/>
-          </a:xfrm>
-          <a:prstGeom prst="rect">
-            <a:avLst/>
-          </a:prstGeom>
-          <a:noFill/>
-        </p:spPr>
-        <p:txBody>
-          <a:bodyPr wrap="square" rtlCol="0">
-            <a:spAutoFit/>
-          </a:bodyPr>
-          <a:lstStyle/>
-          <a:p>
-            <a:r>
-              <a:rPr lang="en-US" dirty="0"/>
-              <a:t>Our actual results is a 50-50 split. Our oversample model had a 74% accuracy.</a:t>
-            </a:r>
-          </a:p>
-        </p:txBody>
-      </p:sp>
-      <p:pic>
-        <p:nvPicPr>
-          <p:cNvPr id="17" name="Picture 16">
-            <a:extLst>
-              <a:ext uri="{FF2B5EF4-FFF2-40B4-BE49-F238E27FC236}">
-                <a16:creationId xmlns:a16="http://schemas.microsoft.com/office/drawing/2014/main" id="{024B5BEC-9702-0CCF-2C37-567027690258}"/>
-              </a:ext>
-            </a:extLst>
-          </p:cNvPr>
-          <p:cNvPicPr>
-            <a:picLocks noChangeAspect="1"/>
-          </p:cNvPicPr>
-          <p:nvPr/>
-        </p:nvPicPr>
-        <p:blipFill>
-          <a:blip r:embed="rId4"/>
-          <a:stretch>
-            <a:fillRect/>
-          </a:stretch>
-        </p:blipFill>
-        <p:spPr>
-          <a:xfrm>
-            <a:off x="10969066" y="6248400"/>
-            <a:ext cx="1171584" cy="466728"/>
-          </a:xfrm>
-          <a:prstGeom prst="rect">
-            <a:avLst/>
-          </a:prstGeom>
+            <a:off x="1159598" y="2095500"/>
+            <a:ext cx="9863278" cy="3695700"/>
+          </a:xfrm>
         </p:spPr>
       </p:pic>
     </p:spTree>
     <p:extLst>
       <p:ext uri="{BB962C8B-B14F-4D97-AF65-F5344CB8AC3E}">
-        <p14:creationId xmlns:p14="http://schemas.microsoft.com/office/powerpoint/2010/main" val="4017703385"/>
+        <p14:creationId xmlns:p14="http://schemas.microsoft.com/office/powerpoint/2010/main" val="2232686368"/>
       </p:ext>
     </p:extLst>
   </p:cSld>
@@ -7184,7 +9111,7 @@
           <p:cNvPr id="2" name="Title 1">
             <a:extLst>
               <a:ext uri="{FF2B5EF4-FFF2-40B4-BE49-F238E27FC236}">
-                <a16:creationId xmlns:a16="http://schemas.microsoft.com/office/drawing/2014/main" id="{623A833E-C914-EABC-5202-6471398C6A77}"/>
+                <a16:creationId xmlns:a16="http://schemas.microsoft.com/office/drawing/2014/main" id="{1CA5E029-A6F6-B650-D7F4-F7BD456D0BBD}"/>
               </a:ext>
             </a:extLst>
           </p:cNvPr>
@@ -7202,50 +9129,17 @@
           <a:p>
             <a:r>
               <a:rPr lang="en-US" dirty="0"/>
-              <a:t>Age Outcome – Oversample Model</a:t>
-            </a:r>
-          </a:p>
-        </p:txBody>
-      </p:sp>
-      <p:sp>
-        <p:nvSpPr>
-          <p:cNvPr id="3" name="Text Placeholder 2">
+              <a:t>Age of Sample Size</a:t>
+            </a:r>
+          </a:p>
+        </p:txBody>
+      </p:sp>
+      <p:pic>
+        <p:nvPicPr>
+          <p:cNvPr id="11" name="Content Placeholder 10">
             <a:extLst>
               <a:ext uri="{FF2B5EF4-FFF2-40B4-BE49-F238E27FC236}">
-                <a16:creationId xmlns:a16="http://schemas.microsoft.com/office/drawing/2014/main" id="{E4801F87-D5D8-E5F0-4595-FF43AFEDF839}"/>
-              </a:ext>
-            </a:extLst>
-          </p:cNvPr>
-          <p:cNvSpPr>
-            <a:spLocks noGrp="1"/>
-          </p:cNvSpPr>
-          <p:nvPr>
-            <p:ph type="body" idx="1"/>
-          </p:nvPr>
-        </p:nvSpPr>
-        <p:spPr>
-          <a:xfrm>
-            <a:off x="1036701" y="1709912"/>
-            <a:ext cx="4879199" cy="823912"/>
-          </a:xfrm>
-        </p:spPr>
-        <p:txBody>
-          <a:bodyPr/>
-          <a:lstStyle/>
-          <a:p>
-            <a:r>
-              <a:rPr lang="en-US" dirty="0"/>
-              <a:t>Actual</a:t>
-            </a:r>
-          </a:p>
-        </p:txBody>
-      </p:sp>
-      <p:pic>
-        <p:nvPicPr>
-          <p:cNvPr id="8" name="Content Placeholder 7">
-            <a:extLst>
-              <a:ext uri="{FF2B5EF4-FFF2-40B4-BE49-F238E27FC236}">
-                <a16:creationId xmlns:a16="http://schemas.microsoft.com/office/drawing/2014/main" id="{B6A90A1F-8841-71D2-94A1-E55CE1DFCC09}"/>
+                <a16:creationId xmlns:a16="http://schemas.microsoft.com/office/drawing/2014/main" id="{DA6AB873-D149-2D9D-07F8-82187D6E147D}"/>
               </a:ext>
             </a:extLst>
           </p:cNvPr>
@@ -7253,28 +9147,28 @@
             <a:picLocks noGrp="1" noChangeAspect="1"/>
           </p:cNvPicPr>
           <p:nvPr>
-            <p:ph sz="half" idx="2"/>
+            <p:ph sz="half" idx="1"/>
           </p:nvPr>
         </p:nvPicPr>
         <p:blipFill>
-          <a:blip r:embed="rId3"/>
+          <a:blip r:embed="rId2"/>
           <a:stretch>
             <a:fillRect/>
           </a:stretch>
         </p:blipFill>
         <p:spPr>
           <a:xfrm>
-            <a:off x="342805" y="2701268"/>
-            <a:ext cx="5068258" cy="3547132"/>
+            <a:off x="914400" y="2364213"/>
+            <a:ext cx="5105400" cy="3150337"/>
           </a:xfrm>
         </p:spPr>
       </p:pic>
       <p:sp>
         <p:nvSpPr>
-          <p:cNvPr id="5" name="Text Placeholder 4">
+          <p:cNvPr id="9" name="Content Placeholder 8">
             <a:extLst>
               <a:ext uri="{FF2B5EF4-FFF2-40B4-BE49-F238E27FC236}">
-                <a16:creationId xmlns:a16="http://schemas.microsoft.com/office/drawing/2014/main" id="{63ACBD71-51E1-E6A1-C1DF-117427E932D6}"/>
+                <a16:creationId xmlns:a16="http://schemas.microsoft.com/office/drawing/2014/main" id="{1EA84118-A2E5-8E87-16F4-E1B7160CB28D}"/>
               </a:ext>
             </a:extLst>
           </p:cNvPr>
@@ -7282,89 +9176,32 @@
             <a:spLocks noGrp="1"/>
           </p:cNvSpPr>
           <p:nvPr>
-            <p:ph type="body" sz="quarter" idx="3"/>
-          </p:nvPr>
-        </p:nvSpPr>
-        <p:spPr>
-          <a:xfrm>
-            <a:off x="6307972" y="1709912"/>
-            <a:ext cx="4865554" cy="823912"/>
-          </a:xfrm>
-        </p:spPr>
-        <p:txBody>
-          <a:bodyPr/>
+            <p:ph sz="half" idx="2"/>
+          </p:nvPr>
+        </p:nvSpPr>
+        <p:spPr>
+          <a:xfrm>
+            <a:off x="7940566" y="1918138"/>
+            <a:ext cx="3106845" cy="4745420"/>
+          </a:xfrm>
+        </p:spPr>
+        <p:txBody>
+          <a:bodyPr>
+            <a:normAutofit/>
+          </a:bodyPr>
           <a:lstStyle/>
           <a:p>
             <a:r>
               <a:rPr lang="en-US" dirty="0"/>
-              <a:t>Prediction</a:t>
-            </a:r>
-          </a:p>
-        </p:txBody>
-      </p:sp>
-      <p:pic>
-        <p:nvPicPr>
-          <p:cNvPr id="10" name="Content Placeholder 9">
-            <a:extLst>
-              <a:ext uri="{FF2B5EF4-FFF2-40B4-BE49-F238E27FC236}">
-                <a16:creationId xmlns:a16="http://schemas.microsoft.com/office/drawing/2014/main" id="{86388622-B3F5-5764-EC1B-929FFA257FB5}"/>
-              </a:ext>
-            </a:extLst>
-          </p:cNvPr>
-          <p:cNvPicPr>
-            <a:picLocks noGrp="1" noChangeAspect="1"/>
-          </p:cNvPicPr>
-          <p:nvPr>
-            <p:ph sz="quarter" idx="4"/>
-          </p:nvPr>
-        </p:nvPicPr>
-        <p:blipFill>
-          <a:blip r:embed="rId4"/>
-          <a:stretch>
-            <a:fillRect/>
-          </a:stretch>
-        </p:blipFill>
-        <p:spPr>
-          <a:xfrm>
-            <a:off x="6259458" y="2701268"/>
-            <a:ext cx="5589737" cy="3547132"/>
-          </a:xfrm>
-        </p:spPr>
-      </p:pic>
-      <p:pic>
-        <p:nvPicPr>
-          <p:cNvPr id="11" name="Picture 10">
-            <a:extLst>
-              <a:ext uri="{FF2B5EF4-FFF2-40B4-BE49-F238E27FC236}">
-                <a16:creationId xmlns:a16="http://schemas.microsoft.com/office/drawing/2014/main" id="{9BEAFDBF-8485-9596-E853-19E3F5591A8E}"/>
-              </a:ext>
-            </a:extLst>
-          </p:cNvPr>
-          <p:cNvPicPr>
-            <a:picLocks noChangeAspect="1"/>
-          </p:cNvPicPr>
-          <p:nvPr/>
-        </p:nvPicPr>
-        <p:blipFill>
-          <a:blip r:embed="rId5"/>
-          <a:stretch>
-            <a:fillRect/>
-          </a:stretch>
-        </p:blipFill>
-        <p:spPr>
-          <a:xfrm>
-            <a:off x="10963813" y="6294245"/>
-            <a:ext cx="1171584" cy="466728"/>
-          </a:xfrm>
-          <a:prstGeom prst="rect">
-            <a:avLst/>
-          </a:prstGeom>
-        </p:spPr>
-      </p:pic>
+              <a:t>The age of our sample ranged from 21 to 72 years old. The majority of our sample fell between 21 and 36 years old, with the highest number of individuals being 22 and 29 years old.</a:t>
+            </a:r>
+          </a:p>
+        </p:txBody>
+      </p:sp>
     </p:spTree>
     <p:extLst>
       <p:ext uri="{BB962C8B-B14F-4D97-AF65-F5344CB8AC3E}">
-        <p14:creationId xmlns:p14="http://schemas.microsoft.com/office/powerpoint/2010/main" val="1221119453"/>
+        <p14:creationId xmlns:p14="http://schemas.microsoft.com/office/powerpoint/2010/main" val="2314112315"/>
       </p:ext>
     </p:extLst>
   </p:cSld>
@@ -7396,7 +9233,7 @@
           <p:cNvPr id="2" name="Title 1">
             <a:extLst>
               <a:ext uri="{FF2B5EF4-FFF2-40B4-BE49-F238E27FC236}">
-                <a16:creationId xmlns:a16="http://schemas.microsoft.com/office/drawing/2014/main" id="{BE17659A-AAC2-2140-B852-4A192277E975}"/>
+                <a16:creationId xmlns:a16="http://schemas.microsoft.com/office/drawing/2014/main" id="{610D36FC-BA6F-46CE-5009-8E4E16A0A34D}"/>
               </a:ext>
             </a:extLst>
           </p:cNvPr>
@@ -7409,57 +9246,30 @@
         </p:nvSpPr>
         <p:spPr/>
         <p:txBody>
-          <a:bodyPr>
-            <a:normAutofit/>
-          </a:bodyPr>
-          <a:lstStyle/>
-          <a:p>
-            <a:r>
-              <a:rPr lang="en-US" sz="3200" dirty="0"/>
-              <a:t>Glucose Outcome – Oversample Model</a:t>
-            </a:r>
-          </a:p>
-        </p:txBody>
-      </p:sp>
-      <p:sp>
-        <p:nvSpPr>
-          <p:cNvPr id="3" name="Text Placeholder 2">
+          <a:bodyPr/>
+          <a:lstStyle/>
+          <a:p>
+            <a:r>
+              <a:rPr lang="en-US" dirty="0"/>
+              <a:t>Body Mass Index (</a:t>
+            </a:r>
+            <a:r>
+              <a:rPr lang="en-US" dirty="0" err="1"/>
+              <a:t>BMi</a:t>
+            </a:r>
+            <a:r>
+              <a:rPr lang="en-US" dirty="0"/>
+              <a:t>)</a:t>
+            </a:r>
+          </a:p>
+        </p:txBody>
+      </p:sp>
+      <p:pic>
+        <p:nvPicPr>
+          <p:cNvPr id="6" name="Content Placeholder 5">
             <a:extLst>
               <a:ext uri="{FF2B5EF4-FFF2-40B4-BE49-F238E27FC236}">
-                <a16:creationId xmlns:a16="http://schemas.microsoft.com/office/drawing/2014/main" id="{4781174E-1BEC-8B5E-9B4D-CAC03222C53B}"/>
-              </a:ext>
-            </a:extLst>
-          </p:cNvPr>
-          <p:cNvSpPr>
-            <a:spLocks noGrp="1"/>
-          </p:cNvSpPr>
-          <p:nvPr>
-            <p:ph type="body" idx="1"/>
-          </p:nvPr>
-        </p:nvSpPr>
-        <p:spPr>
-          <a:xfrm>
-            <a:off x="1094508" y="1767754"/>
-            <a:ext cx="4879199" cy="823912"/>
-          </a:xfrm>
-        </p:spPr>
-        <p:txBody>
-          <a:bodyPr/>
-          <a:lstStyle/>
-          <a:p>
-            <a:r>
-              <a:rPr lang="en-US" dirty="0"/>
-              <a:t>Actual</a:t>
-            </a:r>
-          </a:p>
-        </p:txBody>
-      </p:sp>
-      <p:pic>
-        <p:nvPicPr>
-          <p:cNvPr id="8" name="Content Placeholder 7">
-            <a:extLst>
-              <a:ext uri="{FF2B5EF4-FFF2-40B4-BE49-F238E27FC236}">
-                <a16:creationId xmlns:a16="http://schemas.microsoft.com/office/drawing/2014/main" id="{0B4621CB-A098-9D1D-10CF-3944EE9576EB}"/>
+                <a16:creationId xmlns:a16="http://schemas.microsoft.com/office/drawing/2014/main" id="{CC6B52CC-4610-C4BB-718D-903A53FE518F}"/>
               </a:ext>
             </a:extLst>
           </p:cNvPr>
@@ -7467,28 +9277,28 @@
             <a:picLocks noGrp="1" noChangeAspect="1"/>
           </p:cNvPicPr>
           <p:nvPr>
-            <p:ph sz="half" idx="2"/>
+            <p:ph sz="half" idx="1"/>
           </p:nvPr>
         </p:nvPicPr>
         <p:blipFill>
-          <a:blip r:embed="rId3"/>
+          <a:blip r:embed="rId2"/>
           <a:stretch>
             <a:fillRect/>
           </a:stretch>
         </p:blipFill>
         <p:spPr>
           <a:xfrm>
-            <a:off x="913795" y="2659117"/>
-            <a:ext cx="4273060" cy="4030717"/>
+            <a:off x="740978" y="1786759"/>
+            <a:ext cx="5355022" cy="4929351"/>
           </a:xfrm>
         </p:spPr>
       </p:pic>
       <p:sp>
         <p:nvSpPr>
-          <p:cNvPr id="5" name="Text Placeholder 4">
+          <p:cNvPr id="4" name="Content Placeholder 3">
             <a:extLst>
               <a:ext uri="{FF2B5EF4-FFF2-40B4-BE49-F238E27FC236}">
-                <a16:creationId xmlns:a16="http://schemas.microsoft.com/office/drawing/2014/main" id="{3AC9AD18-7F7A-B01B-A981-25D8B48D339E}"/>
+                <a16:creationId xmlns:a16="http://schemas.microsoft.com/office/drawing/2014/main" id="{5F37D5F8-F5E1-CF10-2780-1A6926F077EF}"/>
               </a:ext>
             </a:extLst>
           </p:cNvPr>
@@ -7496,89 +9306,32 @@
             <a:spLocks noGrp="1"/>
           </p:cNvSpPr>
           <p:nvPr>
-            <p:ph type="body" sz="quarter" idx="3"/>
-          </p:nvPr>
-        </p:nvSpPr>
-        <p:spPr>
-          <a:xfrm>
-            <a:off x="6402002" y="1767754"/>
-            <a:ext cx="4865554" cy="823912"/>
-          </a:xfrm>
-        </p:spPr>
-        <p:txBody>
-          <a:bodyPr/>
+            <p:ph sz="half" idx="2"/>
+          </p:nvPr>
+        </p:nvSpPr>
+        <p:spPr>
+          <a:xfrm>
+            <a:off x="6332482" y="1786759"/>
+            <a:ext cx="5675587" cy="4855779"/>
+          </a:xfrm>
+        </p:spPr>
+        <p:txBody>
+          <a:bodyPr>
+            <a:normAutofit/>
+          </a:bodyPr>
           <a:lstStyle/>
           <a:p>
             <a:r>
               <a:rPr lang="en-US" dirty="0"/>
-              <a:t>Prediction</a:t>
-            </a:r>
-          </a:p>
-        </p:txBody>
-      </p:sp>
-      <p:pic>
-        <p:nvPicPr>
-          <p:cNvPr id="10" name="Content Placeholder 9">
-            <a:extLst>
-              <a:ext uri="{FF2B5EF4-FFF2-40B4-BE49-F238E27FC236}">
-                <a16:creationId xmlns:a16="http://schemas.microsoft.com/office/drawing/2014/main" id="{EE740A9D-4F30-A1FF-1C72-EAABA9F58123}"/>
-              </a:ext>
-            </a:extLst>
-          </p:cNvPr>
-          <p:cNvPicPr>
-            <a:picLocks noGrp="1" noChangeAspect="1"/>
-          </p:cNvPicPr>
-          <p:nvPr>
-            <p:ph sz="quarter" idx="4"/>
-          </p:nvPr>
-        </p:nvPicPr>
-        <p:blipFill>
-          <a:blip r:embed="rId4"/>
-          <a:stretch>
-            <a:fillRect/>
-          </a:stretch>
-        </p:blipFill>
-        <p:spPr>
-          <a:xfrm>
-            <a:off x="6310996" y="2591666"/>
-            <a:ext cx="4262411" cy="4030717"/>
-          </a:xfrm>
-        </p:spPr>
-      </p:pic>
-      <p:pic>
-        <p:nvPicPr>
-          <p:cNvPr id="11" name="Picture 10">
-            <a:extLst>
-              <a:ext uri="{FF2B5EF4-FFF2-40B4-BE49-F238E27FC236}">
-                <a16:creationId xmlns:a16="http://schemas.microsoft.com/office/drawing/2014/main" id="{B873F4B9-86B4-D54B-BC9F-AD85CD870450}"/>
-              </a:ext>
-            </a:extLst>
-          </p:cNvPr>
-          <p:cNvPicPr>
-            <a:picLocks noChangeAspect="1"/>
-          </p:cNvPicPr>
-          <p:nvPr/>
-        </p:nvPicPr>
-        <p:blipFill>
-          <a:blip r:embed="rId5"/>
-          <a:stretch>
-            <a:fillRect/>
-          </a:stretch>
-        </p:blipFill>
-        <p:spPr>
-          <a:xfrm>
-            <a:off x="10963813" y="6294245"/>
-            <a:ext cx="1171584" cy="466728"/>
-          </a:xfrm>
-          <a:prstGeom prst="rect">
-            <a:avLst/>
-          </a:prstGeom>
-        </p:spPr>
-      </p:pic>
+              <a:t>The Body Mass Index (BMI) was broken into 4 different categories; Underweight (&lt;18.5), Healthy (&gt;=18.5 – 25), Overweight (25 – 30), and Obese (&gt;30). </a:t>
+            </a:r>
+          </a:p>
+        </p:txBody>
+      </p:sp>
     </p:spTree>
     <p:extLst>
       <p:ext uri="{BB962C8B-B14F-4D97-AF65-F5344CB8AC3E}">
-        <p14:creationId xmlns:p14="http://schemas.microsoft.com/office/powerpoint/2010/main" val="2863476587"/>
+        <p14:creationId xmlns:p14="http://schemas.microsoft.com/office/powerpoint/2010/main" val="3091606805"/>
       </p:ext>
     </p:extLst>
   </p:cSld>

--- a/Predicting Diabetes.pptx
+++ b/Predicting Diabetes.pptx
@@ -11340,13 +11340,13 @@
   <p:clrMapOvr>
     <a:masterClrMapping/>
   </p:clrMapOvr>
-  <mc:AlternateContent xmlns:mc="http://schemas.openxmlformats.org/markup-compatibility/2006">
-    <mc:Choice xmlns:p14="http://schemas.microsoft.com/office/powerpoint/2010/main" Requires="p14">
+  <mc:AlternateContent xmlns:mc="http://schemas.openxmlformats.org/markup-compatibility/2006" xmlns:p14="http://schemas.microsoft.com/office/powerpoint/2010/main">
+    <mc:Choice Requires="p14">
       <p:transition spd="med" p14:dur="700">
         <p:fade/>
       </p:transition>
     </mc:Choice>
-    <mc:Fallback>
+    <mc:Fallback xmlns="">
       <p:transition spd="med">
         <p:fade/>
       </p:transition>
@@ -13774,13 +13774,13 @@
   <p:clrMapOvr>
     <a:masterClrMapping/>
   </p:clrMapOvr>
-  <mc:AlternateContent xmlns:mc="http://schemas.openxmlformats.org/markup-compatibility/2006">
-    <mc:Choice xmlns:p159="http://schemas.microsoft.com/office/powerpoint/2015/09/main" Requires="p159">
+  <mc:AlternateContent xmlns:mc="http://schemas.openxmlformats.org/markup-compatibility/2006" xmlns:p159="http://schemas.microsoft.com/office/powerpoint/2015/09/main">
+    <mc:Choice Requires="p159">
       <p:transition xmlns:p14="http://schemas.microsoft.com/office/powerpoint/2010/main" spd="slow" p14:dur="2000">
         <p159:morph option="byObject"/>
       </p:transition>
     </mc:Choice>
-    <mc:Fallback>
+    <mc:Fallback xmlns="">
       <p:transition spd="slow">
         <p:fade/>
       </p:transition>
@@ -15213,13 +15213,13 @@
   <p:clrMapOvr>
     <a:masterClrMapping/>
   </p:clrMapOvr>
-  <mc:AlternateContent xmlns:mc="http://schemas.openxmlformats.org/markup-compatibility/2006">
-    <mc:Choice xmlns:p159="http://schemas.microsoft.com/office/powerpoint/2015/09/main" Requires="p159">
+  <mc:AlternateContent xmlns:mc="http://schemas.openxmlformats.org/markup-compatibility/2006" xmlns:p159="http://schemas.microsoft.com/office/powerpoint/2015/09/main">
+    <mc:Choice Requires="p159">
       <p:transition xmlns:p14="http://schemas.microsoft.com/office/powerpoint/2010/main" spd="slow" p14:dur="2000">
         <p159:morph option="byObject"/>
       </p:transition>
     </mc:Choice>
-    <mc:Fallback>
+    <mc:Fallback xmlns="">
       <p:transition spd="slow">
         <p:fade/>
       </p:transition>
@@ -15987,13 +15987,13 @@
   <p:clrMapOvr>
     <a:masterClrMapping/>
   </p:clrMapOvr>
-  <mc:AlternateContent xmlns:mc="http://schemas.openxmlformats.org/markup-compatibility/2006">
-    <mc:Choice xmlns:p159="http://schemas.microsoft.com/office/powerpoint/2015/09/main" Requires="p159">
+  <mc:AlternateContent xmlns:mc="http://schemas.openxmlformats.org/markup-compatibility/2006" xmlns:p159="http://schemas.microsoft.com/office/powerpoint/2015/09/main">
+    <mc:Choice Requires="p159">
       <p:transition xmlns:p14="http://schemas.microsoft.com/office/powerpoint/2010/main" spd="slow" p14:dur="2000" advClick="0" advTm="0">
         <p159:morph option="byObject"/>
       </p:transition>
     </mc:Choice>
-    <mc:Fallback>
+    <mc:Fallback xmlns="">
       <p:transition spd="slow" advClick="0" advTm="0">
         <p:fade/>
       </p:transition>
@@ -16335,13 +16335,13 @@
   <p:clrMapOvr>
     <a:masterClrMapping/>
   </p:clrMapOvr>
-  <mc:AlternateContent xmlns:mc="http://schemas.openxmlformats.org/markup-compatibility/2006">
-    <mc:Choice xmlns:p14="http://schemas.microsoft.com/office/powerpoint/2010/main" Requires="p14">
+  <mc:AlternateContent xmlns:mc="http://schemas.openxmlformats.org/markup-compatibility/2006" xmlns:p14="http://schemas.microsoft.com/office/powerpoint/2010/main">
+    <mc:Choice Requires="p14">
       <p:transition spd="med" p14:dur="700">
         <p:fade/>
       </p:transition>
     </mc:Choice>
-    <mc:Fallback>
+    <mc:Fallback xmlns="">
       <p:transition spd="med">
         <p:fade/>
       </p:transition>
@@ -16467,13 +16467,13 @@
   <p:clrMapOvr>
     <a:masterClrMapping/>
   </p:clrMapOvr>
-  <mc:AlternateContent xmlns:mc="http://schemas.openxmlformats.org/markup-compatibility/2006">
-    <mc:Choice xmlns:p14="http://schemas.microsoft.com/office/powerpoint/2010/main" Requires="p14">
+  <mc:AlternateContent xmlns:mc="http://schemas.openxmlformats.org/markup-compatibility/2006" xmlns:p14="http://schemas.microsoft.com/office/powerpoint/2010/main">
+    <mc:Choice Requires="p14">
       <p:transition spd="med" p14:dur="700" advClick="0" advTm="3000">
         <p:fade/>
       </p:transition>
     </mc:Choice>
-    <mc:Fallback>
+    <mc:Fallback xmlns="">
       <p:transition spd="med" advClick="0" advTm="3000">
         <p:fade/>
       </p:transition>
@@ -16776,13 +16776,13 @@
   <p:clrMapOvr>
     <a:masterClrMapping/>
   </p:clrMapOvr>
-  <mc:AlternateContent xmlns:mc="http://schemas.openxmlformats.org/markup-compatibility/2006">
-    <mc:Choice xmlns:p159="http://schemas.microsoft.com/office/powerpoint/2015/09/main" Requires="p159">
+  <mc:AlternateContent xmlns:mc="http://schemas.openxmlformats.org/markup-compatibility/2006" xmlns:p159="http://schemas.microsoft.com/office/powerpoint/2015/09/main">
+    <mc:Choice Requires="p159">
       <p:transition xmlns:p14="http://schemas.microsoft.com/office/powerpoint/2010/main" spd="slow" p14:dur="2000">
         <p159:morph option="byObject"/>
       </p:transition>
     </mc:Choice>
-    <mc:Fallback>
+    <mc:Fallback xmlns="">
       <p:transition spd="slow">
         <p:fade/>
       </p:transition>
@@ -17121,13 +17121,13 @@
   <p:clrMapOvr>
     <a:masterClrMapping/>
   </p:clrMapOvr>
-  <mc:AlternateContent xmlns:mc="http://schemas.openxmlformats.org/markup-compatibility/2006">
-    <mc:Choice xmlns:p159="http://schemas.microsoft.com/office/powerpoint/2015/09/main" Requires="p159">
+  <mc:AlternateContent xmlns:mc="http://schemas.openxmlformats.org/markup-compatibility/2006" xmlns:p159="http://schemas.microsoft.com/office/powerpoint/2015/09/main">
+    <mc:Choice Requires="p159">
       <p:transition xmlns:p14="http://schemas.microsoft.com/office/powerpoint/2010/main" spd="slow" p14:dur="2000">
         <p159:morph option="byObject"/>
       </p:transition>
     </mc:Choice>
-    <mc:Fallback>
+    <mc:Fallback xmlns="">
       <p:transition spd="slow">
         <p:fade/>
       </p:transition>
@@ -17490,13 +17490,13 @@
   <p:clrMapOvr>
     <a:masterClrMapping/>
   </p:clrMapOvr>
-  <mc:AlternateContent xmlns:mc="http://schemas.openxmlformats.org/markup-compatibility/2006">
-    <mc:Choice xmlns:p159="http://schemas.microsoft.com/office/powerpoint/2015/09/main" Requires="p159">
+  <mc:AlternateContent xmlns:mc="http://schemas.openxmlformats.org/markup-compatibility/2006" xmlns:p159="http://schemas.microsoft.com/office/powerpoint/2015/09/main">
+    <mc:Choice Requires="p159">
       <p:transition xmlns:p14="http://schemas.microsoft.com/office/powerpoint/2010/main" spd="slow" p14:dur="2000">
         <p159:morph option="byObject"/>
       </p:transition>
     </mc:Choice>
-    <mc:Fallback>
+    <mc:Fallback xmlns="">
       <p:transition spd="slow">
         <p:fade/>
       </p:transition>
@@ -17694,13 +17694,13 @@
   <p:clrMapOvr>
     <a:masterClrMapping/>
   </p:clrMapOvr>
-  <mc:AlternateContent xmlns:mc="http://schemas.openxmlformats.org/markup-compatibility/2006">
-    <mc:Choice xmlns:p159="http://schemas.microsoft.com/office/powerpoint/2015/09/main" Requires="p159">
+  <mc:AlternateContent xmlns:mc="http://schemas.openxmlformats.org/markup-compatibility/2006" xmlns:p159="http://schemas.microsoft.com/office/powerpoint/2015/09/main">
+    <mc:Choice Requires="p159">
       <p:transition xmlns:p14="http://schemas.microsoft.com/office/powerpoint/2010/main" spd="slow" p14:dur="2000">
         <p159:morph option="byObject"/>
       </p:transition>
     </mc:Choice>
-    <mc:Fallback>
+    <mc:Fallback xmlns="">
       <p:transition spd="slow">
         <p:fade/>
       </p:transition>
@@ -17898,13 +17898,13 @@
   <p:clrMapOvr>
     <a:masterClrMapping/>
   </p:clrMapOvr>
-  <mc:AlternateContent xmlns:mc="http://schemas.openxmlformats.org/markup-compatibility/2006">
-    <mc:Choice xmlns:p159="http://schemas.microsoft.com/office/powerpoint/2015/09/main" Requires="p159">
+  <mc:AlternateContent xmlns:mc="http://schemas.openxmlformats.org/markup-compatibility/2006" xmlns:p159="http://schemas.microsoft.com/office/powerpoint/2015/09/main">
+    <mc:Choice Requires="p159">
       <p:transition xmlns:p14="http://schemas.microsoft.com/office/powerpoint/2010/main" spd="slow" p14:dur="2000">
         <p159:morph option="byObject"/>
       </p:transition>
     </mc:Choice>
-    <mc:Fallback>
+    <mc:Fallback xmlns="">
       <p:transition spd="slow">
         <p:fade/>
       </p:transition>
@@ -18138,13 +18138,13 @@
   <p:clrMapOvr>
     <a:masterClrMapping/>
   </p:clrMapOvr>
-  <mc:AlternateContent xmlns:mc="http://schemas.openxmlformats.org/markup-compatibility/2006">
-    <mc:Choice xmlns:p159="http://schemas.microsoft.com/office/powerpoint/2015/09/main" Requires="p159">
+  <mc:AlternateContent xmlns:mc="http://schemas.openxmlformats.org/markup-compatibility/2006" xmlns:p159="http://schemas.microsoft.com/office/powerpoint/2015/09/main">
+    <mc:Choice Requires="p159">
       <p:transition xmlns:p14="http://schemas.microsoft.com/office/powerpoint/2010/main" spd="slow" p14:dur="2000">
         <p159:morph option="byObject"/>
       </p:transition>
     </mc:Choice>
-    <mc:Fallback>
+    <mc:Fallback xmlns="">
       <p:transition spd="slow">
         <p:fade/>
       </p:transition>
@@ -18494,13 +18494,13 @@
   <p:clrMapOvr>
     <a:masterClrMapping/>
   </p:clrMapOvr>
-  <mc:AlternateContent xmlns:mc="http://schemas.openxmlformats.org/markup-compatibility/2006">
-    <mc:Choice xmlns:p159="http://schemas.microsoft.com/office/powerpoint/2015/09/main" Requires="p159">
+  <mc:AlternateContent xmlns:mc="http://schemas.openxmlformats.org/markup-compatibility/2006" xmlns:p159="http://schemas.microsoft.com/office/powerpoint/2015/09/main">
+    <mc:Choice Requires="p159">
       <p:transition xmlns:p14="http://schemas.microsoft.com/office/powerpoint/2010/main" spd="slow" p14:dur="2000">
         <p159:morph option="byObject"/>
       </p:transition>
     </mc:Choice>
-    <mc:Fallback>
+    <mc:Fallback xmlns="">
       <p:transition spd="slow">
         <p:fade/>
       </p:transition>
@@ -18928,13 +18928,13 @@
   <p:clrMapOvr>
     <a:masterClrMapping/>
   </p:clrMapOvr>
-  <mc:AlternateContent xmlns:mc="http://schemas.openxmlformats.org/markup-compatibility/2006">
-    <mc:Choice xmlns:p159="http://schemas.microsoft.com/office/powerpoint/2015/09/main" Requires="p159">
+  <mc:AlternateContent xmlns:mc="http://schemas.openxmlformats.org/markup-compatibility/2006" xmlns:p159="http://schemas.microsoft.com/office/powerpoint/2015/09/main">
+    <mc:Choice Requires="p159">
       <p:transition xmlns:p14="http://schemas.microsoft.com/office/powerpoint/2010/main" spd="slow" p14:dur="2000">
         <p159:morph option="byObject"/>
       </p:transition>
     </mc:Choice>
-    <mc:Fallback>
+    <mc:Fallback xmlns="">
       <p:transition spd="slow">
         <p:fade/>
       </p:transition>
@@ -19148,13 +19148,13 @@
   <p:clrMapOvr>
     <a:masterClrMapping/>
   </p:clrMapOvr>
-  <mc:AlternateContent xmlns:mc="http://schemas.openxmlformats.org/markup-compatibility/2006">
-    <mc:Choice xmlns:p159="http://schemas.microsoft.com/office/powerpoint/2015/09/main" Requires="p159">
+  <mc:AlternateContent xmlns:mc="http://schemas.openxmlformats.org/markup-compatibility/2006" xmlns:p159="http://schemas.microsoft.com/office/powerpoint/2015/09/main">
+    <mc:Choice Requires="p159">
       <p:transition xmlns:p14="http://schemas.microsoft.com/office/powerpoint/2010/main" spd="slow" p14:dur="2000">
         <p159:morph option="byObject"/>
       </p:transition>
     </mc:Choice>
-    <mc:Fallback>
+    <mc:Fallback xmlns="">
       <p:transition spd="slow">
         <p:fade/>
       </p:transition>
@@ -19620,13 +19620,13 @@
   <p:clrMapOvr>
     <a:masterClrMapping/>
   </p:clrMapOvr>
-  <mc:AlternateContent xmlns:mc="http://schemas.openxmlformats.org/markup-compatibility/2006">
-    <mc:Choice xmlns:p159="http://schemas.microsoft.com/office/powerpoint/2015/09/main" Requires="p159">
+  <mc:AlternateContent xmlns:mc="http://schemas.openxmlformats.org/markup-compatibility/2006" xmlns:p159="http://schemas.microsoft.com/office/powerpoint/2015/09/main">
+    <mc:Choice Requires="p159">
       <p:transition xmlns:p14="http://schemas.microsoft.com/office/powerpoint/2010/main" spd="slow" p14:dur="2000" advClick="0" advTm="0">
         <p159:morph option="byObject"/>
       </p:transition>
     </mc:Choice>
-    <mc:Fallback>
+    <mc:Fallback xmlns="">
       <p:transition spd="slow" advClick="0" advTm="0">
         <p:fade/>
       </p:transition>
@@ -20092,13 +20092,13 @@
   <p:clrMapOvr>
     <a:masterClrMapping/>
   </p:clrMapOvr>
-  <mc:AlternateContent xmlns:mc="http://schemas.openxmlformats.org/markup-compatibility/2006">
-    <mc:Choice xmlns:p159="http://schemas.microsoft.com/office/powerpoint/2015/09/main" Requires="p159">
+  <mc:AlternateContent xmlns:mc="http://schemas.openxmlformats.org/markup-compatibility/2006" xmlns:p159="http://schemas.microsoft.com/office/powerpoint/2015/09/main">
+    <mc:Choice Requires="p159">
       <p:transition xmlns:p14="http://schemas.microsoft.com/office/powerpoint/2010/main" spd="slow" p14:dur="2000">
         <p159:morph option="byObject"/>
       </p:transition>
     </mc:Choice>
-    <mc:Fallback>
+    <mc:Fallback xmlns="">
       <p:transition spd="slow">
         <p:fade/>
       </p:transition>
@@ -20222,13 +20222,13 @@
   <p:clrMapOvr>
     <a:masterClrMapping/>
   </p:clrMapOvr>
-  <mc:AlternateContent xmlns:mc="http://schemas.openxmlformats.org/markup-compatibility/2006">
-    <mc:Choice xmlns:p14="http://schemas.microsoft.com/office/powerpoint/2010/main" Requires="p14">
+  <mc:AlternateContent xmlns:mc="http://schemas.openxmlformats.org/markup-compatibility/2006" xmlns:p14="http://schemas.microsoft.com/office/powerpoint/2010/main">
+    <mc:Choice Requires="p14">
       <p:transition spd="slow" p14:dur="1500">
         <p:fade/>
       </p:transition>
     </mc:Choice>
-    <mc:Fallback>
+    <mc:Fallback xmlns="">
       <p:transition spd="slow">
         <p:fade/>
       </p:transition>
